--- a/scrum_exercice.pptx
+++ b/scrum_exercice.pptx
@@ -15,9 +15,9 @@
     <p:sldId id="428" r:id="rId3"/>
     <p:sldId id="427" r:id="rId4"/>
     <p:sldId id="426" r:id="rId5"/>
-    <p:sldId id="429" r:id="rId6"/>
-    <p:sldId id="430" r:id="rId7"/>
-    <p:sldId id="431" r:id="rId8"/>
+    <p:sldId id="398" r:id="rId6"/>
+    <p:sldId id="435" r:id="rId7"/>
+    <p:sldId id="432" r:id="rId8"/>
   </p:sldIdLst>
   <p:sldSz cx="10261600" cy="6858000"/>
   <p:notesSz cx="6797675" cy="9874250"/>
@@ -236,9 +236,9 @@
             <p14:sldId id="428"/>
             <p14:sldId id="427"/>
             <p14:sldId id="426"/>
-            <p14:sldId id="429"/>
-            <p14:sldId id="430"/>
-            <p14:sldId id="431"/>
+            <p14:sldId id="398"/>
+            <p14:sldId id="435"/>
+            <p14:sldId id="432"/>
           </p14:sldIdLst>
         </p14:section>
         <p14:section name="docker" id="{93EB8F7D-9B13-D54F-B0CE-11A83D57D5C9}">
@@ -349,7 +349,7 @@
           <a:p>
             <a:fld id="{44AC2F36-B7B1-FC46-BFFD-DF8EF77E9D3F}" type="datetimeFigureOut">
               <a:rPr lang="fr-FR" smtClean="0"/>
-              <a:t>15/11/2017</a:t>
+              <a:t>26/03/2018</a:t>
             </a:fld>
             <a:endParaRPr lang="fr-FR"/>
           </a:p>
@@ -17606,7 +17606,7 @@
         <p:spPr>
           <a:xfrm>
             <a:off x="1169987" y="1316182"/>
-            <a:ext cx="3207929" cy="738664"/>
+            <a:ext cx="6091732" cy="1600438"/>
           </a:xfrm>
           <a:prstGeom prst="rect">
             <a:avLst/>
@@ -17621,10 +17621,12 @@
           <a:p>
             <a:r>
               <a:rPr lang="fr-FR" dirty="0" smtClean="0"/>
-              <a:t>Sur votre projet actuel </a:t>
-            </a:r>
-          </a:p>
-          <a:p>
+              <a:t>Sur votre projet actuel d’entreprise :</a:t>
+            </a:r>
+            <a:r>
+              <a:rPr lang="fr-FR" dirty="0"/>
+              <a:t> </a:t>
+            </a:r>
             <a:r>
               <a:rPr lang="fr-FR" dirty="0" smtClean="0"/>
               <a:t>Ecrire une épopée et deux </a:t>
@@ -17637,6 +17639,40 @@
               <a:rPr lang="fr-FR" dirty="0" smtClean="0"/>
               <a:t> story</a:t>
             </a:r>
+          </a:p>
+          <a:p>
+            <a:endParaRPr lang="fr-FR" dirty="0"/>
+          </a:p>
+          <a:p>
+            <a:endParaRPr lang="fr-FR" dirty="0"/>
+          </a:p>
+          <a:p>
+            <a:r>
+              <a:rPr lang="fr-FR" dirty="0" smtClean="0"/>
+              <a:t>Uploadez sur le </a:t>
+            </a:r>
+            <a:r>
+              <a:rPr lang="fr-FR" dirty="0" err="1" smtClean="0"/>
+              <a:t>github</a:t>
+            </a:r>
+            <a:r>
+              <a:rPr lang="fr-FR" dirty="0" smtClean="0"/>
+              <a:t> avec vos noms dans le nom du fichier</a:t>
+            </a:r>
+          </a:p>
+          <a:p>
+            <a:endParaRPr lang="fr-FR" dirty="0"/>
+          </a:p>
+          <a:p>
+            <a:r>
+              <a:rPr lang="fr-FR" dirty="0" smtClean="0"/>
+              <a:t>Puis on débriefera les </a:t>
+            </a:r>
+            <a:r>
+              <a:rPr lang="fr-FR" dirty="0" err="1" smtClean="0"/>
+              <a:t>ppt</a:t>
+            </a:r>
+            <a:endParaRPr lang="fr-FR" dirty="0" smtClean="0"/>
           </a:p>
           <a:p>
             <a:endParaRPr lang="fr-FR" dirty="0"/>
@@ -20263,7 +20299,6 @@
               <a:rPr lang="fr-FR" dirty="0"/>
               <a:t>Exercice : créer une épopée, et des user story</a:t>
             </a:r>
-            <a:endParaRPr lang="fr-FR" dirty="0"/>
           </a:p>
         </p:txBody>
       </p:sp>
@@ -21755,109 +21790,6 @@
       </p:grpSpPr>
       <p:sp>
         <p:nvSpPr>
-          <p:cNvPr id="28" name="Rectangle 27"/>
-          <p:cNvSpPr/>
-          <p:nvPr/>
-        </p:nvSpPr>
-        <p:spPr>
-          <a:xfrm>
-            <a:off x="3757808" y="3792762"/>
-            <a:ext cx="5123145" cy="2750472"/>
-          </a:xfrm>
-          <a:prstGeom prst="rect">
-            <a:avLst/>
-          </a:prstGeom>
-          <a:solidFill>
-            <a:schemeClr val="bg1">
-              <a:lumMod val="85000"/>
-            </a:schemeClr>
-          </a:solidFill>
-          <a:ln>
-            <a:noFill/>
-          </a:ln>
-        </p:spPr>
-        <p:style>
-          <a:lnRef idx="2">
-            <a:schemeClr val="accent1">
-              <a:shade val="50000"/>
-            </a:schemeClr>
-          </a:lnRef>
-          <a:fillRef idx="1">
-            <a:schemeClr val="accent1"/>
-          </a:fillRef>
-          <a:effectRef idx="0">
-            <a:schemeClr val="accent1"/>
-          </a:effectRef>
-          <a:fontRef idx="minor">
-            <a:schemeClr val="lt1"/>
-          </a:fontRef>
-        </p:style>
-        <p:txBody>
-          <a:bodyPr rtlCol="0" anchor="t"/>
-          <a:lstStyle/>
-          <a:p>
-            <a:pPr algn="ctr"/>
-            <a:r>
-              <a:rPr lang="fr-FR" dirty="0"/>
-              <a:t>Thème 2</a:t>
-            </a:r>
-          </a:p>
-        </p:txBody>
-      </p:sp>
-      <p:sp>
-        <p:nvSpPr>
-          <p:cNvPr id="4" name="Rectangle 3"/>
-          <p:cNvSpPr/>
-          <p:nvPr/>
-        </p:nvSpPr>
-        <p:spPr>
-          <a:xfrm>
-            <a:off x="3757808" y="981073"/>
-            <a:ext cx="5123145" cy="2750472"/>
-          </a:xfrm>
-          <a:prstGeom prst="rect">
-            <a:avLst/>
-          </a:prstGeom>
-          <a:solidFill>
-            <a:schemeClr val="bg1">
-              <a:lumMod val="85000"/>
-            </a:schemeClr>
-          </a:solidFill>
-          <a:ln>
-            <a:noFill/>
-          </a:ln>
-        </p:spPr>
-        <p:style>
-          <a:lnRef idx="2">
-            <a:schemeClr val="accent1">
-              <a:shade val="50000"/>
-            </a:schemeClr>
-          </a:lnRef>
-          <a:fillRef idx="1">
-            <a:schemeClr val="accent1"/>
-          </a:fillRef>
-          <a:effectRef idx="0">
-            <a:schemeClr val="accent1"/>
-          </a:effectRef>
-          <a:fontRef idx="minor">
-            <a:schemeClr val="lt1"/>
-          </a:fontRef>
-        </p:style>
-        <p:txBody>
-          <a:bodyPr rtlCol="0" anchor="t"/>
-          <a:lstStyle/>
-          <a:p>
-            <a:pPr algn="ctr"/>
-            <a:r>
-              <a:rPr lang="fr-FR" dirty="0" smtClean="0"/>
-              <a:t>Thème 1</a:t>
-            </a:r>
-            <a:endParaRPr lang="fr-FR" dirty="0"/>
-          </a:p>
-        </p:txBody>
-      </p:sp>
-      <p:sp>
-        <p:nvSpPr>
           <p:cNvPr id="2" name="Titre 1"/>
           <p:cNvSpPr>
             <a:spLocks noGrp="1"/>
@@ -21872,8 +21804,16 @@
           <a:lstStyle/>
           <a:p>
             <a:r>
+              <a:rPr lang="fr-FR" smtClean="0"/>
+              <a:t>Activités 1 : </a:t>
+            </a:r>
+            <a:r>
+              <a:rPr lang="fr-FR" dirty="0" err="1" smtClean="0"/>
+              <a:t>Grooming</a:t>
+            </a:r>
+            <a:r>
               <a:rPr lang="fr-FR" dirty="0" smtClean="0"/>
-              <a:t>Exercice : créer une épopée, et des user story</a:t>
+              <a:t> (1/2)</a:t>
             </a:r>
             <a:endParaRPr lang="fr-FR" dirty="0"/>
           </a:p>
@@ -21887,1663 +21827,404 @@
         </p:nvSpPr>
         <p:spPr>
           <a:xfrm>
-            <a:off x="4102849" y="1352810"/>
-            <a:ext cx="2836033" cy="1384995"/>
+            <a:off x="508957" y="1356733"/>
+            <a:ext cx="4520243" cy="5238034"/>
           </a:xfrm>
           <a:prstGeom prst="roundRect">
             <a:avLst/>
           </a:prstGeom>
-          <a:solidFill>
-            <a:srgbClr val="153F9F"/>
-          </a:solidFill>
+          <a:noFill/>
           <a:ln>
             <a:solidFill>
-              <a:schemeClr val="bg1"/>
+              <a:schemeClr val="tx1"/>
             </a:solidFill>
           </a:ln>
         </p:spPr>
         <p:txBody>
-          <a:bodyPr wrap="none" rtlCol="0">
+          <a:bodyPr wrap="square" rtlCol="0">
             <a:noAutofit/>
           </a:bodyPr>
           <a:lstStyle/>
           <a:p>
             <a:pPr algn="ctr"/>
             <a:r>
-              <a:rPr lang="fr-FR" b="1" dirty="0" smtClean="0">
-                <a:solidFill>
-                  <a:srgbClr val="FA9905"/>
+              <a:rPr lang="fr-FR" b="1" dirty="0" err="1" smtClean="0">
+                <a:solidFill>
+                  <a:schemeClr val="tx1"/>
                 </a:solidFill>
               </a:rPr>
-              <a:t>User Story 1</a:t>
-            </a:r>
-          </a:p>
-          <a:p>
-            <a:pPr algn="ctr"/>
-            <a:r>
-              <a:rPr lang="fr-FR" b="1" dirty="0" smtClean="0">
-                <a:solidFill>
-                  <a:srgbClr val="FA9905"/>
-                </a:solidFill>
-              </a:rPr>
-              <a:t>Titre</a:t>
-            </a:r>
-          </a:p>
-          <a:p>
-            <a:r>
-              <a:rPr lang="fr-FR" b="1" dirty="0" smtClean="0">
-                <a:solidFill>
-                  <a:schemeClr val="bg1"/>
-                </a:solidFill>
-              </a:rPr>
-              <a:t>« En tant que</a:t>
-            </a:r>
-            <a:r>
-              <a:rPr lang="fr-FR" b="1" dirty="0" smtClean="0"/>
-              <a:t> </a:t>
-            </a:r>
-            <a:r>
-              <a:rPr lang="fr-FR" b="1" dirty="0" smtClean="0">
-                <a:solidFill>
-                  <a:srgbClr val="FA9905"/>
-                </a:solidFill>
-              </a:rPr>
-              <a:t>type d’utilisateur </a:t>
-            </a:r>
-          </a:p>
-          <a:p>
-            <a:r>
-              <a:rPr lang="fr-FR" b="1" dirty="0">
-                <a:solidFill>
-                  <a:schemeClr val="bg1"/>
-                </a:solidFill>
-              </a:rPr>
-              <a:t>j</a:t>
-            </a:r>
-            <a:r>
-              <a:rPr lang="fr-FR" b="1" dirty="0" smtClean="0">
-                <a:solidFill>
-                  <a:schemeClr val="bg1"/>
-                </a:solidFill>
-              </a:rPr>
-              <a:t>e veux </a:t>
-            </a:r>
-            <a:r>
-              <a:rPr lang="fr-FR" b="1" dirty="0" smtClean="0">
-                <a:solidFill>
-                  <a:srgbClr val="FA9905"/>
-                </a:solidFill>
-              </a:rPr>
-              <a:t>faire </a:t>
-            </a:r>
-            <a:r>
-              <a:rPr lang="fr-FR" b="1" dirty="0" err="1" smtClean="0">
-                <a:solidFill>
-                  <a:srgbClr val="FA9905"/>
-                </a:solidFill>
-              </a:rPr>
-              <a:t>quelquechose</a:t>
-            </a:r>
-            <a:endParaRPr lang="fr-FR" b="1" dirty="0" smtClean="0">
+              <a:t>Epopé</a:t>
+            </a:r>
+            <a:endParaRPr lang="fr-FR" dirty="0">
               <a:solidFill>
-                <a:srgbClr val="FA9905"/>
+                <a:schemeClr val="tx1"/>
               </a:solidFill>
             </a:endParaRPr>
           </a:p>
-          <a:p>
-            <a:r>
-              <a:rPr lang="fr-FR" b="1" dirty="0" smtClean="0">
-                <a:solidFill>
-                  <a:schemeClr val="bg1"/>
-                </a:solidFill>
-              </a:rPr>
-              <a:t>afin de</a:t>
-            </a:r>
-            <a:r>
-              <a:rPr lang="fr-FR" b="1" dirty="0" smtClean="0"/>
-              <a:t> </a:t>
-            </a:r>
-            <a:r>
-              <a:rPr lang="fr-FR" b="1" dirty="0" smtClean="0">
-                <a:solidFill>
-                  <a:srgbClr val="FA9905"/>
-                </a:solidFill>
-              </a:rPr>
-              <a:t>bénéfice</a:t>
-            </a:r>
-            <a:r>
-              <a:rPr lang="fr-FR" b="1" dirty="0" smtClean="0"/>
-              <a:t> </a:t>
-            </a:r>
-            <a:r>
-              <a:rPr lang="fr-FR" b="1" dirty="0" smtClean="0">
-                <a:solidFill>
-                  <a:schemeClr val="bg1"/>
-                </a:solidFill>
-              </a:rPr>
-              <a:t>»</a:t>
-            </a:r>
-          </a:p>
-          <a:p>
-            <a:endParaRPr lang="fr-FR" dirty="0">
-              <a:solidFill>
-                <a:schemeClr val="bg1"/>
-              </a:solidFill>
-            </a:endParaRPr>
-          </a:p>
         </p:txBody>
       </p:sp>
-      <p:sp>
-        <p:nvSpPr>
-          <p:cNvPr id="35" name="ZoneTexte 34"/>
-          <p:cNvSpPr txBox="1"/>
-          <p:nvPr/>
-        </p:nvSpPr>
-        <p:spPr>
-          <a:xfrm>
-            <a:off x="406544" y="1566828"/>
-            <a:ext cx="2497800" cy="738664"/>
-          </a:xfrm>
-          <a:prstGeom prst="roundRect">
-            <a:avLst/>
-          </a:prstGeom>
-          <a:solidFill>
-            <a:srgbClr val="153F9F"/>
-          </a:solidFill>
-        </p:spPr>
-        <p:txBody>
-          <a:bodyPr wrap="none" rtlCol="0">
-            <a:noAutofit/>
-          </a:bodyPr>
-          <a:lstStyle/>
-          <a:p>
-            <a:pPr algn="ctr"/>
-            <a:r>
-              <a:rPr lang="fr-FR" b="1" dirty="0" smtClean="0">
-                <a:solidFill>
-                  <a:srgbClr val="FA9905"/>
-                </a:solidFill>
-              </a:rPr>
-              <a:t>Epopée</a:t>
-            </a:r>
-          </a:p>
-          <a:p>
-            <a:pPr algn="ctr"/>
-            <a:endParaRPr lang="fr-FR" b="1" dirty="0" smtClean="0">
-              <a:solidFill>
-                <a:srgbClr val="FA9905"/>
-              </a:solidFill>
-            </a:endParaRPr>
-          </a:p>
-        </p:txBody>
-      </p:sp>
-      <p:cxnSp>
-        <p:nvCxnSpPr>
-          <p:cNvPr id="37" name="Connecteur droit avec flèche 36"/>
-          <p:cNvCxnSpPr/>
-          <p:nvPr/>
-        </p:nvCxnSpPr>
-        <p:spPr>
-          <a:xfrm>
-            <a:off x="1655444" y="2305492"/>
-            <a:ext cx="14446" cy="304647"/>
-          </a:xfrm>
-          <a:prstGeom prst="straightConnector1">
-            <a:avLst/>
-          </a:prstGeom>
-          <a:ln>
-            <a:solidFill>
-              <a:srgbClr val="163F9D"/>
-            </a:solidFill>
-            <a:tailEnd type="triangle"/>
-          </a:ln>
-        </p:spPr>
-        <p:style>
-          <a:lnRef idx="1">
-            <a:schemeClr val="accent1"/>
-          </a:lnRef>
-          <a:fillRef idx="0">
-            <a:schemeClr val="accent1"/>
-          </a:fillRef>
-          <a:effectRef idx="0">
-            <a:schemeClr val="accent1"/>
-          </a:effectRef>
-          <a:fontRef idx="minor">
-            <a:schemeClr val="tx1"/>
-          </a:fontRef>
-        </p:style>
-      </p:cxnSp>
-      <p:sp>
-        <p:nvSpPr>
-          <p:cNvPr id="49" name="ZoneTexte 48"/>
-          <p:cNvSpPr txBox="1"/>
-          <p:nvPr/>
-        </p:nvSpPr>
-        <p:spPr>
-          <a:xfrm>
-            <a:off x="420990" y="2610139"/>
-            <a:ext cx="2497800" cy="738664"/>
-          </a:xfrm>
-          <a:prstGeom prst="roundRect">
-            <a:avLst/>
-          </a:prstGeom>
-          <a:solidFill>
-            <a:srgbClr val="153F9F"/>
-          </a:solidFill>
-        </p:spPr>
-        <p:txBody>
-          <a:bodyPr wrap="none" rtlCol="0">
-            <a:noAutofit/>
-          </a:bodyPr>
-          <a:lstStyle/>
-          <a:p>
-            <a:pPr algn="ctr"/>
-            <a:r>
-              <a:rPr lang="fr-FR" b="1" dirty="0" smtClean="0">
-                <a:solidFill>
-                  <a:srgbClr val="FA9905"/>
-                </a:solidFill>
-              </a:rPr>
-              <a:t>Fonctionnalités</a:t>
-            </a:r>
-          </a:p>
-          <a:p>
-            <a:pPr algn="ctr"/>
-            <a:endParaRPr lang="fr-FR" b="1" dirty="0" smtClean="0">
-              <a:solidFill>
-                <a:srgbClr val="FA9905"/>
-              </a:solidFill>
-            </a:endParaRPr>
-          </a:p>
-        </p:txBody>
-      </p:sp>
-      <p:cxnSp>
-        <p:nvCxnSpPr>
-          <p:cNvPr id="52" name="Connecteur droit avec flèche 51"/>
-          <p:cNvCxnSpPr/>
-          <p:nvPr/>
-        </p:nvCxnSpPr>
-        <p:spPr>
-          <a:xfrm flipV="1">
-            <a:off x="2918790" y="2045308"/>
-            <a:ext cx="1184059" cy="934163"/>
-          </a:xfrm>
-          <a:prstGeom prst="straightConnector1">
-            <a:avLst/>
-          </a:prstGeom>
-          <a:ln>
-            <a:solidFill>
-              <a:srgbClr val="FA9905"/>
-            </a:solidFill>
-            <a:tailEnd type="triangle"/>
-          </a:ln>
-        </p:spPr>
-        <p:style>
-          <a:lnRef idx="1">
-            <a:schemeClr val="accent1"/>
-          </a:lnRef>
-          <a:fillRef idx="0">
-            <a:schemeClr val="accent1"/>
-          </a:fillRef>
-          <a:effectRef idx="0">
-            <a:schemeClr val="accent1"/>
-          </a:effectRef>
-          <a:fontRef idx="minor">
-            <a:schemeClr val="tx1"/>
-          </a:fontRef>
-        </p:style>
-      </p:cxnSp>
-      <p:sp>
-        <p:nvSpPr>
-          <p:cNvPr id="17" name="ZoneTexte 16"/>
-          <p:cNvSpPr txBox="1"/>
-          <p:nvPr/>
-        </p:nvSpPr>
-        <p:spPr>
-          <a:xfrm>
-            <a:off x="4583693" y="1663105"/>
-            <a:ext cx="2836033" cy="1384995"/>
-          </a:xfrm>
-          <a:prstGeom prst="roundRect">
-            <a:avLst/>
-          </a:prstGeom>
-          <a:solidFill>
-            <a:srgbClr val="153F9F"/>
-          </a:solidFill>
-          <a:ln>
-            <a:solidFill>
-              <a:schemeClr val="bg1"/>
-            </a:solidFill>
-          </a:ln>
-        </p:spPr>
-        <p:txBody>
-          <a:bodyPr wrap="none" rtlCol="0">
-            <a:noAutofit/>
-          </a:bodyPr>
-          <a:lstStyle/>
-          <a:p>
-            <a:pPr algn="ctr"/>
-            <a:r>
-              <a:rPr lang="fr-FR" b="1" dirty="0" smtClean="0">
-                <a:solidFill>
-                  <a:srgbClr val="FA9905"/>
-                </a:solidFill>
-              </a:rPr>
-              <a:t>User Story 2</a:t>
-            </a:r>
-          </a:p>
-          <a:p>
-            <a:pPr algn="ctr"/>
-            <a:r>
-              <a:rPr lang="fr-FR" b="1" dirty="0" smtClean="0">
-                <a:solidFill>
-                  <a:srgbClr val="FA9905"/>
-                </a:solidFill>
-              </a:rPr>
-              <a:t>Titre</a:t>
-            </a:r>
-          </a:p>
-          <a:p>
-            <a:r>
-              <a:rPr lang="fr-FR" b="1" dirty="0" smtClean="0">
-                <a:solidFill>
-                  <a:schemeClr val="bg1"/>
-                </a:solidFill>
-              </a:rPr>
-              <a:t>« En tant que</a:t>
-            </a:r>
-            <a:r>
-              <a:rPr lang="fr-FR" b="1" dirty="0" smtClean="0"/>
-              <a:t> </a:t>
-            </a:r>
-            <a:r>
-              <a:rPr lang="fr-FR" b="1" dirty="0" smtClean="0">
-                <a:solidFill>
-                  <a:srgbClr val="FA9905"/>
-                </a:solidFill>
-              </a:rPr>
-              <a:t>type d’utilisateur </a:t>
-            </a:r>
-          </a:p>
-          <a:p>
-            <a:r>
-              <a:rPr lang="fr-FR" b="1" dirty="0">
-                <a:solidFill>
-                  <a:schemeClr val="bg1"/>
-                </a:solidFill>
-              </a:rPr>
-              <a:t>j</a:t>
-            </a:r>
-            <a:r>
-              <a:rPr lang="fr-FR" b="1" dirty="0" smtClean="0">
-                <a:solidFill>
-                  <a:schemeClr val="bg1"/>
-                </a:solidFill>
-              </a:rPr>
-              <a:t>e veux </a:t>
-            </a:r>
-            <a:r>
-              <a:rPr lang="fr-FR" b="1" dirty="0" smtClean="0">
-                <a:solidFill>
-                  <a:srgbClr val="FA9905"/>
-                </a:solidFill>
-              </a:rPr>
-              <a:t>faire </a:t>
-            </a:r>
-            <a:r>
-              <a:rPr lang="fr-FR" b="1" dirty="0" err="1" smtClean="0">
-                <a:solidFill>
-                  <a:srgbClr val="FA9905"/>
-                </a:solidFill>
-              </a:rPr>
-              <a:t>quelquechose</a:t>
-            </a:r>
-            <a:endParaRPr lang="fr-FR" b="1" dirty="0" smtClean="0">
-              <a:solidFill>
-                <a:srgbClr val="FA9905"/>
-              </a:solidFill>
-            </a:endParaRPr>
-          </a:p>
-          <a:p>
-            <a:r>
-              <a:rPr lang="fr-FR" b="1" dirty="0" smtClean="0">
-                <a:solidFill>
-                  <a:schemeClr val="bg1"/>
-                </a:solidFill>
-              </a:rPr>
-              <a:t>afin de</a:t>
-            </a:r>
-            <a:r>
-              <a:rPr lang="fr-FR" b="1" dirty="0" smtClean="0"/>
-              <a:t> </a:t>
-            </a:r>
-            <a:r>
-              <a:rPr lang="fr-FR" b="1" dirty="0" smtClean="0">
-                <a:solidFill>
-                  <a:srgbClr val="FA9905"/>
-                </a:solidFill>
-              </a:rPr>
-              <a:t>bénéfice</a:t>
-            </a:r>
-            <a:r>
-              <a:rPr lang="fr-FR" b="1" dirty="0" smtClean="0"/>
-              <a:t> </a:t>
-            </a:r>
-            <a:r>
-              <a:rPr lang="fr-FR" b="1" dirty="0" smtClean="0">
-                <a:solidFill>
-                  <a:schemeClr val="bg1"/>
-                </a:solidFill>
-              </a:rPr>
-              <a:t>»</a:t>
-            </a:r>
-          </a:p>
-          <a:p>
-            <a:endParaRPr lang="fr-FR" dirty="0">
-              <a:solidFill>
-                <a:schemeClr val="bg1"/>
-              </a:solidFill>
-            </a:endParaRPr>
-          </a:p>
-        </p:txBody>
-      </p:sp>
-      <p:sp>
-        <p:nvSpPr>
-          <p:cNvPr id="18" name="ZoneTexte 17"/>
-          <p:cNvSpPr txBox="1"/>
-          <p:nvPr/>
-        </p:nvSpPr>
-        <p:spPr>
-          <a:xfrm>
-            <a:off x="5064537" y="1936160"/>
-            <a:ext cx="2836033" cy="1384995"/>
-          </a:xfrm>
-          <a:prstGeom prst="roundRect">
-            <a:avLst/>
-          </a:prstGeom>
-          <a:solidFill>
-            <a:srgbClr val="153F9F"/>
-          </a:solidFill>
-          <a:ln>
-            <a:solidFill>
-              <a:schemeClr val="bg1"/>
-            </a:solidFill>
-          </a:ln>
-        </p:spPr>
-        <p:txBody>
-          <a:bodyPr wrap="none" rtlCol="0">
-            <a:noAutofit/>
-          </a:bodyPr>
-          <a:lstStyle/>
-          <a:p>
-            <a:pPr algn="ctr"/>
-            <a:r>
-              <a:rPr lang="fr-FR" b="1" dirty="0" smtClean="0">
-                <a:solidFill>
-                  <a:srgbClr val="FA9905"/>
-                </a:solidFill>
-              </a:rPr>
-              <a:t>User Story 3</a:t>
-            </a:r>
-          </a:p>
-          <a:p>
-            <a:pPr algn="ctr"/>
-            <a:r>
-              <a:rPr lang="fr-FR" b="1" dirty="0" smtClean="0">
-                <a:solidFill>
-                  <a:srgbClr val="FA9905"/>
-                </a:solidFill>
-              </a:rPr>
-              <a:t>Titre</a:t>
-            </a:r>
-          </a:p>
-          <a:p>
-            <a:r>
-              <a:rPr lang="fr-FR" b="1" dirty="0" smtClean="0">
-                <a:solidFill>
-                  <a:schemeClr val="bg1"/>
-                </a:solidFill>
-              </a:rPr>
-              <a:t>« En tant que</a:t>
-            </a:r>
-            <a:r>
-              <a:rPr lang="fr-FR" b="1" dirty="0" smtClean="0"/>
-              <a:t> </a:t>
-            </a:r>
-            <a:r>
-              <a:rPr lang="fr-FR" b="1" dirty="0" smtClean="0">
-                <a:solidFill>
-                  <a:srgbClr val="FA9905"/>
-                </a:solidFill>
-              </a:rPr>
-              <a:t>type d’utilisateur </a:t>
-            </a:r>
-          </a:p>
-          <a:p>
-            <a:r>
-              <a:rPr lang="fr-FR" b="1" dirty="0">
-                <a:solidFill>
-                  <a:schemeClr val="bg1"/>
-                </a:solidFill>
-              </a:rPr>
-              <a:t>j</a:t>
-            </a:r>
-            <a:r>
-              <a:rPr lang="fr-FR" b="1" dirty="0" smtClean="0">
-                <a:solidFill>
-                  <a:schemeClr val="bg1"/>
-                </a:solidFill>
-              </a:rPr>
-              <a:t>e veux </a:t>
-            </a:r>
-            <a:r>
-              <a:rPr lang="fr-FR" b="1" dirty="0" smtClean="0">
-                <a:solidFill>
-                  <a:srgbClr val="FA9905"/>
-                </a:solidFill>
-              </a:rPr>
-              <a:t>faire </a:t>
-            </a:r>
-            <a:r>
-              <a:rPr lang="fr-FR" b="1" dirty="0" err="1" smtClean="0">
-                <a:solidFill>
-                  <a:srgbClr val="FA9905"/>
-                </a:solidFill>
-              </a:rPr>
-              <a:t>quelquechose</a:t>
-            </a:r>
-            <a:endParaRPr lang="fr-FR" b="1" dirty="0" smtClean="0">
-              <a:solidFill>
-                <a:srgbClr val="FA9905"/>
-              </a:solidFill>
-            </a:endParaRPr>
-          </a:p>
-          <a:p>
-            <a:r>
-              <a:rPr lang="fr-FR" b="1" dirty="0" smtClean="0">
-                <a:solidFill>
-                  <a:schemeClr val="bg1"/>
-                </a:solidFill>
-              </a:rPr>
-              <a:t>afin de</a:t>
-            </a:r>
-            <a:r>
-              <a:rPr lang="fr-FR" b="1" dirty="0" smtClean="0"/>
-              <a:t> </a:t>
-            </a:r>
-            <a:r>
-              <a:rPr lang="fr-FR" b="1" dirty="0" smtClean="0">
-                <a:solidFill>
-                  <a:srgbClr val="FA9905"/>
-                </a:solidFill>
-              </a:rPr>
-              <a:t>bénéfice</a:t>
-            </a:r>
-            <a:r>
-              <a:rPr lang="fr-FR" b="1" dirty="0" smtClean="0"/>
-              <a:t> </a:t>
-            </a:r>
-            <a:r>
-              <a:rPr lang="fr-FR" b="1" dirty="0" smtClean="0">
-                <a:solidFill>
-                  <a:schemeClr val="bg1"/>
-                </a:solidFill>
-              </a:rPr>
-              <a:t>»</a:t>
-            </a:r>
-          </a:p>
-          <a:p>
-            <a:endParaRPr lang="fr-FR" dirty="0">
-              <a:solidFill>
-                <a:schemeClr val="bg1"/>
-              </a:solidFill>
-            </a:endParaRPr>
-          </a:p>
-        </p:txBody>
-      </p:sp>
-      <p:sp>
-        <p:nvSpPr>
-          <p:cNvPr id="20" name="ZoneTexte 19"/>
-          <p:cNvSpPr txBox="1"/>
-          <p:nvPr/>
-        </p:nvSpPr>
-        <p:spPr>
-          <a:xfrm>
-            <a:off x="4227276" y="4115921"/>
-            <a:ext cx="2836033" cy="1384995"/>
-          </a:xfrm>
-          <a:prstGeom prst="roundRect">
-            <a:avLst/>
-          </a:prstGeom>
-          <a:solidFill>
-            <a:srgbClr val="153F9F"/>
-          </a:solidFill>
-          <a:ln>
-            <a:solidFill>
-              <a:schemeClr val="bg1"/>
-            </a:solidFill>
-          </a:ln>
-        </p:spPr>
-        <p:txBody>
-          <a:bodyPr wrap="none" rtlCol="0">
-            <a:noAutofit/>
-          </a:bodyPr>
-          <a:lstStyle/>
-          <a:p>
-            <a:pPr algn="ctr"/>
-            <a:r>
-              <a:rPr lang="fr-FR" b="1" dirty="0" smtClean="0">
-                <a:solidFill>
-                  <a:srgbClr val="FA9905"/>
-                </a:solidFill>
-              </a:rPr>
-              <a:t>User Story 5</a:t>
-            </a:r>
-          </a:p>
-          <a:p>
-            <a:pPr algn="ctr"/>
-            <a:r>
-              <a:rPr lang="fr-FR" b="1" dirty="0" smtClean="0">
-                <a:solidFill>
-                  <a:srgbClr val="FA9905"/>
-                </a:solidFill>
-              </a:rPr>
-              <a:t>Titre</a:t>
-            </a:r>
-          </a:p>
-          <a:p>
-            <a:r>
-              <a:rPr lang="fr-FR" b="1" dirty="0" smtClean="0">
-                <a:solidFill>
-                  <a:schemeClr val="bg1"/>
-                </a:solidFill>
-              </a:rPr>
-              <a:t>« En tant que</a:t>
-            </a:r>
-            <a:r>
-              <a:rPr lang="fr-FR" b="1" dirty="0" smtClean="0"/>
-              <a:t> </a:t>
-            </a:r>
-            <a:r>
-              <a:rPr lang="fr-FR" b="1" dirty="0" smtClean="0">
-                <a:solidFill>
-                  <a:srgbClr val="FA9905"/>
-                </a:solidFill>
-              </a:rPr>
-              <a:t>type d’utilisateur </a:t>
-            </a:r>
-          </a:p>
-          <a:p>
-            <a:r>
-              <a:rPr lang="fr-FR" b="1" dirty="0">
-                <a:solidFill>
-                  <a:schemeClr val="bg1"/>
-                </a:solidFill>
-              </a:rPr>
-              <a:t>j</a:t>
-            </a:r>
-            <a:r>
-              <a:rPr lang="fr-FR" b="1" dirty="0" smtClean="0">
-                <a:solidFill>
-                  <a:schemeClr val="bg1"/>
-                </a:solidFill>
-              </a:rPr>
-              <a:t>e veux </a:t>
-            </a:r>
-            <a:r>
-              <a:rPr lang="fr-FR" b="1" dirty="0" smtClean="0">
-                <a:solidFill>
-                  <a:srgbClr val="FA9905"/>
-                </a:solidFill>
-              </a:rPr>
-              <a:t>faire </a:t>
-            </a:r>
-            <a:r>
-              <a:rPr lang="fr-FR" b="1" dirty="0" err="1" smtClean="0">
-                <a:solidFill>
-                  <a:srgbClr val="FA9905"/>
-                </a:solidFill>
-              </a:rPr>
-              <a:t>quelquechose</a:t>
-            </a:r>
-            <a:endParaRPr lang="fr-FR" b="1" dirty="0" smtClean="0">
-              <a:solidFill>
-                <a:srgbClr val="FA9905"/>
-              </a:solidFill>
-            </a:endParaRPr>
-          </a:p>
-          <a:p>
-            <a:r>
-              <a:rPr lang="fr-FR" b="1" dirty="0" smtClean="0">
-                <a:solidFill>
-                  <a:schemeClr val="bg1"/>
-                </a:solidFill>
-              </a:rPr>
-              <a:t>afin de</a:t>
-            </a:r>
-            <a:r>
-              <a:rPr lang="fr-FR" b="1" dirty="0" smtClean="0"/>
-              <a:t> </a:t>
-            </a:r>
-            <a:r>
-              <a:rPr lang="fr-FR" b="1" dirty="0" smtClean="0">
-                <a:solidFill>
-                  <a:srgbClr val="FA9905"/>
-                </a:solidFill>
-              </a:rPr>
-              <a:t>bénéfice</a:t>
-            </a:r>
-            <a:r>
-              <a:rPr lang="fr-FR" b="1" dirty="0" smtClean="0"/>
-              <a:t> </a:t>
-            </a:r>
-            <a:r>
-              <a:rPr lang="fr-FR" b="1" dirty="0" smtClean="0">
-                <a:solidFill>
-                  <a:schemeClr val="bg1"/>
-                </a:solidFill>
-              </a:rPr>
-              <a:t>»</a:t>
-            </a:r>
-          </a:p>
-          <a:p>
-            <a:endParaRPr lang="fr-FR" dirty="0">
-              <a:solidFill>
-                <a:schemeClr val="bg1"/>
-              </a:solidFill>
-            </a:endParaRPr>
-          </a:p>
-        </p:txBody>
-      </p:sp>
-      <p:sp>
-        <p:nvSpPr>
-          <p:cNvPr id="21" name="ZoneTexte 20"/>
-          <p:cNvSpPr txBox="1"/>
-          <p:nvPr/>
-        </p:nvSpPr>
-        <p:spPr>
-          <a:xfrm>
-            <a:off x="4708120" y="4426216"/>
-            <a:ext cx="2836033" cy="1384995"/>
-          </a:xfrm>
-          <a:prstGeom prst="roundRect">
-            <a:avLst/>
-          </a:prstGeom>
-          <a:solidFill>
-            <a:srgbClr val="153F9F"/>
-          </a:solidFill>
-          <a:ln>
-            <a:solidFill>
-              <a:schemeClr val="bg1"/>
-            </a:solidFill>
-          </a:ln>
-        </p:spPr>
-        <p:txBody>
-          <a:bodyPr wrap="none" rtlCol="0">
-            <a:noAutofit/>
-          </a:bodyPr>
-          <a:lstStyle/>
-          <a:p>
-            <a:pPr algn="ctr"/>
-            <a:r>
-              <a:rPr lang="fr-FR" b="1" dirty="0" smtClean="0">
-                <a:solidFill>
-                  <a:srgbClr val="FA9905"/>
-                </a:solidFill>
-              </a:rPr>
-              <a:t>User Story 6</a:t>
-            </a:r>
-          </a:p>
-          <a:p>
-            <a:pPr algn="ctr"/>
-            <a:r>
-              <a:rPr lang="fr-FR" b="1" dirty="0" smtClean="0">
-                <a:solidFill>
-                  <a:srgbClr val="FA9905"/>
-                </a:solidFill>
-              </a:rPr>
-              <a:t>Titre</a:t>
-            </a:r>
-          </a:p>
-          <a:p>
-            <a:r>
-              <a:rPr lang="fr-FR" b="1" dirty="0" smtClean="0">
-                <a:solidFill>
-                  <a:schemeClr val="bg1"/>
-                </a:solidFill>
-              </a:rPr>
-              <a:t>« En tant que</a:t>
-            </a:r>
-            <a:r>
-              <a:rPr lang="fr-FR" b="1" dirty="0" smtClean="0"/>
-              <a:t> </a:t>
-            </a:r>
-            <a:r>
-              <a:rPr lang="fr-FR" b="1" dirty="0" smtClean="0">
-                <a:solidFill>
-                  <a:srgbClr val="FA9905"/>
-                </a:solidFill>
-              </a:rPr>
-              <a:t>type d’utilisateur </a:t>
-            </a:r>
-          </a:p>
-          <a:p>
-            <a:r>
-              <a:rPr lang="fr-FR" b="1" dirty="0">
-                <a:solidFill>
-                  <a:schemeClr val="bg1"/>
-                </a:solidFill>
-              </a:rPr>
-              <a:t>j</a:t>
-            </a:r>
-            <a:r>
-              <a:rPr lang="fr-FR" b="1" dirty="0" smtClean="0">
-                <a:solidFill>
-                  <a:schemeClr val="bg1"/>
-                </a:solidFill>
-              </a:rPr>
-              <a:t>e veux </a:t>
-            </a:r>
-            <a:r>
-              <a:rPr lang="fr-FR" b="1" dirty="0" smtClean="0">
-                <a:solidFill>
-                  <a:srgbClr val="FA9905"/>
-                </a:solidFill>
-              </a:rPr>
-              <a:t>faire </a:t>
-            </a:r>
-            <a:r>
-              <a:rPr lang="fr-FR" b="1" dirty="0" err="1" smtClean="0">
-                <a:solidFill>
-                  <a:srgbClr val="FA9905"/>
-                </a:solidFill>
-              </a:rPr>
-              <a:t>quelquechose</a:t>
-            </a:r>
-            <a:endParaRPr lang="fr-FR" b="1" dirty="0" smtClean="0">
-              <a:solidFill>
-                <a:srgbClr val="FA9905"/>
-              </a:solidFill>
-            </a:endParaRPr>
-          </a:p>
-          <a:p>
-            <a:r>
-              <a:rPr lang="fr-FR" b="1" dirty="0" smtClean="0">
-                <a:solidFill>
-                  <a:schemeClr val="bg1"/>
-                </a:solidFill>
-              </a:rPr>
-              <a:t>afin de</a:t>
-            </a:r>
-            <a:r>
-              <a:rPr lang="fr-FR" b="1" dirty="0" smtClean="0"/>
-              <a:t> </a:t>
-            </a:r>
-            <a:r>
-              <a:rPr lang="fr-FR" b="1" dirty="0" smtClean="0">
-                <a:solidFill>
-                  <a:srgbClr val="FA9905"/>
-                </a:solidFill>
-              </a:rPr>
-              <a:t>bénéfice</a:t>
-            </a:r>
-            <a:r>
-              <a:rPr lang="fr-FR" b="1" dirty="0" smtClean="0"/>
-              <a:t> </a:t>
-            </a:r>
-            <a:r>
-              <a:rPr lang="fr-FR" b="1" dirty="0" smtClean="0">
-                <a:solidFill>
-                  <a:schemeClr val="bg1"/>
-                </a:solidFill>
-              </a:rPr>
-              <a:t>»</a:t>
-            </a:r>
-          </a:p>
-          <a:p>
-            <a:endParaRPr lang="fr-FR" dirty="0">
-              <a:solidFill>
-                <a:schemeClr val="bg1"/>
-              </a:solidFill>
-            </a:endParaRPr>
-          </a:p>
-        </p:txBody>
-      </p:sp>
-      <p:sp>
-        <p:nvSpPr>
-          <p:cNvPr id="22" name="ZoneTexte 21"/>
-          <p:cNvSpPr txBox="1"/>
-          <p:nvPr/>
-        </p:nvSpPr>
-        <p:spPr>
-          <a:xfrm>
-            <a:off x="5188964" y="4699271"/>
-            <a:ext cx="2836033" cy="1384995"/>
-          </a:xfrm>
-          <a:prstGeom prst="roundRect">
-            <a:avLst/>
-          </a:prstGeom>
-          <a:solidFill>
-            <a:srgbClr val="153F9F"/>
-          </a:solidFill>
-          <a:ln>
-            <a:solidFill>
-              <a:schemeClr val="bg1"/>
-            </a:solidFill>
-          </a:ln>
-        </p:spPr>
-        <p:txBody>
-          <a:bodyPr wrap="none" rtlCol="0">
-            <a:noAutofit/>
-          </a:bodyPr>
-          <a:lstStyle/>
-          <a:p>
-            <a:pPr algn="ctr"/>
-            <a:r>
-              <a:rPr lang="fr-FR" b="1" dirty="0" smtClean="0">
-                <a:solidFill>
-                  <a:srgbClr val="FA9905"/>
-                </a:solidFill>
-              </a:rPr>
-              <a:t>User Story 7</a:t>
-            </a:r>
-          </a:p>
-          <a:p>
-            <a:pPr algn="ctr"/>
-            <a:r>
-              <a:rPr lang="fr-FR" b="1" dirty="0" smtClean="0">
-                <a:solidFill>
-                  <a:srgbClr val="FA9905"/>
-                </a:solidFill>
-              </a:rPr>
-              <a:t>Titre</a:t>
-            </a:r>
-          </a:p>
-          <a:p>
-            <a:r>
-              <a:rPr lang="fr-FR" b="1" dirty="0" smtClean="0">
-                <a:solidFill>
-                  <a:schemeClr val="bg1"/>
-                </a:solidFill>
-              </a:rPr>
-              <a:t>« En tant que</a:t>
-            </a:r>
-            <a:r>
-              <a:rPr lang="fr-FR" b="1" dirty="0" smtClean="0"/>
-              <a:t> </a:t>
-            </a:r>
-            <a:r>
-              <a:rPr lang="fr-FR" b="1" dirty="0" smtClean="0">
-                <a:solidFill>
-                  <a:srgbClr val="FA9905"/>
-                </a:solidFill>
-              </a:rPr>
-              <a:t>type d’utilisateur </a:t>
-            </a:r>
-          </a:p>
-          <a:p>
-            <a:r>
-              <a:rPr lang="fr-FR" b="1" dirty="0">
-                <a:solidFill>
-                  <a:schemeClr val="bg1"/>
-                </a:solidFill>
-              </a:rPr>
-              <a:t>j</a:t>
-            </a:r>
-            <a:r>
-              <a:rPr lang="fr-FR" b="1" dirty="0" smtClean="0">
-                <a:solidFill>
-                  <a:schemeClr val="bg1"/>
-                </a:solidFill>
-              </a:rPr>
-              <a:t>e veux </a:t>
-            </a:r>
-            <a:r>
-              <a:rPr lang="fr-FR" b="1" dirty="0" smtClean="0">
-                <a:solidFill>
-                  <a:srgbClr val="FA9905"/>
-                </a:solidFill>
-              </a:rPr>
-              <a:t>faire </a:t>
-            </a:r>
-            <a:r>
-              <a:rPr lang="fr-FR" b="1" dirty="0" err="1" smtClean="0">
-                <a:solidFill>
-                  <a:srgbClr val="FA9905"/>
-                </a:solidFill>
-              </a:rPr>
-              <a:t>quelquechose</a:t>
-            </a:r>
-            <a:endParaRPr lang="fr-FR" b="1" dirty="0" smtClean="0">
-              <a:solidFill>
-                <a:srgbClr val="FA9905"/>
-              </a:solidFill>
-            </a:endParaRPr>
-          </a:p>
-          <a:p>
-            <a:r>
-              <a:rPr lang="fr-FR" b="1" dirty="0" smtClean="0">
-                <a:solidFill>
-                  <a:schemeClr val="bg1"/>
-                </a:solidFill>
-              </a:rPr>
-              <a:t>afin de</a:t>
-            </a:r>
-            <a:r>
-              <a:rPr lang="fr-FR" b="1" dirty="0" smtClean="0"/>
-              <a:t> </a:t>
-            </a:r>
-            <a:r>
-              <a:rPr lang="fr-FR" b="1" dirty="0" smtClean="0">
-                <a:solidFill>
-                  <a:srgbClr val="FA9905"/>
-                </a:solidFill>
-              </a:rPr>
-              <a:t>bénéfice</a:t>
-            </a:r>
-            <a:r>
-              <a:rPr lang="fr-FR" b="1" dirty="0" smtClean="0"/>
-              <a:t> </a:t>
-            </a:r>
-            <a:r>
-              <a:rPr lang="fr-FR" b="1" dirty="0" smtClean="0">
-                <a:solidFill>
-                  <a:schemeClr val="bg1"/>
-                </a:solidFill>
-              </a:rPr>
-              <a:t>»</a:t>
-            </a:r>
-          </a:p>
-          <a:p>
-            <a:endParaRPr lang="fr-FR" dirty="0">
-              <a:solidFill>
-                <a:schemeClr val="bg1"/>
-              </a:solidFill>
-            </a:endParaRPr>
-          </a:p>
-        </p:txBody>
-      </p:sp>
-      <p:sp>
-        <p:nvSpPr>
-          <p:cNvPr id="23" name="ZoneTexte 22"/>
-          <p:cNvSpPr txBox="1"/>
-          <p:nvPr/>
-        </p:nvSpPr>
-        <p:spPr>
-          <a:xfrm>
-            <a:off x="5669807" y="4988104"/>
-            <a:ext cx="2836034" cy="1363899"/>
-          </a:xfrm>
-          <a:prstGeom prst="roundRect">
-            <a:avLst/>
-          </a:prstGeom>
-          <a:solidFill>
-            <a:srgbClr val="153F9F"/>
-          </a:solidFill>
-          <a:ln>
-            <a:solidFill>
-              <a:schemeClr val="bg1"/>
-            </a:solidFill>
-          </a:ln>
-        </p:spPr>
-        <p:txBody>
-          <a:bodyPr wrap="none" rtlCol="0">
-            <a:noAutofit/>
-          </a:bodyPr>
-          <a:lstStyle/>
-          <a:p>
-            <a:pPr algn="ctr"/>
-            <a:r>
-              <a:rPr lang="fr-FR" b="1" dirty="0" smtClean="0">
-                <a:solidFill>
-                  <a:srgbClr val="FA9905"/>
-                </a:solidFill>
-              </a:rPr>
-              <a:t>User Story 8</a:t>
-            </a:r>
-          </a:p>
-          <a:p>
-            <a:pPr algn="ctr"/>
-            <a:r>
-              <a:rPr lang="fr-FR" b="1" dirty="0" smtClean="0">
-                <a:solidFill>
-                  <a:srgbClr val="FA9905"/>
-                </a:solidFill>
-              </a:rPr>
-              <a:t>Titre</a:t>
-            </a:r>
-          </a:p>
-          <a:p>
-            <a:r>
-              <a:rPr lang="fr-FR" b="1" dirty="0" smtClean="0">
-                <a:solidFill>
-                  <a:schemeClr val="bg1"/>
-                </a:solidFill>
-              </a:rPr>
-              <a:t>« En tant que</a:t>
-            </a:r>
-            <a:r>
-              <a:rPr lang="fr-FR" b="1" dirty="0" smtClean="0"/>
-              <a:t> </a:t>
-            </a:r>
-            <a:r>
-              <a:rPr lang="fr-FR" b="1" dirty="0" smtClean="0">
-                <a:solidFill>
-                  <a:srgbClr val="FA9905"/>
-                </a:solidFill>
-              </a:rPr>
-              <a:t>type d’utilisateur </a:t>
-            </a:r>
-          </a:p>
-          <a:p>
-            <a:r>
-              <a:rPr lang="fr-FR" b="1" dirty="0">
-                <a:solidFill>
-                  <a:schemeClr val="bg1"/>
-                </a:solidFill>
-              </a:rPr>
-              <a:t>j</a:t>
-            </a:r>
-            <a:r>
-              <a:rPr lang="fr-FR" b="1" dirty="0" smtClean="0">
-                <a:solidFill>
-                  <a:schemeClr val="bg1"/>
-                </a:solidFill>
-              </a:rPr>
-              <a:t>e veux </a:t>
-            </a:r>
-            <a:r>
-              <a:rPr lang="fr-FR" b="1" dirty="0" smtClean="0">
-                <a:solidFill>
-                  <a:srgbClr val="FA9905"/>
-                </a:solidFill>
-              </a:rPr>
-              <a:t>faire </a:t>
-            </a:r>
-            <a:r>
-              <a:rPr lang="fr-FR" b="1" dirty="0" err="1" smtClean="0">
-                <a:solidFill>
-                  <a:srgbClr val="FA9905"/>
-                </a:solidFill>
-              </a:rPr>
-              <a:t>quelquechose</a:t>
-            </a:r>
-            <a:endParaRPr lang="fr-FR" b="1" dirty="0" smtClean="0">
-              <a:solidFill>
-                <a:srgbClr val="FA9905"/>
-              </a:solidFill>
-            </a:endParaRPr>
-          </a:p>
-          <a:p>
-            <a:r>
-              <a:rPr lang="fr-FR" b="1" dirty="0" smtClean="0">
-                <a:solidFill>
-                  <a:schemeClr val="bg1"/>
-                </a:solidFill>
-              </a:rPr>
-              <a:t>afin de</a:t>
-            </a:r>
-            <a:r>
-              <a:rPr lang="fr-FR" b="1" dirty="0" smtClean="0"/>
-              <a:t> </a:t>
-            </a:r>
-            <a:r>
-              <a:rPr lang="fr-FR" b="1" dirty="0" smtClean="0">
-                <a:solidFill>
-                  <a:srgbClr val="FA9905"/>
-                </a:solidFill>
-              </a:rPr>
-              <a:t>bénéfice</a:t>
-            </a:r>
-            <a:r>
-              <a:rPr lang="fr-FR" b="1" dirty="0" smtClean="0"/>
-              <a:t> </a:t>
-            </a:r>
-            <a:r>
-              <a:rPr lang="fr-FR" b="1" dirty="0" smtClean="0">
-                <a:solidFill>
-                  <a:schemeClr val="bg1"/>
-                </a:solidFill>
-              </a:rPr>
-              <a:t>»</a:t>
-            </a:r>
-          </a:p>
-          <a:p>
-            <a:endParaRPr lang="fr-FR" dirty="0">
-              <a:solidFill>
-                <a:schemeClr val="bg1"/>
-              </a:solidFill>
-            </a:endParaRPr>
-          </a:p>
-        </p:txBody>
-      </p:sp>
-      <p:cxnSp>
-        <p:nvCxnSpPr>
-          <p:cNvPr id="29" name="Connecteur droit avec flèche 28"/>
-          <p:cNvCxnSpPr/>
-          <p:nvPr/>
-        </p:nvCxnSpPr>
-        <p:spPr>
-          <a:xfrm flipV="1">
-            <a:off x="2918790" y="2299844"/>
-            <a:ext cx="1646208" cy="679627"/>
-          </a:xfrm>
-          <a:prstGeom prst="straightConnector1">
-            <a:avLst/>
-          </a:prstGeom>
-          <a:ln>
-            <a:solidFill>
-              <a:srgbClr val="FA9905"/>
-            </a:solidFill>
-            <a:tailEnd type="triangle"/>
-          </a:ln>
-        </p:spPr>
-        <p:style>
-          <a:lnRef idx="1">
-            <a:schemeClr val="accent1"/>
-          </a:lnRef>
-          <a:fillRef idx="0">
-            <a:schemeClr val="accent1"/>
-          </a:fillRef>
-          <a:effectRef idx="0">
-            <a:schemeClr val="accent1"/>
-          </a:effectRef>
-          <a:fontRef idx="minor">
-            <a:schemeClr val="tx1"/>
-          </a:fontRef>
-        </p:style>
-      </p:cxnSp>
-      <p:cxnSp>
-        <p:nvCxnSpPr>
-          <p:cNvPr id="30" name="Connecteur droit avec flèche 29"/>
-          <p:cNvCxnSpPr/>
-          <p:nvPr/>
-        </p:nvCxnSpPr>
-        <p:spPr>
-          <a:xfrm flipV="1">
-            <a:off x="2918790" y="2628658"/>
-            <a:ext cx="2145747" cy="350813"/>
-          </a:xfrm>
-          <a:prstGeom prst="straightConnector1">
-            <a:avLst/>
-          </a:prstGeom>
-          <a:ln>
-            <a:solidFill>
-              <a:srgbClr val="FA9905"/>
-            </a:solidFill>
-            <a:tailEnd type="triangle"/>
-          </a:ln>
-        </p:spPr>
-        <p:style>
-          <a:lnRef idx="1">
-            <a:schemeClr val="accent1"/>
-          </a:lnRef>
-          <a:fillRef idx="0">
-            <a:schemeClr val="accent1"/>
-          </a:fillRef>
-          <a:effectRef idx="0">
-            <a:schemeClr val="accent1"/>
-          </a:effectRef>
-          <a:fontRef idx="minor">
-            <a:schemeClr val="tx1"/>
-          </a:fontRef>
-        </p:style>
-      </p:cxnSp>
       <p:grpSp>
         <p:nvGrpSpPr>
-          <p:cNvPr id="45" name="Grouper 44"/>
+          <p:cNvPr id="18" name="Grouper 17"/>
           <p:cNvGrpSpPr/>
           <p:nvPr/>
         </p:nvGrpSpPr>
         <p:grpSpPr>
           <a:xfrm>
-            <a:off x="2918790" y="2224993"/>
-            <a:ext cx="5462624" cy="1363899"/>
-            <a:chOff x="2918790" y="2224993"/>
-            <a:chExt cx="5462624" cy="1363899"/>
+            <a:off x="5583475" y="164513"/>
+            <a:ext cx="3463728" cy="359496"/>
+            <a:chOff x="1054100" y="1473200"/>
+            <a:chExt cx="8886824" cy="838200"/>
           </a:xfrm>
         </p:grpSpPr>
         <p:sp>
           <p:nvSpPr>
-            <p:cNvPr id="19" name="ZoneTexte 18"/>
-            <p:cNvSpPr txBox="1"/>
+            <p:cNvPr id="19" name="Signalisation droite 18"/>
+            <p:cNvSpPr/>
             <p:nvPr/>
           </p:nvSpPr>
           <p:spPr>
             <a:xfrm>
-              <a:off x="5545380" y="2224993"/>
-              <a:ext cx="2836034" cy="1363899"/>
+              <a:off x="1054100" y="1473200"/>
+              <a:ext cx="1739900" cy="838200"/>
             </a:xfrm>
-            <a:prstGeom prst="roundRect">
+            <a:prstGeom prst="homePlate">
               <a:avLst/>
             </a:prstGeom>
             <a:solidFill>
               <a:srgbClr val="153F9F"/>
             </a:solidFill>
             <a:ln>
-              <a:solidFill>
-                <a:schemeClr val="bg1"/>
-              </a:solidFill>
-            </a:ln>
-          </p:spPr>
-          <p:txBody>
-            <a:bodyPr wrap="none" rtlCol="0">
-              <a:noAutofit/>
-            </a:bodyPr>
-            <a:lstStyle/>
-            <a:p>
-              <a:pPr algn="ctr"/>
-              <a:r>
-                <a:rPr lang="fr-FR" b="1" dirty="0" smtClean="0">
-                  <a:solidFill>
-                    <a:srgbClr val="FA9905"/>
-                  </a:solidFill>
-                </a:rPr>
-                <a:t>User Story 4</a:t>
-              </a:r>
-            </a:p>
-            <a:p>
-              <a:pPr algn="ctr"/>
-              <a:r>
-                <a:rPr lang="fr-FR" b="1" dirty="0" smtClean="0">
-                  <a:solidFill>
-                    <a:srgbClr val="FA9905"/>
-                  </a:solidFill>
-                </a:rPr>
-                <a:t>Titre</a:t>
-              </a:r>
-            </a:p>
-            <a:p>
-              <a:r>
-                <a:rPr lang="fr-FR" b="1" dirty="0" smtClean="0">
-                  <a:solidFill>
-                    <a:schemeClr val="bg1"/>
-                  </a:solidFill>
-                </a:rPr>
-                <a:t>« En tant que</a:t>
-              </a:r>
-              <a:r>
-                <a:rPr lang="fr-FR" b="1" dirty="0" smtClean="0"/>
-                <a:t> </a:t>
-              </a:r>
-              <a:r>
-                <a:rPr lang="fr-FR" b="1" dirty="0" smtClean="0">
-                  <a:solidFill>
-                    <a:srgbClr val="FA9905"/>
-                  </a:solidFill>
-                </a:rPr>
-                <a:t>type d’utilisateur </a:t>
-              </a:r>
-            </a:p>
-            <a:p>
-              <a:r>
-                <a:rPr lang="fr-FR" b="1" dirty="0">
-                  <a:solidFill>
-                    <a:schemeClr val="bg1"/>
-                  </a:solidFill>
-                </a:rPr>
-                <a:t>j</a:t>
-              </a:r>
-              <a:r>
-                <a:rPr lang="fr-FR" b="1" dirty="0" smtClean="0">
-                  <a:solidFill>
-                    <a:schemeClr val="bg1"/>
-                  </a:solidFill>
-                </a:rPr>
-                <a:t>e veux </a:t>
-              </a:r>
-              <a:r>
-                <a:rPr lang="fr-FR" b="1" dirty="0" smtClean="0">
-                  <a:solidFill>
-                    <a:srgbClr val="FA9905"/>
-                  </a:solidFill>
-                </a:rPr>
-                <a:t>faire </a:t>
-              </a:r>
-              <a:r>
-                <a:rPr lang="fr-FR" b="1" dirty="0" err="1" smtClean="0">
-                  <a:solidFill>
-                    <a:srgbClr val="FA9905"/>
-                  </a:solidFill>
-                </a:rPr>
-                <a:t>quelquechose</a:t>
-              </a:r>
-              <a:endParaRPr lang="fr-FR" b="1" dirty="0" smtClean="0">
-                <a:solidFill>
-                  <a:srgbClr val="FA9905"/>
-                </a:solidFill>
-              </a:endParaRPr>
-            </a:p>
-            <a:p>
-              <a:r>
-                <a:rPr lang="fr-FR" b="1" dirty="0" smtClean="0">
-                  <a:solidFill>
-                    <a:schemeClr val="bg1"/>
-                  </a:solidFill>
-                </a:rPr>
-                <a:t>afin de</a:t>
-              </a:r>
-              <a:r>
-                <a:rPr lang="fr-FR" b="1" dirty="0" smtClean="0"/>
-                <a:t> </a:t>
-              </a:r>
-              <a:r>
-                <a:rPr lang="fr-FR" b="1" dirty="0" smtClean="0">
-                  <a:solidFill>
-                    <a:srgbClr val="FA9905"/>
-                  </a:solidFill>
-                </a:rPr>
-                <a:t>bénéfice</a:t>
-              </a:r>
-              <a:r>
-                <a:rPr lang="fr-FR" b="1" dirty="0" smtClean="0"/>
-                <a:t> </a:t>
-              </a:r>
-              <a:r>
-                <a:rPr lang="fr-FR" b="1" dirty="0" smtClean="0">
-                  <a:solidFill>
-                    <a:schemeClr val="bg1"/>
-                  </a:solidFill>
-                </a:rPr>
-                <a:t>»</a:t>
-              </a:r>
-            </a:p>
-            <a:p>
-              <a:endParaRPr lang="fr-FR" dirty="0">
-                <a:solidFill>
-                  <a:schemeClr val="bg1"/>
-                </a:solidFill>
-              </a:endParaRPr>
-            </a:p>
-          </p:txBody>
-        </p:sp>
-        <p:cxnSp>
-          <p:nvCxnSpPr>
-            <p:cNvPr id="32" name="Connecteur droit avec flèche 31"/>
-            <p:cNvCxnSpPr>
-              <a:endCxn id="19" idx="1"/>
-            </p:cNvCxnSpPr>
-            <p:nvPr/>
-          </p:nvCxnSpPr>
-          <p:spPr>
-            <a:xfrm flipV="1">
-              <a:off x="2918790" y="2906943"/>
-              <a:ext cx="2626590" cy="72528"/>
-            </a:xfrm>
-            <a:prstGeom prst="straightConnector1">
-              <a:avLst/>
-            </a:prstGeom>
-            <a:ln>
-              <a:solidFill>
-                <a:srgbClr val="FA9905"/>
-              </a:solidFill>
-              <a:tailEnd type="triangle"/>
+              <a:noFill/>
             </a:ln>
           </p:spPr>
           <p:style>
-            <a:lnRef idx="1">
-              <a:schemeClr val="accent1"/>
+            <a:lnRef idx="2">
+              <a:schemeClr val="accent1">
+                <a:shade val="50000"/>
+              </a:schemeClr>
             </a:lnRef>
-            <a:fillRef idx="0">
+            <a:fillRef idx="1">
               <a:schemeClr val="accent1"/>
             </a:fillRef>
             <a:effectRef idx="0">
               <a:schemeClr val="accent1"/>
             </a:effectRef>
             <a:fontRef idx="minor">
-              <a:schemeClr val="tx1"/>
+              <a:schemeClr val="lt1"/>
             </a:fontRef>
           </p:style>
-        </p:cxnSp>
-      </p:grpSp>
-      <p:cxnSp>
-        <p:nvCxnSpPr>
-          <p:cNvPr id="36" name="Connecteur droit avec flèche 35"/>
-          <p:cNvCxnSpPr/>
-          <p:nvPr/>
-        </p:nvCxnSpPr>
-        <p:spPr>
-          <a:xfrm>
-            <a:off x="2938175" y="2992341"/>
-            <a:ext cx="1287344" cy="1840471"/>
-          </a:xfrm>
-          <a:prstGeom prst="straightConnector1">
-            <a:avLst/>
-          </a:prstGeom>
-          <a:ln>
+          <p:txBody>
+            <a:bodyPr rtlCol="0" anchor="ctr"/>
+            <a:lstStyle/>
+            <a:p>
+              <a:pPr algn="ctr"/>
+              <a:r>
+                <a:rPr lang="fr-FR" sz="700" dirty="0" err="1" smtClean="0">
+                  <a:solidFill>
+                    <a:srgbClr val="FA9905"/>
+                  </a:solidFill>
+                </a:rPr>
+                <a:t>Grooming</a:t>
+              </a:r>
+              <a:endParaRPr lang="fr-FR" sz="700" dirty="0">
+                <a:solidFill>
+                  <a:srgbClr val="FA9905"/>
+                </a:solidFill>
+              </a:endParaRPr>
+            </a:p>
+          </p:txBody>
+        </p:sp>
+        <p:sp>
+          <p:nvSpPr>
+            <p:cNvPr id="20" name="Chevron 19"/>
+            <p:cNvSpPr/>
+            <p:nvPr/>
+          </p:nvSpPr>
+          <p:spPr>
+            <a:xfrm>
+              <a:off x="2474912" y="1473200"/>
+              <a:ext cx="1473200" cy="838200"/>
+            </a:xfrm>
+            <a:prstGeom prst="chevron">
+              <a:avLst/>
+            </a:prstGeom>
             <a:solidFill>
               <a:srgbClr val="FA9905"/>
             </a:solidFill>
-            <a:tailEnd type="triangle"/>
+            <a:ln>
+              <a:noFill/>
+            </a:ln>
+          </p:spPr>
+          <p:style>
+            <a:lnRef idx="2">
+              <a:schemeClr val="accent1">
+                <a:shade val="50000"/>
+              </a:schemeClr>
+            </a:lnRef>
+            <a:fillRef idx="1">
+              <a:schemeClr val="accent1"/>
+            </a:fillRef>
+            <a:effectRef idx="0">
+              <a:schemeClr val="accent1"/>
+            </a:effectRef>
+            <a:fontRef idx="minor">
+              <a:schemeClr val="lt1"/>
+            </a:fontRef>
+          </p:style>
+          <p:txBody>
+            <a:bodyPr vert="vert270" rtlCol="0" anchor="ctr"/>
+            <a:lstStyle/>
+            <a:p>
+              <a:pPr algn="ctr"/>
+              <a:r>
+                <a:rPr lang="fr-FR" sz="700" dirty="0" smtClean="0">
+                  <a:solidFill>
+                    <a:srgbClr val="153F9F"/>
+                  </a:solidFill>
+                </a:rPr>
+                <a:t>Sprint planning</a:t>
+              </a:r>
+              <a:endParaRPr lang="fr-FR" sz="700" dirty="0">
+                <a:solidFill>
+                  <a:srgbClr val="153F9F"/>
+                </a:solidFill>
+              </a:endParaRPr>
+            </a:p>
+          </p:txBody>
+        </p:sp>
+        <p:sp>
+          <p:nvSpPr>
+            <p:cNvPr id="21" name="Chevron 20"/>
+            <p:cNvSpPr/>
+            <p:nvPr/>
+          </p:nvSpPr>
+          <p:spPr>
+            <a:xfrm>
+              <a:off x="3629024" y="1473200"/>
+              <a:ext cx="4003676" cy="838200"/>
+            </a:xfrm>
+            <a:prstGeom prst="chevron">
+              <a:avLst/>
+            </a:prstGeom>
+            <a:solidFill>
+              <a:schemeClr val="bg1">
+                <a:lumMod val="85000"/>
+              </a:schemeClr>
+            </a:solidFill>
+            <a:ln>
+              <a:noFill/>
+            </a:ln>
+          </p:spPr>
+          <p:style>
+            <a:lnRef idx="2">
+              <a:schemeClr val="accent1">
+                <a:shade val="50000"/>
+              </a:schemeClr>
+            </a:lnRef>
+            <a:fillRef idx="1">
+              <a:schemeClr val="accent1"/>
+            </a:fillRef>
+            <a:effectRef idx="0">
+              <a:schemeClr val="accent1"/>
+            </a:effectRef>
+            <a:fontRef idx="minor">
+              <a:schemeClr val="lt1"/>
+            </a:fontRef>
+          </p:style>
+          <p:txBody>
+            <a:bodyPr rtlCol="0" anchor="ctr"/>
+            <a:lstStyle/>
+            <a:p>
+              <a:pPr algn="ctr"/>
+              <a:r>
+                <a:rPr lang="fr-FR" sz="700" dirty="0" smtClean="0">
+                  <a:solidFill>
+                    <a:schemeClr val="tx1"/>
+                  </a:solidFill>
+                </a:rPr>
+                <a:t>Sprint </a:t>
+              </a:r>
+            </a:p>
+            <a:p>
+              <a:pPr algn="ctr"/>
+              <a:r>
+                <a:rPr lang="fr-FR" sz="700" dirty="0" err="1" smtClean="0">
+                  <a:solidFill>
+                    <a:schemeClr val="tx1"/>
+                  </a:solidFill>
+                </a:rPr>
+                <a:t>Execution</a:t>
+              </a:r>
+              <a:endParaRPr lang="fr-FR" sz="700" dirty="0">
+                <a:solidFill>
+                  <a:schemeClr val="tx1"/>
+                </a:solidFill>
+              </a:endParaRPr>
+            </a:p>
+          </p:txBody>
+        </p:sp>
+        <p:sp>
+          <p:nvSpPr>
+            <p:cNvPr id="22" name="Chevron 21"/>
+            <p:cNvSpPr/>
+            <p:nvPr/>
+          </p:nvSpPr>
+          <p:spPr>
+            <a:xfrm>
+              <a:off x="7313611" y="1473200"/>
+              <a:ext cx="1473200" cy="838200"/>
+            </a:xfrm>
+            <a:prstGeom prst="chevron">
+              <a:avLst/>
+            </a:prstGeom>
+            <a:solidFill>
+              <a:schemeClr val="bg1">
+                <a:lumMod val="85000"/>
+              </a:schemeClr>
+            </a:solidFill>
+            <a:ln>
+              <a:noFill/>
+            </a:ln>
+          </p:spPr>
+          <p:style>
+            <a:lnRef idx="2">
+              <a:schemeClr val="accent1">
+                <a:shade val="50000"/>
+              </a:schemeClr>
+            </a:lnRef>
+            <a:fillRef idx="1">
+              <a:schemeClr val="accent1"/>
+            </a:fillRef>
+            <a:effectRef idx="0">
+              <a:schemeClr val="accent1"/>
+            </a:effectRef>
+            <a:fontRef idx="minor">
+              <a:schemeClr val="lt1"/>
+            </a:fontRef>
+          </p:style>
+          <p:txBody>
+            <a:bodyPr vert="vert270" rtlCol="0" anchor="ctr"/>
+            <a:lstStyle/>
+            <a:p>
+              <a:pPr algn="ctr"/>
+              <a:r>
+                <a:rPr lang="fr-FR" sz="700" dirty="0" err="1" smtClean="0">
+                  <a:solidFill>
+                    <a:schemeClr val="tx1"/>
+                  </a:solidFill>
+                </a:rPr>
+                <a:t>Review</a:t>
+              </a:r>
+              <a:endParaRPr lang="fr-FR" sz="700" dirty="0">
+                <a:solidFill>
+                  <a:schemeClr val="tx1"/>
+                </a:solidFill>
+              </a:endParaRPr>
+            </a:p>
+          </p:txBody>
+        </p:sp>
+        <p:sp>
+          <p:nvSpPr>
+            <p:cNvPr id="23" name="Chevron 22"/>
+            <p:cNvSpPr/>
+            <p:nvPr/>
+          </p:nvSpPr>
+          <p:spPr>
+            <a:xfrm>
+              <a:off x="8467724" y="1473200"/>
+              <a:ext cx="1473200" cy="838200"/>
+            </a:xfrm>
+            <a:prstGeom prst="chevron">
+              <a:avLst/>
+            </a:prstGeom>
+            <a:solidFill>
+              <a:schemeClr val="bg1">
+                <a:lumMod val="85000"/>
+              </a:schemeClr>
+            </a:solidFill>
+            <a:ln>
+              <a:noFill/>
+            </a:ln>
+          </p:spPr>
+          <p:style>
+            <a:lnRef idx="2">
+              <a:schemeClr val="accent1">
+                <a:shade val="50000"/>
+              </a:schemeClr>
+            </a:lnRef>
+            <a:fillRef idx="1">
+              <a:schemeClr val="accent1"/>
+            </a:fillRef>
+            <a:effectRef idx="0">
+              <a:schemeClr val="accent1"/>
+            </a:effectRef>
+            <a:fontRef idx="minor">
+              <a:schemeClr val="lt1"/>
+            </a:fontRef>
+          </p:style>
+          <p:txBody>
+            <a:bodyPr vert="vert270" rtlCol="0" anchor="ctr"/>
+            <a:lstStyle/>
+            <a:p>
+              <a:pPr algn="ctr"/>
+              <a:r>
+                <a:rPr lang="fr-FR" sz="700" dirty="0" smtClean="0">
+                  <a:solidFill>
+                    <a:schemeClr val="tx1"/>
+                  </a:solidFill>
+                </a:rPr>
+                <a:t>Rétrospective</a:t>
+              </a:r>
+              <a:endParaRPr lang="fr-FR" sz="700" dirty="0">
+                <a:solidFill>
+                  <a:schemeClr val="tx1"/>
+                </a:solidFill>
+              </a:endParaRPr>
+            </a:p>
+          </p:txBody>
+        </p:sp>
+      </p:grpSp>
+      <p:sp>
+        <p:nvSpPr>
+          <p:cNvPr id="40" name="ZoneTexte 39"/>
+          <p:cNvSpPr txBox="1"/>
+          <p:nvPr/>
+        </p:nvSpPr>
+        <p:spPr>
+          <a:xfrm>
+            <a:off x="5126182" y="1356732"/>
+            <a:ext cx="4588164" cy="5238035"/>
+          </a:xfrm>
+          <a:prstGeom prst="roundRect">
+            <a:avLst/>
+          </a:prstGeom>
+          <a:noFill/>
+          <a:ln>
+            <a:solidFill>
+              <a:schemeClr val="tx1"/>
+            </a:solidFill>
           </a:ln>
         </p:spPr>
-        <p:style>
-          <a:lnRef idx="1">
-            <a:schemeClr val="accent1"/>
-          </a:lnRef>
-          <a:fillRef idx="0">
-            <a:schemeClr val="accent1"/>
-          </a:fillRef>
-          <a:effectRef idx="0">
-            <a:schemeClr val="accent1"/>
-          </a:effectRef>
-          <a:fontRef idx="minor">
-            <a:schemeClr val="tx1"/>
-          </a:fontRef>
-        </p:style>
-      </p:cxnSp>
-      <p:cxnSp>
-        <p:nvCxnSpPr>
-          <p:cNvPr id="39" name="Connecteur droit avec flèche 38"/>
-          <p:cNvCxnSpPr/>
-          <p:nvPr/>
-        </p:nvCxnSpPr>
-        <p:spPr>
-          <a:xfrm>
-            <a:off x="2918790" y="2979471"/>
-            <a:ext cx="1789330" cy="2139243"/>
-          </a:xfrm>
-          <a:prstGeom prst="straightConnector1">
-            <a:avLst/>
-          </a:prstGeom>
-          <a:ln>
-            <a:solidFill>
-              <a:srgbClr val="FA9905"/>
-            </a:solidFill>
-            <a:tailEnd type="triangle"/>
-          </a:ln>
-        </p:spPr>
-        <p:style>
-          <a:lnRef idx="1">
-            <a:schemeClr val="accent1"/>
-          </a:lnRef>
-          <a:fillRef idx="0">
-            <a:schemeClr val="accent1"/>
-          </a:fillRef>
-          <a:effectRef idx="0">
-            <a:schemeClr val="accent1"/>
-          </a:effectRef>
-          <a:fontRef idx="minor">
-            <a:schemeClr val="tx1"/>
-          </a:fontRef>
-        </p:style>
-      </p:cxnSp>
-      <p:cxnSp>
-        <p:nvCxnSpPr>
-          <p:cNvPr id="41" name="Connecteur droit avec flèche 40"/>
-          <p:cNvCxnSpPr/>
-          <p:nvPr/>
-        </p:nvCxnSpPr>
-        <p:spPr>
-          <a:xfrm>
-            <a:off x="2918790" y="2979471"/>
-            <a:ext cx="2270174" cy="2412298"/>
-          </a:xfrm>
-          <a:prstGeom prst="straightConnector1">
-            <a:avLst/>
-          </a:prstGeom>
-          <a:ln>
-            <a:solidFill>
-              <a:srgbClr val="FA9905"/>
-            </a:solidFill>
-            <a:tailEnd type="triangle"/>
-          </a:ln>
-        </p:spPr>
-        <p:style>
-          <a:lnRef idx="1">
-            <a:schemeClr val="accent1"/>
-          </a:lnRef>
-          <a:fillRef idx="0">
-            <a:schemeClr val="accent1"/>
-          </a:fillRef>
-          <a:effectRef idx="0">
-            <a:schemeClr val="accent1"/>
-          </a:effectRef>
-          <a:fontRef idx="minor">
-            <a:schemeClr val="tx1"/>
-          </a:fontRef>
-        </p:style>
-      </p:cxnSp>
-      <p:cxnSp>
-        <p:nvCxnSpPr>
-          <p:cNvPr id="44" name="Connecteur droit avec flèche 43"/>
-          <p:cNvCxnSpPr/>
-          <p:nvPr/>
-        </p:nvCxnSpPr>
-        <p:spPr>
-          <a:xfrm>
-            <a:off x="2918790" y="2979471"/>
-            <a:ext cx="2751017" cy="2690583"/>
-          </a:xfrm>
-          <a:prstGeom prst="straightConnector1">
-            <a:avLst/>
-          </a:prstGeom>
-          <a:ln>
-            <a:solidFill>
-              <a:srgbClr val="FA9905"/>
-            </a:solidFill>
-            <a:tailEnd type="triangle"/>
-          </a:ln>
-        </p:spPr>
-        <p:style>
-          <a:lnRef idx="1">
-            <a:schemeClr val="accent1"/>
-          </a:lnRef>
-          <a:fillRef idx="0">
-            <a:schemeClr val="accent1"/>
-          </a:fillRef>
-          <a:effectRef idx="0">
-            <a:schemeClr val="accent1"/>
-          </a:effectRef>
-          <a:fontRef idx="minor">
-            <a:schemeClr val="tx1"/>
-          </a:fontRef>
-        </p:style>
-      </p:cxnSp>
+        <p:txBody>
+          <a:bodyPr wrap="square" rtlCol="0">
+            <a:noAutofit/>
+          </a:bodyPr>
+          <a:lstStyle/>
+          <a:p>
+            <a:pPr algn="ctr"/>
+            <a:r>
+              <a:rPr lang="fr-FR" b="1" dirty="0" smtClean="0"/>
+              <a:t>Fonctionnalités</a:t>
+            </a:r>
+            <a:endParaRPr lang="fr-FR" dirty="0"/>
+          </a:p>
+        </p:txBody>
+      </p:sp>
     </p:spTree>
     <p:extLst>
       <p:ext uri="{BB962C8B-B14F-4D97-AF65-F5344CB8AC3E}">
-        <p14:creationId xmlns:p14="http://schemas.microsoft.com/office/powerpoint/2010/main" val="1911379444"/>
+        <p14:creationId xmlns:p14="http://schemas.microsoft.com/office/powerpoint/2010/main" val="762123108"/>
       </p:ext>
     </p:extLst>
   </p:cSld>
@@ -23553,719 +22234,9 @@
   <p:timing>
     <p:tnLst>
       <p:par>
-        <p:cTn id="1" dur="indefinite" restart="never" nodeType="tmRoot">
-          <p:childTnLst>
-            <p:seq concurrent="1" nextAc="seek">
-              <p:cTn id="2" dur="indefinite" nodeType="mainSeq">
-                <p:childTnLst>
-                  <p:par>
-                    <p:cTn id="3" fill="hold">
-                      <p:stCondLst>
-                        <p:cond delay="indefinite"/>
-                      </p:stCondLst>
-                      <p:childTnLst>
-                        <p:par>
-                          <p:cTn id="4" fill="hold">
-                            <p:stCondLst>
-                              <p:cond delay="0"/>
-                            </p:stCondLst>
-                            <p:childTnLst>
-                              <p:par>
-                                <p:cTn id="5" presetID="1" presetClass="entr" presetSubtype="0" fill="hold" nodeType="clickEffect">
-                                  <p:stCondLst>
-                                    <p:cond delay="0"/>
-                                  </p:stCondLst>
-                                  <p:childTnLst>
-                                    <p:set>
-                                      <p:cBhvr>
-                                        <p:cTn id="6" dur="1" fill="hold">
-                                          <p:stCondLst>
-                                            <p:cond delay="0"/>
-                                          </p:stCondLst>
-                                        </p:cTn>
-                                        <p:tgtEl>
-                                          <p:spTgt spid="37"/>
-                                        </p:tgtEl>
-                                        <p:attrNameLst>
-                                          <p:attrName>style.visibility</p:attrName>
-                                        </p:attrNameLst>
-                                      </p:cBhvr>
-                                      <p:to>
-                                        <p:strVal val="visible"/>
-                                      </p:to>
-                                    </p:set>
-                                  </p:childTnLst>
-                                </p:cTn>
-                              </p:par>
-                              <p:par>
-                                <p:cTn id="7" presetID="1" presetClass="entr" presetSubtype="0" fill="hold" grpId="0" nodeType="withEffect">
-                                  <p:stCondLst>
-                                    <p:cond delay="0"/>
-                                  </p:stCondLst>
-                                  <p:childTnLst>
-                                    <p:set>
-                                      <p:cBhvr>
-                                        <p:cTn id="8" dur="1" fill="hold">
-                                          <p:stCondLst>
-                                            <p:cond delay="0"/>
-                                          </p:stCondLst>
-                                        </p:cTn>
-                                        <p:tgtEl>
-                                          <p:spTgt spid="49"/>
-                                        </p:tgtEl>
-                                        <p:attrNameLst>
-                                          <p:attrName>style.visibility</p:attrName>
-                                        </p:attrNameLst>
-                                      </p:cBhvr>
-                                      <p:to>
-                                        <p:strVal val="visible"/>
-                                      </p:to>
-                                    </p:set>
-                                  </p:childTnLst>
-                                </p:cTn>
-                              </p:par>
-                            </p:childTnLst>
-                          </p:cTn>
-                        </p:par>
-                      </p:childTnLst>
-                    </p:cTn>
-                  </p:par>
-                  <p:par>
-                    <p:cTn id="9" fill="hold">
-                      <p:stCondLst>
-                        <p:cond delay="indefinite"/>
-                      </p:stCondLst>
-                      <p:childTnLst>
-                        <p:par>
-                          <p:cTn id="10" fill="hold">
-                            <p:stCondLst>
-                              <p:cond delay="0"/>
-                            </p:stCondLst>
-                            <p:childTnLst>
-                              <p:par>
-                                <p:cTn id="11" presetID="1" presetClass="entr" presetSubtype="0" fill="hold" nodeType="clickEffect">
-                                  <p:stCondLst>
-                                    <p:cond delay="0"/>
-                                  </p:stCondLst>
-                                  <p:childTnLst>
-                                    <p:set>
-                                      <p:cBhvr>
-                                        <p:cTn id="12" dur="1" fill="hold">
-                                          <p:stCondLst>
-                                            <p:cond delay="0"/>
-                                          </p:stCondLst>
-                                        </p:cTn>
-                                        <p:tgtEl>
-                                          <p:spTgt spid="52"/>
-                                        </p:tgtEl>
-                                        <p:attrNameLst>
-                                          <p:attrName>style.visibility</p:attrName>
-                                        </p:attrNameLst>
-                                      </p:cBhvr>
-                                      <p:to>
-                                        <p:strVal val="visible"/>
-                                      </p:to>
-                                    </p:set>
-                                  </p:childTnLst>
-                                </p:cTn>
-                              </p:par>
-                              <p:par>
-                                <p:cTn id="13" presetID="1" presetClass="entr" presetSubtype="0" fill="hold" grpId="0" nodeType="withEffect">
-                                  <p:stCondLst>
-                                    <p:cond delay="0"/>
-                                  </p:stCondLst>
-                                  <p:childTnLst>
-                                    <p:set>
-                                      <p:cBhvr>
-                                        <p:cTn id="14" dur="1" fill="hold">
-                                          <p:stCondLst>
-                                            <p:cond delay="0"/>
-                                          </p:stCondLst>
-                                        </p:cTn>
-                                        <p:tgtEl>
-                                          <p:spTgt spid="3"/>
-                                        </p:tgtEl>
-                                        <p:attrNameLst>
-                                          <p:attrName>style.visibility</p:attrName>
-                                        </p:attrNameLst>
-                                      </p:cBhvr>
-                                      <p:to>
-                                        <p:strVal val="visible"/>
-                                      </p:to>
-                                    </p:set>
-                                  </p:childTnLst>
-                                </p:cTn>
-                              </p:par>
-                            </p:childTnLst>
-                          </p:cTn>
-                        </p:par>
-                      </p:childTnLst>
-                    </p:cTn>
-                  </p:par>
-                  <p:par>
-                    <p:cTn id="15" fill="hold">
-                      <p:stCondLst>
-                        <p:cond delay="indefinite"/>
-                      </p:stCondLst>
-                      <p:childTnLst>
-                        <p:par>
-                          <p:cTn id="16" fill="hold">
-                            <p:stCondLst>
-                              <p:cond delay="0"/>
-                            </p:stCondLst>
-                            <p:childTnLst>
-                              <p:par>
-                                <p:cTn id="17" presetID="1" presetClass="entr" presetSubtype="0" fill="hold" nodeType="clickEffect">
-                                  <p:stCondLst>
-                                    <p:cond delay="0"/>
-                                  </p:stCondLst>
-                                  <p:childTnLst>
-                                    <p:set>
-                                      <p:cBhvr>
-                                        <p:cTn id="18" dur="1" fill="hold">
-                                          <p:stCondLst>
-                                            <p:cond delay="0"/>
-                                          </p:stCondLst>
-                                        </p:cTn>
-                                        <p:tgtEl>
-                                          <p:spTgt spid="29"/>
-                                        </p:tgtEl>
-                                        <p:attrNameLst>
-                                          <p:attrName>style.visibility</p:attrName>
-                                        </p:attrNameLst>
-                                      </p:cBhvr>
-                                      <p:to>
-                                        <p:strVal val="visible"/>
-                                      </p:to>
-                                    </p:set>
-                                  </p:childTnLst>
-                                </p:cTn>
-                              </p:par>
-                              <p:par>
-                                <p:cTn id="19" presetID="1" presetClass="entr" presetSubtype="0" fill="hold" grpId="0" nodeType="withEffect">
-                                  <p:stCondLst>
-                                    <p:cond delay="0"/>
-                                  </p:stCondLst>
-                                  <p:childTnLst>
-                                    <p:set>
-                                      <p:cBhvr>
-                                        <p:cTn id="20" dur="1" fill="hold">
-                                          <p:stCondLst>
-                                            <p:cond delay="0"/>
-                                          </p:stCondLst>
-                                        </p:cTn>
-                                        <p:tgtEl>
-                                          <p:spTgt spid="17"/>
-                                        </p:tgtEl>
-                                        <p:attrNameLst>
-                                          <p:attrName>style.visibility</p:attrName>
-                                        </p:attrNameLst>
-                                      </p:cBhvr>
-                                      <p:to>
-                                        <p:strVal val="visible"/>
-                                      </p:to>
-                                    </p:set>
-                                  </p:childTnLst>
-                                </p:cTn>
-                              </p:par>
-                            </p:childTnLst>
-                          </p:cTn>
-                        </p:par>
-                      </p:childTnLst>
-                    </p:cTn>
-                  </p:par>
-                  <p:par>
-                    <p:cTn id="21" fill="hold">
-                      <p:stCondLst>
-                        <p:cond delay="indefinite"/>
-                      </p:stCondLst>
-                      <p:childTnLst>
-                        <p:par>
-                          <p:cTn id="22" fill="hold">
-                            <p:stCondLst>
-                              <p:cond delay="0"/>
-                            </p:stCondLst>
-                            <p:childTnLst>
-                              <p:par>
-                                <p:cTn id="23" presetID="1" presetClass="entr" presetSubtype="0" fill="hold" nodeType="clickEffect">
-                                  <p:stCondLst>
-                                    <p:cond delay="0"/>
-                                  </p:stCondLst>
-                                  <p:childTnLst>
-                                    <p:set>
-                                      <p:cBhvr>
-                                        <p:cTn id="24" dur="1" fill="hold">
-                                          <p:stCondLst>
-                                            <p:cond delay="0"/>
-                                          </p:stCondLst>
-                                        </p:cTn>
-                                        <p:tgtEl>
-                                          <p:spTgt spid="30"/>
-                                        </p:tgtEl>
-                                        <p:attrNameLst>
-                                          <p:attrName>style.visibility</p:attrName>
-                                        </p:attrNameLst>
-                                      </p:cBhvr>
-                                      <p:to>
-                                        <p:strVal val="visible"/>
-                                      </p:to>
-                                    </p:set>
-                                  </p:childTnLst>
-                                </p:cTn>
-                              </p:par>
-                              <p:par>
-                                <p:cTn id="25" presetID="1" presetClass="entr" presetSubtype="0" fill="hold" grpId="0" nodeType="withEffect">
-                                  <p:stCondLst>
-                                    <p:cond delay="0"/>
-                                  </p:stCondLst>
-                                  <p:childTnLst>
-                                    <p:set>
-                                      <p:cBhvr>
-                                        <p:cTn id="26" dur="1" fill="hold">
-                                          <p:stCondLst>
-                                            <p:cond delay="0"/>
-                                          </p:stCondLst>
-                                        </p:cTn>
-                                        <p:tgtEl>
-                                          <p:spTgt spid="18"/>
-                                        </p:tgtEl>
-                                        <p:attrNameLst>
-                                          <p:attrName>style.visibility</p:attrName>
-                                        </p:attrNameLst>
-                                      </p:cBhvr>
-                                      <p:to>
-                                        <p:strVal val="visible"/>
-                                      </p:to>
-                                    </p:set>
-                                  </p:childTnLst>
-                                </p:cTn>
-                              </p:par>
-                            </p:childTnLst>
-                          </p:cTn>
-                        </p:par>
-                      </p:childTnLst>
-                    </p:cTn>
-                  </p:par>
-                  <p:par>
-                    <p:cTn id="27" fill="hold">
-                      <p:stCondLst>
-                        <p:cond delay="indefinite"/>
-                      </p:stCondLst>
-                      <p:childTnLst>
-                        <p:par>
-                          <p:cTn id="28" fill="hold">
-                            <p:stCondLst>
-                              <p:cond delay="0"/>
-                            </p:stCondLst>
-                            <p:childTnLst>
-                              <p:par>
-                                <p:cTn id="29" presetID="1" presetClass="entr" presetSubtype="0" fill="hold" nodeType="clickEffect">
-                                  <p:stCondLst>
-                                    <p:cond delay="0"/>
-                                  </p:stCondLst>
-                                  <p:childTnLst>
-                                    <p:set>
-                                      <p:cBhvr>
-                                        <p:cTn id="30" dur="1" fill="hold">
-                                          <p:stCondLst>
-                                            <p:cond delay="0"/>
-                                          </p:stCondLst>
-                                        </p:cTn>
-                                        <p:tgtEl>
-                                          <p:spTgt spid="45"/>
-                                        </p:tgtEl>
-                                        <p:attrNameLst>
-                                          <p:attrName>style.visibility</p:attrName>
-                                        </p:attrNameLst>
-                                      </p:cBhvr>
-                                      <p:to>
-                                        <p:strVal val="visible"/>
-                                      </p:to>
-                                    </p:set>
-                                  </p:childTnLst>
-                                </p:cTn>
-                              </p:par>
-                            </p:childTnLst>
-                          </p:cTn>
-                        </p:par>
-                      </p:childTnLst>
-                    </p:cTn>
-                  </p:par>
-                  <p:par>
-                    <p:cTn id="31" fill="hold">
-                      <p:stCondLst>
-                        <p:cond delay="indefinite"/>
-                      </p:stCondLst>
-                      <p:childTnLst>
-                        <p:par>
-                          <p:cTn id="32" fill="hold">
-                            <p:stCondLst>
-                              <p:cond delay="0"/>
-                            </p:stCondLst>
-                            <p:childTnLst>
-                              <p:par>
-                                <p:cTn id="33" presetID="1" presetClass="entr" presetSubtype="0" fill="hold" nodeType="clickEffect">
-                                  <p:stCondLst>
-                                    <p:cond delay="0"/>
-                                  </p:stCondLst>
-                                  <p:childTnLst>
-                                    <p:set>
-                                      <p:cBhvr>
-                                        <p:cTn id="34" dur="1" fill="hold">
-                                          <p:stCondLst>
-                                            <p:cond delay="0"/>
-                                          </p:stCondLst>
-                                        </p:cTn>
-                                        <p:tgtEl>
-                                          <p:spTgt spid="36"/>
-                                        </p:tgtEl>
-                                        <p:attrNameLst>
-                                          <p:attrName>style.visibility</p:attrName>
-                                        </p:attrNameLst>
-                                      </p:cBhvr>
-                                      <p:to>
-                                        <p:strVal val="visible"/>
-                                      </p:to>
-                                    </p:set>
-                                  </p:childTnLst>
-                                </p:cTn>
-                              </p:par>
-                              <p:par>
-                                <p:cTn id="35" presetID="1" presetClass="entr" presetSubtype="0" fill="hold" grpId="0" nodeType="withEffect">
-                                  <p:stCondLst>
-                                    <p:cond delay="0"/>
-                                  </p:stCondLst>
-                                  <p:childTnLst>
-                                    <p:set>
-                                      <p:cBhvr>
-                                        <p:cTn id="36" dur="1" fill="hold">
-                                          <p:stCondLst>
-                                            <p:cond delay="0"/>
-                                          </p:stCondLst>
-                                        </p:cTn>
-                                        <p:tgtEl>
-                                          <p:spTgt spid="20"/>
-                                        </p:tgtEl>
-                                        <p:attrNameLst>
-                                          <p:attrName>style.visibility</p:attrName>
-                                        </p:attrNameLst>
-                                      </p:cBhvr>
-                                      <p:to>
-                                        <p:strVal val="visible"/>
-                                      </p:to>
-                                    </p:set>
-                                  </p:childTnLst>
-                                </p:cTn>
-                              </p:par>
-                            </p:childTnLst>
-                          </p:cTn>
-                        </p:par>
-                      </p:childTnLst>
-                    </p:cTn>
-                  </p:par>
-                  <p:par>
-                    <p:cTn id="37" fill="hold">
-                      <p:stCondLst>
-                        <p:cond delay="indefinite"/>
-                      </p:stCondLst>
-                      <p:childTnLst>
-                        <p:par>
-                          <p:cTn id="38" fill="hold">
-                            <p:stCondLst>
-                              <p:cond delay="0"/>
-                            </p:stCondLst>
-                            <p:childTnLst>
-                              <p:par>
-                                <p:cTn id="39" presetID="1" presetClass="entr" presetSubtype="0" fill="hold" grpId="0" nodeType="clickEffect">
-                                  <p:stCondLst>
-                                    <p:cond delay="0"/>
-                                  </p:stCondLst>
-                                  <p:childTnLst>
-                                    <p:set>
-                                      <p:cBhvr>
-                                        <p:cTn id="40" dur="1" fill="hold">
-                                          <p:stCondLst>
-                                            <p:cond delay="0"/>
-                                          </p:stCondLst>
-                                        </p:cTn>
-                                        <p:tgtEl>
-                                          <p:spTgt spid="21"/>
-                                        </p:tgtEl>
-                                        <p:attrNameLst>
-                                          <p:attrName>style.visibility</p:attrName>
-                                        </p:attrNameLst>
-                                      </p:cBhvr>
-                                      <p:to>
-                                        <p:strVal val="visible"/>
-                                      </p:to>
-                                    </p:set>
-                                  </p:childTnLst>
-                                </p:cTn>
-                              </p:par>
-                              <p:par>
-                                <p:cTn id="41" presetID="1" presetClass="entr" presetSubtype="0" fill="hold" grpId="0" nodeType="withEffect">
-                                  <p:stCondLst>
-                                    <p:cond delay="0"/>
-                                  </p:stCondLst>
-                                  <p:childTnLst>
-                                    <p:set>
-                                      <p:cBhvr>
-                                        <p:cTn id="42" dur="1" fill="hold">
-                                          <p:stCondLst>
-                                            <p:cond delay="0"/>
-                                          </p:stCondLst>
-                                        </p:cTn>
-                                        <p:tgtEl>
-                                          <p:spTgt spid="22"/>
-                                        </p:tgtEl>
-                                        <p:attrNameLst>
-                                          <p:attrName>style.visibility</p:attrName>
-                                        </p:attrNameLst>
-                                      </p:cBhvr>
-                                      <p:to>
-                                        <p:strVal val="visible"/>
-                                      </p:to>
-                                    </p:set>
-                                  </p:childTnLst>
-                                </p:cTn>
-                              </p:par>
-                              <p:par>
-                                <p:cTn id="43" presetID="1" presetClass="entr" presetSubtype="0" fill="hold" grpId="0" nodeType="withEffect">
-                                  <p:stCondLst>
-                                    <p:cond delay="0"/>
-                                  </p:stCondLst>
-                                  <p:childTnLst>
-                                    <p:set>
-                                      <p:cBhvr>
-                                        <p:cTn id="44" dur="1" fill="hold">
-                                          <p:stCondLst>
-                                            <p:cond delay="0"/>
-                                          </p:stCondLst>
-                                        </p:cTn>
-                                        <p:tgtEl>
-                                          <p:spTgt spid="23"/>
-                                        </p:tgtEl>
-                                        <p:attrNameLst>
-                                          <p:attrName>style.visibility</p:attrName>
-                                        </p:attrNameLst>
-                                      </p:cBhvr>
-                                      <p:to>
-                                        <p:strVal val="visible"/>
-                                      </p:to>
-                                    </p:set>
-                                  </p:childTnLst>
-                                </p:cTn>
-                              </p:par>
-                            </p:childTnLst>
-                          </p:cTn>
-                        </p:par>
-                      </p:childTnLst>
-                    </p:cTn>
-                  </p:par>
-                  <p:par>
-                    <p:cTn id="45" fill="hold">
-                      <p:stCondLst>
-                        <p:cond delay="indefinite"/>
-                      </p:stCondLst>
-                      <p:childTnLst>
-                        <p:par>
-                          <p:cTn id="46" fill="hold">
-                            <p:stCondLst>
-                              <p:cond delay="0"/>
-                            </p:stCondLst>
-                            <p:childTnLst>
-                              <p:par>
-                                <p:cTn id="47" presetID="1" presetClass="entr" presetSubtype="0" fill="hold" nodeType="clickEffect">
-                                  <p:stCondLst>
-                                    <p:cond delay="0"/>
-                                  </p:stCondLst>
-                                  <p:childTnLst>
-                                    <p:set>
-                                      <p:cBhvr>
-                                        <p:cTn id="48" dur="1" fill="hold">
-                                          <p:stCondLst>
-                                            <p:cond delay="0"/>
-                                          </p:stCondLst>
-                                        </p:cTn>
-                                        <p:tgtEl>
-                                          <p:spTgt spid="44"/>
-                                        </p:tgtEl>
-                                        <p:attrNameLst>
-                                          <p:attrName>style.visibility</p:attrName>
-                                        </p:attrNameLst>
-                                      </p:cBhvr>
-                                      <p:to>
-                                        <p:strVal val="visible"/>
-                                      </p:to>
-                                    </p:set>
-                                  </p:childTnLst>
-                                </p:cTn>
-                              </p:par>
-                              <p:par>
-                                <p:cTn id="49" presetID="1" presetClass="entr" presetSubtype="0" fill="hold" nodeType="withEffect">
-                                  <p:stCondLst>
-                                    <p:cond delay="0"/>
-                                  </p:stCondLst>
-                                  <p:childTnLst>
-                                    <p:set>
-                                      <p:cBhvr>
-                                        <p:cTn id="50" dur="1" fill="hold">
-                                          <p:stCondLst>
-                                            <p:cond delay="0"/>
-                                          </p:stCondLst>
-                                        </p:cTn>
-                                        <p:tgtEl>
-                                          <p:spTgt spid="41"/>
-                                        </p:tgtEl>
-                                        <p:attrNameLst>
-                                          <p:attrName>style.visibility</p:attrName>
-                                        </p:attrNameLst>
-                                      </p:cBhvr>
-                                      <p:to>
-                                        <p:strVal val="visible"/>
-                                      </p:to>
-                                    </p:set>
-                                  </p:childTnLst>
-                                </p:cTn>
-                              </p:par>
-                              <p:par>
-                                <p:cTn id="51" presetID="1" presetClass="entr" presetSubtype="0" fill="hold" nodeType="withEffect">
-                                  <p:stCondLst>
-                                    <p:cond delay="0"/>
-                                  </p:stCondLst>
-                                  <p:childTnLst>
-                                    <p:set>
-                                      <p:cBhvr>
-                                        <p:cTn id="52" dur="1" fill="hold">
-                                          <p:stCondLst>
-                                            <p:cond delay="0"/>
-                                          </p:stCondLst>
-                                        </p:cTn>
-                                        <p:tgtEl>
-                                          <p:spTgt spid="39"/>
-                                        </p:tgtEl>
-                                        <p:attrNameLst>
-                                          <p:attrName>style.visibility</p:attrName>
-                                        </p:attrNameLst>
-                                      </p:cBhvr>
-                                      <p:to>
-                                        <p:strVal val="visible"/>
-                                      </p:to>
-                                    </p:set>
-                                  </p:childTnLst>
-                                </p:cTn>
-                              </p:par>
-                            </p:childTnLst>
-                          </p:cTn>
-                        </p:par>
-                      </p:childTnLst>
-                    </p:cTn>
-                  </p:par>
-                  <p:par>
-                    <p:cTn id="53" fill="hold">
-                      <p:stCondLst>
-                        <p:cond delay="indefinite"/>
-                      </p:stCondLst>
-                      <p:childTnLst>
-                        <p:par>
-                          <p:cTn id="54" fill="hold">
-                            <p:stCondLst>
-                              <p:cond delay="0"/>
-                            </p:stCondLst>
-                            <p:childTnLst>
-                              <p:par>
-                                <p:cTn id="55" presetID="1" presetClass="entr" presetSubtype="0" fill="hold" grpId="0" nodeType="clickEffect">
-                                  <p:stCondLst>
-                                    <p:cond delay="0"/>
-                                  </p:stCondLst>
-                                  <p:childTnLst>
-                                    <p:set>
-                                      <p:cBhvr>
-                                        <p:cTn id="56" dur="1" fill="hold">
-                                          <p:stCondLst>
-                                            <p:cond delay="0"/>
-                                          </p:stCondLst>
-                                        </p:cTn>
-                                        <p:tgtEl>
-                                          <p:spTgt spid="4"/>
-                                        </p:tgtEl>
-                                        <p:attrNameLst>
-                                          <p:attrName>style.visibility</p:attrName>
-                                        </p:attrNameLst>
-                                      </p:cBhvr>
-                                      <p:to>
-                                        <p:strVal val="visible"/>
-                                      </p:to>
-                                    </p:set>
-                                  </p:childTnLst>
-                                </p:cTn>
-                              </p:par>
-                              <p:par>
-                                <p:cTn id="57" presetID="1" presetClass="entr" presetSubtype="0" fill="hold" grpId="0" nodeType="withEffect">
-                                  <p:stCondLst>
-                                    <p:cond delay="0"/>
-                                  </p:stCondLst>
-                                  <p:childTnLst>
-                                    <p:set>
-                                      <p:cBhvr>
-                                        <p:cTn id="58" dur="1" fill="hold">
-                                          <p:stCondLst>
-                                            <p:cond delay="0"/>
-                                          </p:stCondLst>
-                                        </p:cTn>
-                                        <p:tgtEl>
-                                          <p:spTgt spid="28"/>
-                                        </p:tgtEl>
-                                        <p:attrNameLst>
-                                          <p:attrName>style.visibility</p:attrName>
-                                        </p:attrNameLst>
-                                      </p:cBhvr>
-                                      <p:to>
-                                        <p:strVal val="visible"/>
-                                      </p:to>
-                                    </p:set>
-                                  </p:childTnLst>
-                                </p:cTn>
-                              </p:par>
-                            </p:childTnLst>
-                          </p:cTn>
-                        </p:par>
-                      </p:childTnLst>
-                    </p:cTn>
-                  </p:par>
-                </p:childTnLst>
-              </p:cTn>
-              <p:prevCondLst>
-                <p:cond evt="onPrev" delay="0">
-                  <p:tgtEl>
-                    <p:sldTgt/>
-                  </p:tgtEl>
-                </p:cond>
-              </p:prevCondLst>
-              <p:nextCondLst>
-                <p:cond evt="onNext" delay="0">
-                  <p:tgtEl>
-                    <p:sldTgt/>
-                  </p:tgtEl>
-                </p:cond>
-              </p:nextCondLst>
-            </p:seq>
-          </p:childTnLst>
-        </p:cTn>
+        <p:cTn id="1" dur="indefinite" restart="never" nodeType="tmRoot"/>
       </p:par>
     </p:tnLst>
-    <p:bldLst>
-      <p:bldP spid="28" grpId="0" animBg="1"/>
-      <p:bldP spid="4" grpId="0" animBg="1"/>
-      <p:bldP spid="3" grpId="0" animBg="1"/>
-      <p:bldP spid="49" grpId="0" animBg="1"/>
-      <p:bldP spid="17" grpId="0" animBg="1"/>
-      <p:bldP spid="18" grpId="0" animBg="1"/>
-      <p:bldP spid="20" grpId="0" animBg="1"/>
-      <p:bldP spid="21" grpId="0" animBg="1"/>
-      <p:bldP spid="22" grpId="0" animBg="1"/>
-      <p:bldP spid="23" grpId="0" animBg="1"/>
-    </p:bldLst>
   </p:timing>
 </p:sld>
 </file>
@@ -24303,16 +22274,16 @@
           <a:lstStyle/>
           <a:p>
             <a:r>
-              <a:rPr lang="fr-FR" dirty="0"/>
-              <a:t>Exercice : créer une épopée, et </a:t>
+              <a:rPr lang="fr-FR" smtClean="0"/>
+              <a:t>Activités 1 : </a:t>
+            </a:r>
+            <a:r>
+              <a:rPr lang="fr-FR" dirty="0" err="1" smtClean="0"/>
+              <a:t>Grooming</a:t>
             </a:r>
             <a:r>
               <a:rPr lang="fr-FR" dirty="0" smtClean="0"/>
-              <a:t>deux </a:t>
-            </a:r>
-            <a:r>
-              <a:rPr lang="fr-FR" dirty="0"/>
-              <a:t>user story</a:t>
+              <a:t> (1/2)</a:t>
             </a:r>
             <a:endParaRPr lang="fr-FR" dirty="0"/>
           </a:p>
@@ -24326,1101 +22297,641 @@
         </p:nvSpPr>
         <p:spPr>
           <a:xfrm>
-            <a:off x="986367" y="1407688"/>
-            <a:ext cx="2836033" cy="1384995"/>
+            <a:off x="508957" y="1356733"/>
+            <a:ext cx="4520243" cy="5238034"/>
           </a:xfrm>
           <a:prstGeom prst="roundRect">
             <a:avLst/>
           </a:prstGeom>
-          <a:solidFill>
-            <a:srgbClr val="153F9F"/>
-          </a:solidFill>
+          <a:noFill/>
+          <a:ln>
+            <a:solidFill>
+              <a:schemeClr val="tx1"/>
+            </a:solidFill>
+          </a:ln>
         </p:spPr>
         <p:txBody>
-          <a:bodyPr wrap="none" rtlCol="0">
+          <a:bodyPr wrap="square" rtlCol="0">
             <a:noAutofit/>
           </a:bodyPr>
           <a:lstStyle/>
           <a:p>
             <a:pPr algn="ctr"/>
             <a:r>
-              <a:rPr lang="fr-FR" b="1" dirty="0" smtClean="0">
-                <a:solidFill>
-                  <a:srgbClr val="FA9905"/>
-                </a:solidFill>
-              </a:rPr>
-              <a:t>User Story</a:t>
-            </a:r>
+              <a:rPr lang="fr-FR" b="1" dirty="0" err="1"/>
+              <a:t>DoD</a:t>
+            </a:r>
+            <a:endParaRPr lang="fr-FR" b="1" dirty="0"/>
           </a:p>
           <a:p>
             <a:pPr algn="ctr"/>
             <a:r>
-              <a:rPr lang="fr-FR" b="1" dirty="0" smtClean="0">
-                <a:solidFill>
-                  <a:srgbClr val="FA9905"/>
-                </a:solidFill>
-              </a:rPr>
-              <a:t>Titre</a:t>
-            </a:r>
-          </a:p>
-          <a:p>
-            <a:r>
-              <a:rPr lang="fr-FR" b="1" dirty="0" smtClean="0">
-                <a:solidFill>
-                  <a:schemeClr val="bg1"/>
-                </a:solidFill>
-              </a:rPr>
-              <a:t>« En tant </a:t>
-            </a:r>
-            <a:r>
-              <a:rPr lang="fr-FR" b="1" dirty="0" smtClean="0">
-                <a:solidFill>
-                  <a:schemeClr val="bg1"/>
-                </a:solidFill>
-              </a:rPr>
-              <a:t>que</a:t>
-            </a:r>
-            <a:endParaRPr lang="fr-FR" b="1" dirty="0" smtClean="0">
+              <a:rPr lang="fr-FR" b="1" dirty="0"/>
+              <a:t>Définition of </a:t>
+            </a:r>
+            <a:r>
+              <a:rPr lang="fr-FR" b="1" i="1" dirty="0" err="1"/>
+              <a:t>done</a:t>
+            </a:r>
+            <a:endParaRPr lang="fr-FR" b="1" i="1" dirty="0"/>
+          </a:p>
+          <a:p>
+            <a:pPr marL="342900" indent="-342900">
+              <a:buFont typeface="+mj-lt"/>
+              <a:buAutoNum type="arabicPeriod"/>
+            </a:pPr>
+            <a:r>
+              <a:rPr lang="fr-FR" dirty="0"/>
+              <a:t> </a:t>
+            </a:r>
+          </a:p>
+          <a:p>
+            <a:pPr marL="596900" lvl="2" indent="-285750">
+              <a:buFont typeface="Arial" charset="0"/>
+              <a:buChar char="•"/>
+              <a:tabLst>
+                <a:tab pos="1368425" algn="l"/>
+              </a:tabLst>
+            </a:pPr>
+            <a:r>
+              <a:rPr lang="fr-FR" dirty="0"/>
+              <a:t>  </a:t>
+            </a:r>
+          </a:p>
+          <a:p>
+            <a:pPr marL="596900" lvl="2" indent="-285750">
+              <a:buFont typeface="Arial" charset="0"/>
+              <a:buChar char="•"/>
+              <a:tabLst>
+                <a:tab pos="1368425" algn="l"/>
+              </a:tabLst>
+            </a:pPr>
+            <a:r>
+              <a:rPr lang="fr-FR" dirty="0"/>
+              <a:t> </a:t>
+            </a:r>
+          </a:p>
+          <a:p>
+            <a:pPr marL="342900" indent="-342900">
+              <a:buFont typeface="+mj-lt"/>
+              <a:buAutoNum type="arabicPeriod"/>
+            </a:pPr>
+            <a:r>
+              <a:rPr lang="fr-FR" dirty="0"/>
+              <a:t> </a:t>
+            </a:r>
+          </a:p>
+          <a:p>
+            <a:pPr marL="596900" lvl="2" indent="-285750">
+              <a:buFont typeface="Arial" charset="0"/>
+              <a:buChar char="•"/>
+              <a:tabLst>
+                <a:tab pos="1368425" algn="l"/>
+              </a:tabLst>
+            </a:pPr>
+            <a:r>
+              <a:rPr lang="fr-FR" dirty="0"/>
+              <a:t> </a:t>
+            </a:r>
+          </a:p>
+          <a:p>
+            <a:pPr marL="596900" lvl="2" indent="-285750">
+              <a:buFont typeface="Arial" charset="0"/>
+              <a:buChar char="•"/>
+              <a:tabLst>
+                <a:tab pos="1368425" algn="l"/>
+              </a:tabLst>
+            </a:pPr>
+            <a:r>
+              <a:rPr lang="fr-FR" dirty="0"/>
+              <a:t> </a:t>
+            </a:r>
+          </a:p>
+          <a:p>
+            <a:pPr marL="596900" lvl="2" indent="-285750">
+              <a:buFont typeface="Arial" charset="0"/>
+              <a:buChar char="•"/>
+              <a:tabLst>
+                <a:tab pos="1368425" algn="l"/>
+              </a:tabLst>
+            </a:pPr>
+            <a:r>
+              <a:rPr lang="fr-FR" dirty="0"/>
+              <a:t> </a:t>
+            </a:r>
+          </a:p>
+          <a:p>
+            <a:pPr marL="342900" indent="-342900">
+              <a:buFont typeface="+mj-lt"/>
+              <a:buAutoNum type="arabicPeriod"/>
+              <a:tabLst>
+                <a:tab pos="1368425" algn="l"/>
+              </a:tabLst>
+            </a:pPr>
+            <a:r>
+              <a:rPr lang="fr-FR" dirty="0"/>
+              <a:t> </a:t>
+            </a:r>
+          </a:p>
+          <a:p>
+            <a:pPr marL="596900" lvl="2" indent="-285750">
+              <a:buFont typeface="Arial" charset="0"/>
+              <a:buChar char="•"/>
+              <a:tabLst>
+                <a:tab pos="1368425" algn="l"/>
+              </a:tabLst>
+            </a:pPr>
+            <a:r>
+              <a:rPr lang="fr-FR" dirty="0"/>
+              <a:t> </a:t>
+            </a:r>
+          </a:p>
+          <a:p>
+            <a:pPr marL="596900" lvl="2" indent="-285750">
+              <a:buFont typeface="Arial" charset="0"/>
+              <a:buChar char="•"/>
+              <a:tabLst>
+                <a:tab pos="1368425" algn="l"/>
+              </a:tabLst>
+            </a:pPr>
+            <a:r>
+              <a:rPr lang="fr-FR" dirty="0"/>
+              <a:t> </a:t>
+            </a:r>
+          </a:p>
+          <a:p>
+            <a:pPr marL="342900" indent="-342900">
+              <a:buFont typeface="+mj-lt"/>
+              <a:buAutoNum type="arabicPeriod"/>
+              <a:tabLst>
+                <a:tab pos="1368425" algn="l"/>
+              </a:tabLst>
+            </a:pPr>
+            <a:r>
+              <a:rPr lang="fr-FR" dirty="0"/>
+              <a:t>  </a:t>
+            </a:r>
+          </a:p>
+          <a:p>
+            <a:pPr marL="596900" lvl="3" indent="-285750">
+              <a:buFont typeface="Arial" charset="0"/>
+              <a:buChar char="•"/>
+              <a:tabLst>
+                <a:tab pos="1368425" algn="l"/>
+              </a:tabLst>
+            </a:pPr>
+            <a:endParaRPr lang="fr-FR" dirty="0"/>
+          </a:p>
+          <a:p>
+            <a:pPr marL="596900" lvl="2" indent="-285750">
+              <a:buFont typeface="Arial" charset="0"/>
+              <a:buChar char="•"/>
+              <a:tabLst>
+                <a:tab pos="1368425" algn="l"/>
+              </a:tabLst>
+            </a:pPr>
+            <a:r>
+              <a:rPr lang="fr-FR" dirty="0"/>
+              <a:t> </a:t>
+            </a:r>
+          </a:p>
+          <a:p>
+            <a:pPr marL="596900" lvl="2" indent="-285750">
+              <a:buFont typeface="Arial" charset="0"/>
+              <a:buChar char="•"/>
+              <a:tabLst>
+                <a:tab pos="1368425" algn="l"/>
+              </a:tabLst>
+            </a:pPr>
+            <a:r>
+              <a:rPr lang="fr-FR" dirty="0"/>
+              <a:t> </a:t>
+            </a:r>
+          </a:p>
+          <a:p>
+            <a:pPr marL="342900" indent="-342900">
+              <a:buFont typeface="+mj-lt"/>
+              <a:buAutoNum type="arabicPeriod"/>
+              <a:tabLst>
+                <a:tab pos="1368425" algn="l"/>
+              </a:tabLst>
+            </a:pPr>
+            <a:r>
+              <a:rPr lang="fr-FR" dirty="0"/>
+              <a:t> </a:t>
+            </a:r>
+          </a:p>
+          <a:p>
+            <a:pPr marL="596900" lvl="2" indent="-285750">
+              <a:buFont typeface="Arial" charset="0"/>
+              <a:buChar char="•"/>
+              <a:tabLst>
+                <a:tab pos="1368425" algn="l"/>
+              </a:tabLst>
+            </a:pPr>
+            <a:r>
+              <a:rPr lang="fr-FR" dirty="0"/>
+              <a:t> </a:t>
+            </a:r>
+          </a:p>
+          <a:p>
+            <a:pPr marL="596900" lvl="2" indent="-285750">
+              <a:buFont typeface="Arial" charset="0"/>
+              <a:buChar char="•"/>
+              <a:tabLst>
+                <a:tab pos="1368425" algn="l"/>
+              </a:tabLst>
+            </a:pPr>
+            <a:r>
+              <a:rPr lang="fr-FR" dirty="0"/>
+              <a:t> </a:t>
+            </a:r>
+          </a:p>
+          <a:p>
+            <a:pPr marL="342900" indent="-342900">
+              <a:buFont typeface="+mj-lt"/>
+              <a:buAutoNum type="arabicPeriod"/>
+              <a:tabLst>
+                <a:tab pos="1368425" algn="l"/>
+              </a:tabLst>
+            </a:pPr>
+            <a:r>
+              <a:rPr lang="fr-FR" dirty="0"/>
+              <a:t> </a:t>
+            </a:r>
+          </a:p>
+          <a:p>
+            <a:pPr marL="596900" lvl="3" indent="-285750">
+              <a:buFont typeface="Arial" charset="0"/>
+              <a:buChar char="•"/>
+              <a:tabLst>
+                <a:tab pos="1368425" algn="l"/>
+              </a:tabLst>
+            </a:pPr>
+            <a:r>
+              <a:rPr lang="fr-FR" dirty="0"/>
+              <a:t> </a:t>
+            </a:r>
+            <a:endParaRPr lang="fr-FR" dirty="0">
               <a:solidFill>
-                <a:srgbClr val="FA9905"/>
+                <a:schemeClr val="tx1"/>
               </a:solidFill>
             </a:endParaRPr>
           </a:p>
           <a:p>
-            <a:r>
-              <a:rPr lang="fr-FR" b="1" dirty="0">
-                <a:solidFill>
-                  <a:schemeClr val="bg1"/>
-                </a:solidFill>
-              </a:rPr>
-              <a:t>j</a:t>
-            </a:r>
-            <a:r>
-              <a:rPr lang="fr-FR" b="1" dirty="0" smtClean="0">
-                <a:solidFill>
-                  <a:schemeClr val="bg1"/>
-                </a:solidFill>
-              </a:rPr>
-              <a:t>e </a:t>
-            </a:r>
-            <a:r>
-              <a:rPr lang="fr-FR" b="1" dirty="0" smtClean="0">
-                <a:solidFill>
-                  <a:schemeClr val="bg1"/>
-                </a:solidFill>
-              </a:rPr>
-              <a:t>veux</a:t>
-            </a:r>
-            <a:endParaRPr lang="fr-FR" b="1" dirty="0" smtClean="0">
-              <a:solidFill>
-                <a:srgbClr val="FA9905"/>
-              </a:solidFill>
-            </a:endParaRPr>
-          </a:p>
-          <a:p>
-            <a:r>
-              <a:rPr lang="fr-FR" b="1" dirty="0" smtClean="0">
-                <a:solidFill>
-                  <a:schemeClr val="bg1"/>
-                </a:solidFill>
-              </a:rPr>
-              <a:t>afin de</a:t>
-            </a:r>
-            <a:r>
-              <a:rPr lang="fr-FR" b="1" dirty="0" smtClean="0"/>
+            <a:pPr marL="596900" lvl="2" indent="-285750">
+              <a:buFont typeface="Arial" charset="0"/>
+              <a:buChar char="•"/>
+              <a:tabLst>
+                <a:tab pos="1368425" algn="l"/>
+              </a:tabLst>
+            </a:pPr>
+            <a:r>
+              <a:rPr lang="fr-FR" dirty="0"/>
               <a:t> </a:t>
             </a:r>
-            <a:endParaRPr lang="fr-FR" b="1" dirty="0" smtClean="0"/>
-          </a:p>
-          <a:p>
-            <a:r>
-              <a:rPr lang="fr-FR" b="1" dirty="0" smtClean="0"/>
-              <a:t> </a:t>
-            </a:r>
-            <a:r>
-              <a:rPr lang="fr-FR" b="1" dirty="0" smtClean="0">
-                <a:solidFill>
-                  <a:schemeClr val="bg1"/>
-                </a:solidFill>
-              </a:rPr>
-              <a:t>»</a:t>
-            </a:r>
-          </a:p>
-          <a:p>
-            <a:endParaRPr lang="fr-FR" dirty="0">
-              <a:solidFill>
-                <a:schemeClr val="bg1"/>
-              </a:solidFill>
-            </a:endParaRPr>
+          </a:p>
+          <a:p>
+            <a:pPr marL="596900" lvl="2" indent="-285750">
+              <a:buFont typeface="Arial" charset="0"/>
+              <a:buChar char="•"/>
+              <a:tabLst>
+                <a:tab pos="1368425" algn="l"/>
+              </a:tabLst>
+            </a:pPr>
+            <a:r>
+              <a:rPr lang="fr-FR" dirty="0"/>
+              <a:t> </a:t>
+            </a:r>
           </a:p>
         </p:txBody>
       </p:sp>
-      <p:cxnSp>
-        <p:nvCxnSpPr>
-          <p:cNvPr id="5" name="Connecteur droit avec flèche 4"/>
-          <p:cNvCxnSpPr>
-            <a:stCxn id="3" idx="3"/>
-          </p:cNvCxnSpPr>
+      <p:grpSp>
+        <p:nvGrpSpPr>
+          <p:cNvPr id="18" name="Grouper 17"/>
+          <p:cNvGrpSpPr/>
           <p:nvPr/>
-        </p:nvCxnSpPr>
-        <p:spPr>
+        </p:nvGrpSpPr>
+        <p:grpSpPr>
           <a:xfrm>
-            <a:off x="3822400" y="2100186"/>
-            <a:ext cx="1595738" cy="43001"/>
+            <a:off x="5583475" y="164513"/>
+            <a:ext cx="3463728" cy="359496"/>
+            <a:chOff x="1054100" y="1473200"/>
+            <a:chExt cx="8886824" cy="838200"/>
           </a:xfrm>
-          <a:prstGeom prst="straightConnector1">
-            <a:avLst/>
-          </a:prstGeom>
-          <a:ln>
+        </p:grpSpPr>
+        <p:sp>
+          <p:nvSpPr>
+            <p:cNvPr id="19" name="Signalisation droite 18"/>
+            <p:cNvSpPr/>
+            <p:nvPr/>
+          </p:nvSpPr>
+          <p:spPr>
+            <a:xfrm>
+              <a:off x="1054100" y="1473200"/>
+              <a:ext cx="1739900" cy="838200"/>
+            </a:xfrm>
+            <a:prstGeom prst="homePlate">
+              <a:avLst/>
+            </a:prstGeom>
             <a:solidFill>
-              <a:srgbClr val="163F9D"/>
+              <a:srgbClr val="153F9F"/>
             </a:solidFill>
-            <a:tailEnd type="triangle"/>
-          </a:ln>
-        </p:spPr>
-        <p:style>
-          <a:lnRef idx="1">
-            <a:schemeClr val="accent1"/>
-          </a:lnRef>
-          <a:fillRef idx="0">
-            <a:schemeClr val="accent1"/>
-          </a:fillRef>
-          <a:effectRef idx="0">
-            <a:schemeClr val="accent1"/>
-          </a:effectRef>
-          <a:fontRef idx="minor">
-            <a:schemeClr val="tx1"/>
-          </a:fontRef>
-        </p:style>
-      </p:cxnSp>
-      <p:cxnSp>
-        <p:nvCxnSpPr>
-          <p:cNvPr id="12" name="Connecteur droit avec flèche 11"/>
-          <p:cNvCxnSpPr>
-            <a:stCxn id="3" idx="3"/>
-          </p:cNvCxnSpPr>
-          <p:nvPr/>
-        </p:nvCxnSpPr>
-        <p:spPr>
-          <a:xfrm flipV="1">
-            <a:off x="3822400" y="1515531"/>
-            <a:ext cx="1595738" cy="584655"/>
-          </a:xfrm>
-          <a:prstGeom prst="straightConnector1">
-            <a:avLst/>
-          </a:prstGeom>
-          <a:ln>
+            <a:ln>
+              <a:noFill/>
+            </a:ln>
+          </p:spPr>
+          <p:style>
+            <a:lnRef idx="2">
+              <a:schemeClr val="accent1">
+                <a:shade val="50000"/>
+              </a:schemeClr>
+            </a:lnRef>
+            <a:fillRef idx="1">
+              <a:schemeClr val="accent1"/>
+            </a:fillRef>
+            <a:effectRef idx="0">
+              <a:schemeClr val="accent1"/>
+            </a:effectRef>
+            <a:fontRef idx="minor">
+              <a:schemeClr val="lt1"/>
+            </a:fontRef>
+          </p:style>
+          <p:txBody>
+            <a:bodyPr rtlCol="0" anchor="ctr"/>
+            <a:lstStyle/>
+            <a:p>
+              <a:pPr algn="ctr"/>
+              <a:r>
+                <a:rPr lang="fr-FR" sz="700" dirty="0" err="1" smtClean="0">
+                  <a:solidFill>
+                    <a:srgbClr val="FA9905"/>
+                  </a:solidFill>
+                </a:rPr>
+                <a:t>Grooming</a:t>
+              </a:r>
+              <a:endParaRPr lang="fr-FR" sz="700" dirty="0">
+                <a:solidFill>
+                  <a:srgbClr val="FA9905"/>
+                </a:solidFill>
+              </a:endParaRPr>
+            </a:p>
+          </p:txBody>
+        </p:sp>
+        <p:sp>
+          <p:nvSpPr>
+            <p:cNvPr id="20" name="Chevron 19"/>
+            <p:cNvSpPr/>
+            <p:nvPr/>
+          </p:nvSpPr>
+          <p:spPr>
+            <a:xfrm>
+              <a:off x="2474912" y="1473200"/>
+              <a:ext cx="1473200" cy="838200"/>
+            </a:xfrm>
+            <a:prstGeom prst="chevron">
+              <a:avLst/>
+            </a:prstGeom>
             <a:solidFill>
-              <a:srgbClr val="163F9D"/>
+              <a:srgbClr val="FA9905"/>
             </a:solidFill>
-            <a:tailEnd type="triangle"/>
-          </a:ln>
-        </p:spPr>
-        <p:style>
-          <a:lnRef idx="1">
-            <a:schemeClr val="accent1"/>
-          </a:lnRef>
-          <a:fillRef idx="0">
-            <a:schemeClr val="accent1"/>
-          </a:fillRef>
-          <a:effectRef idx="0">
-            <a:schemeClr val="accent1"/>
-          </a:effectRef>
-          <a:fontRef idx="minor">
-            <a:schemeClr val="tx1"/>
-          </a:fontRef>
-        </p:style>
-      </p:cxnSp>
-      <p:sp>
-        <p:nvSpPr>
-          <p:cNvPr id="56" name="ZoneTexte 55"/>
-          <p:cNvSpPr txBox="1"/>
-          <p:nvPr/>
-        </p:nvSpPr>
-        <p:spPr>
-          <a:xfrm>
-            <a:off x="5418138" y="1252366"/>
-            <a:ext cx="4335462" cy="526329"/>
-          </a:xfrm>
-          <a:prstGeom prst="roundRect">
-            <a:avLst/>
-          </a:prstGeom>
-          <a:solidFill>
-            <a:srgbClr val="153F9F"/>
-          </a:solidFill>
-        </p:spPr>
-        <p:txBody>
-          <a:bodyPr wrap="none" rtlCol="0">
-            <a:noAutofit/>
-          </a:bodyPr>
-          <a:lstStyle/>
-          <a:p>
-            <a:r>
-              <a:rPr lang="fr-FR" b="1" dirty="0" smtClean="0">
-                <a:solidFill>
-                  <a:srgbClr val="FA9905"/>
-                </a:solidFill>
-              </a:rPr>
-              <a:t>I</a:t>
-            </a:r>
-            <a:r>
-              <a:rPr lang="fr-FR" b="1" dirty="0" smtClean="0">
-                <a:solidFill>
-                  <a:schemeClr val="bg1"/>
-                </a:solidFill>
-              </a:rPr>
-              <a:t>ndependent</a:t>
-            </a:r>
-          </a:p>
-        </p:txBody>
-      </p:sp>
-      <p:sp>
-        <p:nvSpPr>
-          <p:cNvPr id="59" name="ZoneTexte 58"/>
-          <p:cNvSpPr txBox="1"/>
-          <p:nvPr/>
-        </p:nvSpPr>
-        <p:spPr>
-          <a:xfrm>
-            <a:off x="5418138" y="1880022"/>
-            <a:ext cx="4335462" cy="526329"/>
-          </a:xfrm>
-          <a:prstGeom prst="roundRect">
-            <a:avLst/>
-          </a:prstGeom>
-          <a:solidFill>
-            <a:srgbClr val="153F9F"/>
-          </a:solidFill>
-        </p:spPr>
-        <p:txBody>
-          <a:bodyPr wrap="none" rtlCol="0">
-            <a:noAutofit/>
-          </a:bodyPr>
-          <a:lstStyle/>
-          <a:p>
-            <a:r>
-              <a:rPr lang="fr-FR" b="1" dirty="0" err="1" smtClean="0">
-                <a:solidFill>
-                  <a:srgbClr val="FA9905"/>
-                </a:solidFill>
-              </a:rPr>
-              <a:t>N</a:t>
-            </a:r>
-            <a:r>
-              <a:rPr lang="fr-FR" b="1" dirty="0" err="1" smtClean="0">
-                <a:solidFill>
-                  <a:schemeClr val="bg1"/>
-                </a:solidFill>
-              </a:rPr>
-              <a:t>egociable</a:t>
-            </a:r>
-            <a:endParaRPr lang="fr-FR" b="1" dirty="0" smtClean="0">
-              <a:solidFill>
-                <a:schemeClr val="bg1"/>
-              </a:solidFill>
-            </a:endParaRPr>
-          </a:p>
-          <a:p>
-            <a:r>
-              <a:rPr lang="fr-FR" dirty="0" smtClean="0">
-                <a:solidFill>
-                  <a:schemeClr val="bg1"/>
-                </a:solidFill>
-              </a:rPr>
-              <a:t>Discutées par la </a:t>
-            </a:r>
-            <a:r>
-              <a:rPr lang="fr-FR" dirty="0" err="1" smtClean="0">
-                <a:solidFill>
-                  <a:schemeClr val="bg1"/>
-                </a:solidFill>
-              </a:rPr>
-              <a:t>Scrum</a:t>
-            </a:r>
-            <a:r>
-              <a:rPr lang="fr-FR" dirty="0" smtClean="0">
-                <a:solidFill>
-                  <a:schemeClr val="bg1"/>
-                </a:solidFill>
-              </a:rPr>
-              <a:t> team</a:t>
-            </a:r>
-            <a:endParaRPr lang="fr-FR" dirty="0">
-              <a:solidFill>
-                <a:schemeClr val="bg1"/>
-              </a:solidFill>
-            </a:endParaRPr>
-          </a:p>
-          <a:p>
-            <a:endParaRPr lang="fr-FR" dirty="0">
-              <a:solidFill>
-                <a:schemeClr val="bg1"/>
-              </a:solidFill>
-            </a:endParaRPr>
-          </a:p>
-        </p:txBody>
-      </p:sp>
-      <p:sp>
-        <p:nvSpPr>
-          <p:cNvPr id="60" name="ZoneTexte 59"/>
-          <p:cNvSpPr txBox="1"/>
-          <p:nvPr/>
-        </p:nvSpPr>
-        <p:spPr>
-          <a:xfrm>
-            <a:off x="5418139" y="2507678"/>
-            <a:ext cx="4335462" cy="526329"/>
-          </a:xfrm>
-          <a:prstGeom prst="roundRect">
-            <a:avLst/>
-          </a:prstGeom>
-          <a:solidFill>
-            <a:srgbClr val="153F9F"/>
-          </a:solidFill>
-        </p:spPr>
-        <p:txBody>
-          <a:bodyPr wrap="none" rtlCol="0">
-            <a:noAutofit/>
-          </a:bodyPr>
-          <a:lstStyle/>
-          <a:p>
-            <a:r>
-              <a:rPr lang="fr-FR" b="1" dirty="0" err="1" smtClean="0">
-                <a:solidFill>
-                  <a:srgbClr val="FA9905"/>
-                </a:solidFill>
-              </a:rPr>
-              <a:t>V</a:t>
-            </a:r>
-            <a:r>
-              <a:rPr lang="fr-FR" b="1" dirty="0" err="1" smtClean="0">
-                <a:solidFill>
-                  <a:schemeClr val="bg1"/>
-                </a:solidFill>
-              </a:rPr>
-              <a:t>aluable</a:t>
-            </a:r>
-            <a:endParaRPr lang="fr-FR" b="1" dirty="0" smtClean="0">
-              <a:solidFill>
-                <a:schemeClr val="bg1"/>
-              </a:solidFill>
-            </a:endParaRPr>
-          </a:p>
-          <a:p>
-            <a:r>
-              <a:rPr lang="fr-FR" dirty="0" smtClean="0">
-                <a:solidFill>
-                  <a:schemeClr val="bg1"/>
-                </a:solidFill>
-              </a:rPr>
-              <a:t>Valeur business </a:t>
-            </a:r>
-            <a:r>
-              <a:rPr lang="fr-FR" dirty="0" smtClean="0">
-                <a:solidFill>
-                  <a:schemeClr val="bg1"/>
-                </a:solidFill>
-              </a:rPr>
-              <a:t>définie =&gt; </a:t>
-            </a:r>
-            <a:endParaRPr lang="fr-FR" dirty="0">
-              <a:solidFill>
-                <a:schemeClr val="bg1"/>
-              </a:solidFill>
-            </a:endParaRPr>
-          </a:p>
-          <a:p>
-            <a:endParaRPr lang="fr-FR" dirty="0">
-              <a:solidFill>
-                <a:schemeClr val="bg1"/>
-              </a:solidFill>
-            </a:endParaRPr>
-          </a:p>
-        </p:txBody>
-      </p:sp>
-      <p:sp>
-        <p:nvSpPr>
-          <p:cNvPr id="61" name="ZoneTexte 60"/>
-          <p:cNvSpPr txBox="1"/>
-          <p:nvPr/>
-        </p:nvSpPr>
-        <p:spPr>
-          <a:xfrm>
-            <a:off x="5418137" y="3762990"/>
-            <a:ext cx="4335462" cy="526329"/>
-          </a:xfrm>
-          <a:prstGeom prst="roundRect">
-            <a:avLst/>
-          </a:prstGeom>
-          <a:solidFill>
-            <a:srgbClr val="153F9F"/>
-          </a:solidFill>
-        </p:spPr>
-        <p:txBody>
-          <a:bodyPr wrap="none" rtlCol="0">
-            <a:noAutofit/>
-          </a:bodyPr>
-          <a:lstStyle/>
-          <a:p>
-            <a:r>
-              <a:rPr lang="fr-FR" b="1" dirty="0" smtClean="0">
-                <a:solidFill>
-                  <a:srgbClr val="FA9905"/>
-                </a:solidFill>
-              </a:rPr>
-              <a:t>S</a:t>
-            </a:r>
-            <a:r>
-              <a:rPr lang="fr-FR" b="1" dirty="0" smtClean="0">
-                <a:solidFill>
-                  <a:schemeClr val="bg1"/>
-                </a:solidFill>
-              </a:rPr>
-              <a:t>mall</a:t>
-            </a:r>
-          </a:p>
-          <a:p>
-            <a:r>
-              <a:rPr lang="fr-FR" dirty="0">
-                <a:solidFill>
-                  <a:schemeClr val="bg1"/>
-                </a:solidFill>
-              </a:rPr>
-              <a:t>Effectuée </a:t>
-            </a:r>
-            <a:r>
-              <a:rPr lang="fr-FR" dirty="0" smtClean="0">
-                <a:solidFill>
-                  <a:schemeClr val="bg1"/>
-                </a:solidFill>
-              </a:rPr>
-              <a:t>en un </a:t>
-            </a:r>
-            <a:r>
-              <a:rPr lang="fr-FR" dirty="0" smtClean="0">
-                <a:solidFill>
-                  <a:schemeClr val="bg1"/>
-                </a:solidFill>
-              </a:rPr>
-              <a:t>sprint =&gt; ok ? </a:t>
-            </a:r>
-            <a:endParaRPr lang="fr-FR" dirty="0">
-              <a:solidFill>
-                <a:schemeClr val="bg1"/>
-              </a:solidFill>
-            </a:endParaRPr>
-          </a:p>
-          <a:p>
-            <a:endParaRPr lang="fr-FR" dirty="0">
-              <a:solidFill>
-                <a:schemeClr val="bg1"/>
-              </a:solidFill>
-            </a:endParaRPr>
-          </a:p>
-        </p:txBody>
-      </p:sp>
-      <p:sp>
-        <p:nvSpPr>
-          <p:cNvPr id="62" name="ZoneTexte 61"/>
-          <p:cNvSpPr txBox="1"/>
-          <p:nvPr/>
-        </p:nvSpPr>
-        <p:spPr>
-          <a:xfrm>
-            <a:off x="5418137" y="4390645"/>
-            <a:ext cx="4335462" cy="526329"/>
-          </a:xfrm>
-          <a:prstGeom prst="roundRect">
-            <a:avLst/>
-          </a:prstGeom>
-          <a:solidFill>
-            <a:srgbClr val="153F9F"/>
-          </a:solidFill>
-        </p:spPr>
-        <p:txBody>
-          <a:bodyPr wrap="none" rtlCol="0">
-            <a:noAutofit/>
-          </a:bodyPr>
-          <a:lstStyle/>
-          <a:p>
-            <a:r>
-              <a:rPr lang="fr-FR" b="1" dirty="0" smtClean="0">
-                <a:solidFill>
-                  <a:srgbClr val="FA9905"/>
-                </a:solidFill>
-              </a:rPr>
-              <a:t>T</a:t>
-            </a:r>
-            <a:r>
-              <a:rPr lang="fr-FR" b="1" dirty="0" smtClean="0">
-                <a:solidFill>
-                  <a:schemeClr val="bg1"/>
-                </a:solidFill>
-              </a:rPr>
-              <a:t>estable</a:t>
-            </a:r>
-          </a:p>
-          <a:p>
-            <a:r>
-              <a:rPr lang="fr-FR" dirty="0" smtClean="0">
-                <a:solidFill>
-                  <a:schemeClr val="bg1"/>
-                </a:solidFill>
-              </a:rPr>
-              <a:t>Décider du « </a:t>
-            </a:r>
-            <a:r>
-              <a:rPr lang="fr-FR" dirty="0" err="1" smtClean="0">
-                <a:solidFill>
-                  <a:schemeClr val="bg1"/>
-                </a:solidFill>
-              </a:rPr>
-              <a:t>done</a:t>
-            </a:r>
-            <a:r>
-              <a:rPr lang="fr-FR" dirty="0" smtClean="0">
-                <a:solidFill>
-                  <a:schemeClr val="bg1"/>
-                </a:solidFill>
-              </a:rPr>
-              <a:t> »</a:t>
-            </a:r>
-            <a:endParaRPr lang="fr-FR" dirty="0">
-              <a:solidFill>
-                <a:schemeClr val="bg1"/>
-              </a:solidFill>
-            </a:endParaRPr>
-          </a:p>
-          <a:p>
-            <a:endParaRPr lang="fr-FR" dirty="0">
-              <a:solidFill>
-                <a:schemeClr val="bg1"/>
-              </a:solidFill>
-            </a:endParaRPr>
-          </a:p>
-        </p:txBody>
-      </p:sp>
-      <p:sp>
-        <p:nvSpPr>
-          <p:cNvPr id="64" name="ZoneTexte 63"/>
-          <p:cNvSpPr txBox="1"/>
-          <p:nvPr/>
-        </p:nvSpPr>
-        <p:spPr>
-          <a:xfrm>
-            <a:off x="5418137" y="3135334"/>
-            <a:ext cx="4335462" cy="526329"/>
-          </a:xfrm>
-          <a:prstGeom prst="roundRect">
-            <a:avLst/>
-          </a:prstGeom>
-          <a:solidFill>
-            <a:srgbClr val="153F9F"/>
-          </a:solidFill>
-        </p:spPr>
-        <p:txBody>
-          <a:bodyPr wrap="none" rtlCol="0">
-            <a:noAutofit/>
-          </a:bodyPr>
-          <a:lstStyle/>
-          <a:p>
-            <a:r>
-              <a:rPr lang="fr-FR" b="1" dirty="0" smtClean="0">
-                <a:solidFill>
-                  <a:srgbClr val="FA9905"/>
-                </a:solidFill>
-              </a:rPr>
-              <a:t>E</a:t>
-            </a:r>
-            <a:r>
-              <a:rPr lang="fr-FR" b="1" dirty="0" smtClean="0">
-                <a:solidFill>
-                  <a:schemeClr val="bg1"/>
-                </a:solidFill>
-              </a:rPr>
-              <a:t>stimable</a:t>
-            </a:r>
-          </a:p>
-          <a:p>
-            <a:r>
-              <a:rPr lang="fr-FR" dirty="0" smtClean="0">
-                <a:solidFill>
-                  <a:schemeClr val="bg1"/>
-                </a:solidFill>
-              </a:rPr>
-              <a:t>Par l’équipe de </a:t>
-            </a:r>
-            <a:r>
-              <a:rPr lang="fr-FR" dirty="0" err="1" smtClean="0">
-                <a:solidFill>
-                  <a:schemeClr val="bg1"/>
-                </a:solidFill>
-              </a:rPr>
-              <a:t>dev</a:t>
-            </a:r>
-            <a:r>
-              <a:rPr lang="fr-FR" dirty="0" smtClean="0">
-                <a:solidFill>
-                  <a:schemeClr val="bg1"/>
-                </a:solidFill>
-              </a:rPr>
-              <a:t> =&gt; estimation</a:t>
-            </a:r>
-            <a:endParaRPr lang="fr-FR" dirty="0">
-              <a:solidFill>
-                <a:schemeClr val="bg1"/>
-              </a:solidFill>
-            </a:endParaRPr>
-          </a:p>
-        </p:txBody>
-      </p:sp>
-      <p:cxnSp>
-        <p:nvCxnSpPr>
-          <p:cNvPr id="65" name="Connecteur droit avec flèche 64"/>
-          <p:cNvCxnSpPr>
-            <a:stCxn id="3" idx="3"/>
-          </p:cNvCxnSpPr>
-          <p:nvPr/>
-        </p:nvCxnSpPr>
-        <p:spPr>
-          <a:xfrm>
-            <a:off x="3822400" y="2100186"/>
-            <a:ext cx="1595739" cy="670657"/>
-          </a:xfrm>
-          <a:prstGeom prst="straightConnector1">
-            <a:avLst/>
-          </a:prstGeom>
-          <a:ln>
+            <a:ln>
+              <a:noFill/>
+            </a:ln>
+          </p:spPr>
+          <p:style>
+            <a:lnRef idx="2">
+              <a:schemeClr val="accent1">
+                <a:shade val="50000"/>
+              </a:schemeClr>
+            </a:lnRef>
+            <a:fillRef idx="1">
+              <a:schemeClr val="accent1"/>
+            </a:fillRef>
+            <a:effectRef idx="0">
+              <a:schemeClr val="accent1"/>
+            </a:effectRef>
+            <a:fontRef idx="minor">
+              <a:schemeClr val="lt1"/>
+            </a:fontRef>
+          </p:style>
+          <p:txBody>
+            <a:bodyPr vert="vert270" rtlCol="0" anchor="ctr"/>
+            <a:lstStyle/>
+            <a:p>
+              <a:pPr algn="ctr"/>
+              <a:r>
+                <a:rPr lang="fr-FR" sz="700" dirty="0" smtClean="0">
+                  <a:solidFill>
+                    <a:srgbClr val="153F9F"/>
+                  </a:solidFill>
+                </a:rPr>
+                <a:t>Sprint planning</a:t>
+              </a:r>
+              <a:endParaRPr lang="fr-FR" sz="700" dirty="0">
+                <a:solidFill>
+                  <a:srgbClr val="153F9F"/>
+                </a:solidFill>
+              </a:endParaRPr>
+            </a:p>
+          </p:txBody>
+        </p:sp>
+        <p:sp>
+          <p:nvSpPr>
+            <p:cNvPr id="21" name="Chevron 20"/>
+            <p:cNvSpPr/>
+            <p:nvPr/>
+          </p:nvSpPr>
+          <p:spPr>
+            <a:xfrm>
+              <a:off x="3629024" y="1473200"/>
+              <a:ext cx="4003676" cy="838200"/>
+            </a:xfrm>
+            <a:prstGeom prst="chevron">
+              <a:avLst/>
+            </a:prstGeom>
             <a:solidFill>
-              <a:srgbClr val="163F9D"/>
+              <a:schemeClr val="bg1">
+                <a:lumMod val="85000"/>
+              </a:schemeClr>
             </a:solidFill>
-            <a:tailEnd type="triangle"/>
-          </a:ln>
-        </p:spPr>
-        <p:style>
-          <a:lnRef idx="1">
-            <a:schemeClr val="accent1"/>
-          </a:lnRef>
-          <a:fillRef idx="0">
-            <a:schemeClr val="accent1"/>
-          </a:fillRef>
-          <a:effectRef idx="0">
-            <a:schemeClr val="accent1"/>
-          </a:effectRef>
-          <a:fontRef idx="minor">
-            <a:schemeClr val="tx1"/>
-          </a:fontRef>
-        </p:style>
-      </p:cxnSp>
-      <p:cxnSp>
-        <p:nvCxnSpPr>
-          <p:cNvPr id="68" name="Connecteur droit avec flèche 67"/>
-          <p:cNvCxnSpPr>
-            <a:stCxn id="3" idx="3"/>
-          </p:cNvCxnSpPr>
-          <p:nvPr/>
-        </p:nvCxnSpPr>
-        <p:spPr>
-          <a:xfrm>
-            <a:off x="3822400" y="2100186"/>
-            <a:ext cx="1595737" cy="1298313"/>
-          </a:xfrm>
-          <a:prstGeom prst="straightConnector1">
-            <a:avLst/>
-          </a:prstGeom>
-          <a:ln>
+            <a:ln>
+              <a:noFill/>
+            </a:ln>
+          </p:spPr>
+          <p:style>
+            <a:lnRef idx="2">
+              <a:schemeClr val="accent1">
+                <a:shade val="50000"/>
+              </a:schemeClr>
+            </a:lnRef>
+            <a:fillRef idx="1">
+              <a:schemeClr val="accent1"/>
+            </a:fillRef>
+            <a:effectRef idx="0">
+              <a:schemeClr val="accent1"/>
+            </a:effectRef>
+            <a:fontRef idx="minor">
+              <a:schemeClr val="lt1"/>
+            </a:fontRef>
+          </p:style>
+          <p:txBody>
+            <a:bodyPr rtlCol="0" anchor="ctr"/>
+            <a:lstStyle/>
+            <a:p>
+              <a:pPr algn="ctr"/>
+              <a:r>
+                <a:rPr lang="fr-FR" sz="700" dirty="0" smtClean="0">
+                  <a:solidFill>
+                    <a:schemeClr val="tx1"/>
+                  </a:solidFill>
+                </a:rPr>
+                <a:t>Sprint </a:t>
+              </a:r>
+            </a:p>
+            <a:p>
+              <a:pPr algn="ctr"/>
+              <a:r>
+                <a:rPr lang="fr-FR" sz="700" dirty="0" err="1" smtClean="0">
+                  <a:solidFill>
+                    <a:schemeClr val="tx1"/>
+                  </a:solidFill>
+                </a:rPr>
+                <a:t>Execution</a:t>
+              </a:r>
+              <a:endParaRPr lang="fr-FR" sz="700" dirty="0">
+                <a:solidFill>
+                  <a:schemeClr val="tx1"/>
+                </a:solidFill>
+              </a:endParaRPr>
+            </a:p>
+          </p:txBody>
+        </p:sp>
+        <p:sp>
+          <p:nvSpPr>
+            <p:cNvPr id="22" name="Chevron 21"/>
+            <p:cNvSpPr/>
+            <p:nvPr/>
+          </p:nvSpPr>
+          <p:spPr>
+            <a:xfrm>
+              <a:off x="7313611" y="1473200"/>
+              <a:ext cx="1473200" cy="838200"/>
+            </a:xfrm>
+            <a:prstGeom prst="chevron">
+              <a:avLst/>
+            </a:prstGeom>
             <a:solidFill>
-              <a:srgbClr val="163F9D"/>
+              <a:schemeClr val="bg1">
+                <a:lumMod val="85000"/>
+              </a:schemeClr>
             </a:solidFill>
-            <a:tailEnd type="triangle"/>
-          </a:ln>
-        </p:spPr>
-        <p:style>
-          <a:lnRef idx="1">
-            <a:schemeClr val="accent1"/>
-          </a:lnRef>
-          <a:fillRef idx="0">
-            <a:schemeClr val="accent1"/>
-          </a:fillRef>
-          <a:effectRef idx="0">
-            <a:schemeClr val="accent1"/>
-          </a:effectRef>
-          <a:fontRef idx="minor">
-            <a:schemeClr val="tx1"/>
-          </a:fontRef>
-        </p:style>
-      </p:cxnSp>
-      <p:cxnSp>
-        <p:nvCxnSpPr>
-          <p:cNvPr id="71" name="Connecteur droit avec flèche 70"/>
-          <p:cNvCxnSpPr>
-            <a:stCxn id="3" idx="3"/>
-          </p:cNvCxnSpPr>
-          <p:nvPr/>
-        </p:nvCxnSpPr>
-        <p:spPr>
-          <a:xfrm>
-            <a:off x="3822400" y="2100186"/>
-            <a:ext cx="1595737" cy="1925969"/>
-          </a:xfrm>
-          <a:prstGeom prst="straightConnector1">
-            <a:avLst/>
-          </a:prstGeom>
-          <a:ln>
+            <a:ln>
+              <a:noFill/>
+            </a:ln>
+          </p:spPr>
+          <p:style>
+            <a:lnRef idx="2">
+              <a:schemeClr val="accent1">
+                <a:shade val="50000"/>
+              </a:schemeClr>
+            </a:lnRef>
+            <a:fillRef idx="1">
+              <a:schemeClr val="accent1"/>
+            </a:fillRef>
+            <a:effectRef idx="0">
+              <a:schemeClr val="accent1"/>
+            </a:effectRef>
+            <a:fontRef idx="minor">
+              <a:schemeClr val="lt1"/>
+            </a:fontRef>
+          </p:style>
+          <p:txBody>
+            <a:bodyPr vert="vert270" rtlCol="0" anchor="ctr"/>
+            <a:lstStyle/>
+            <a:p>
+              <a:pPr algn="ctr"/>
+              <a:r>
+                <a:rPr lang="fr-FR" sz="700" dirty="0" err="1" smtClean="0">
+                  <a:solidFill>
+                    <a:schemeClr val="tx1"/>
+                  </a:solidFill>
+                </a:rPr>
+                <a:t>Review</a:t>
+              </a:r>
+              <a:endParaRPr lang="fr-FR" sz="700" dirty="0">
+                <a:solidFill>
+                  <a:schemeClr val="tx1"/>
+                </a:solidFill>
+              </a:endParaRPr>
+            </a:p>
+          </p:txBody>
+        </p:sp>
+        <p:sp>
+          <p:nvSpPr>
+            <p:cNvPr id="23" name="Chevron 22"/>
+            <p:cNvSpPr/>
+            <p:nvPr/>
+          </p:nvSpPr>
+          <p:spPr>
+            <a:xfrm>
+              <a:off x="8467724" y="1473200"/>
+              <a:ext cx="1473200" cy="838200"/>
+            </a:xfrm>
+            <a:prstGeom prst="chevron">
+              <a:avLst/>
+            </a:prstGeom>
             <a:solidFill>
-              <a:srgbClr val="163F9D"/>
+              <a:schemeClr val="bg1">
+                <a:lumMod val="85000"/>
+              </a:schemeClr>
             </a:solidFill>
-            <a:tailEnd type="triangle"/>
-          </a:ln>
-        </p:spPr>
-        <p:style>
-          <a:lnRef idx="1">
-            <a:schemeClr val="accent1"/>
-          </a:lnRef>
-          <a:fillRef idx="0">
-            <a:schemeClr val="accent1"/>
-          </a:fillRef>
-          <a:effectRef idx="0">
-            <a:schemeClr val="accent1"/>
-          </a:effectRef>
-          <a:fontRef idx="minor">
-            <a:schemeClr val="tx1"/>
-          </a:fontRef>
-        </p:style>
-      </p:cxnSp>
-      <p:cxnSp>
-        <p:nvCxnSpPr>
-          <p:cNvPr id="74" name="Connecteur droit avec flèche 73"/>
-          <p:cNvCxnSpPr>
-            <a:stCxn id="3" idx="3"/>
-          </p:cNvCxnSpPr>
-          <p:nvPr/>
-        </p:nvCxnSpPr>
-        <p:spPr>
-          <a:xfrm>
-            <a:off x="3822400" y="2100186"/>
-            <a:ext cx="1595737" cy="2553624"/>
-          </a:xfrm>
-          <a:prstGeom prst="straightConnector1">
-            <a:avLst/>
-          </a:prstGeom>
-          <a:ln>
-            <a:solidFill>
-              <a:srgbClr val="163F9D"/>
-            </a:solidFill>
-            <a:tailEnd type="triangle"/>
-          </a:ln>
-        </p:spPr>
-        <p:style>
-          <a:lnRef idx="1">
-            <a:schemeClr val="accent1"/>
-          </a:lnRef>
-          <a:fillRef idx="0">
-            <a:schemeClr val="accent1"/>
-          </a:fillRef>
-          <a:effectRef idx="0">
-            <a:schemeClr val="accent1"/>
-          </a:effectRef>
-          <a:fontRef idx="minor">
-            <a:schemeClr val="tx1"/>
-          </a:fontRef>
-        </p:style>
-      </p:cxnSp>
-      <p:sp>
-        <p:nvSpPr>
-          <p:cNvPr id="18" name="Bulle rectangulaire 17"/>
-          <p:cNvSpPr/>
-          <p:nvPr/>
-        </p:nvSpPr>
-        <p:spPr>
-          <a:xfrm>
-            <a:off x="2843408" y="2991007"/>
-            <a:ext cx="1433726" cy="627656"/>
-          </a:xfrm>
-          <a:prstGeom prst="wedgeRectCallout">
-            <a:avLst>
-              <a:gd name="adj1" fmla="val 3254"/>
-              <a:gd name="adj2" fmla="val -187018"/>
-            </a:avLst>
-          </a:prstGeom>
-          <a:noFill/>
-          <a:ln>
-            <a:solidFill>
-              <a:srgbClr val="277B00"/>
-            </a:solidFill>
-          </a:ln>
-        </p:spPr>
-        <p:style>
-          <a:lnRef idx="2">
-            <a:schemeClr val="accent1">
-              <a:shade val="50000"/>
-            </a:schemeClr>
-          </a:lnRef>
-          <a:fillRef idx="1">
-            <a:schemeClr val="accent1"/>
-          </a:fillRef>
-          <a:effectRef idx="0">
-            <a:schemeClr val="accent1"/>
-          </a:effectRef>
-          <a:fontRef idx="minor">
-            <a:schemeClr val="lt1"/>
-          </a:fontRef>
-        </p:style>
-        <p:txBody>
-          <a:bodyPr rtlCol="0" anchor="ctr"/>
-          <a:lstStyle/>
-          <a:p>
-            <a:pPr algn="ctr"/>
-            <a:r>
-              <a:rPr lang="fr-FR" b="1" dirty="0" smtClean="0">
-                <a:solidFill>
-                  <a:srgbClr val="FA9905"/>
-                </a:solidFill>
-              </a:rPr>
-              <a:t>Type d’utilisateur </a:t>
-            </a:r>
-          </a:p>
-          <a:p>
-            <a:pPr algn="ctr"/>
-            <a:r>
-              <a:rPr lang="fr-FR" dirty="0" smtClean="0">
-                <a:solidFill>
-                  <a:srgbClr val="FA9905"/>
-                </a:solidFill>
-              </a:rPr>
-              <a:t>Vs </a:t>
-            </a:r>
-            <a:r>
-              <a:rPr lang="fr-FR" b="1" dirty="0" smtClean="0">
-                <a:solidFill>
-                  <a:srgbClr val="FA9905"/>
-                </a:solidFill>
-              </a:rPr>
-              <a:t>Persona</a:t>
-            </a:r>
-            <a:endParaRPr lang="fr-FR" b="1" dirty="0">
-              <a:solidFill>
-                <a:srgbClr val="FA9905"/>
-              </a:solidFill>
-            </a:endParaRPr>
-          </a:p>
-        </p:txBody>
-      </p:sp>
-      <p:sp>
-        <p:nvSpPr>
-          <p:cNvPr id="4" name="Bulle rectangulaire à coins arrondis 3"/>
-          <p:cNvSpPr/>
-          <p:nvPr/>
-        </p:nvSpPr>
-        <p:spPr>
-          <a:xfrm>
-            <a:off x="647587" y="4026154"/>
-            <a:ext cx="4281054" cy="2467354"/>
-          </a:xfrm>
-          <a:prstGeom prst="wedgeRoundRectCallout">
-            <a:avLst>
-              <a:gd name="adj1" fmla="val 61427"/>
-              <a:gd name="adj2" fmla="val -18946"/>
-              <a:gd name="adj3" fmla="val 16667"/>
-            </a:avLst>
-          </a:prstGeom>
-          <a:noFill/>
-          <a:ln>
-            <a:solidFill>
-              <a:srgbClr val="E4234B"/>
-            </a:solidFill>
-          </a:ln>
-        </p:spPr>
-        <p:style>
-          <a:lnRef idx="2">
-            <a:schemeClr val="accent1">
-              <a:shade val="50000"/>
-            </a:schemeClr>
-          </a:lnRef>
-          <a:fillRef idx="1">
-            <a:schemeClr val="accent1"/>
-          </a:fillRef>
-          <a:effectRef idx="0">
-            <a:schemeClr val="accent1"/>
-          </a:effectRef>
-          <a:fontRef idx="minor">
-            <a:schemeClr val="lt1"/>
-          </a:fontRef>
-        </p:style>
-        <p:txBody>
-          <a:bodyPr rtlCol="0" anchor="ctr"/>
-          <a:lstStyle/>
-          <a:p>
-            <a:pPr algn="ctr"/>
-            <a:r>
-              <a:rPr lang="fr-FR" dirty="0" smtClean="0">
-                <a:solidFill>
-                  <a:srgbClr val="012ECA"/>
-                </a:solidFill>
-              </a:rPr>
-              <a:t>Comment créer des tests ? </a:t>
-            </a:r>
-          </a:p>
-          <a:p>
-            <a:pPr algn="ctr"/>
-            <a:endParaRPr lang="fr-FR" dirty="0" smtClean="0">
-              <a:solidFill>
-                <a:srgbClr val="012ECA"/>
-              </a:solidFill>
-            </a:endParaRPr>
-          </a:p>
-          <a:p>
-            <a:pPr marL="342900" indent="-342900">
-              <a:buAutoNum type="arabicParenR"/>
-            </a:pPr>
-            <a:r>
-              <a:rPr lang="fr-FR" dirty="0" smtClean="0">
-                <a:solidFill>
-                  <a:srgbClr val="012ECA"/>
-                </a:solidFill>
-              </a:rPr>
-              <a:t>Test « positif » : cas normal, qui est attendu</a:t>
-            </a:r>
-          </a:p>
-          <a:p>
-            <a:pPr marL="342900" indent="-342900">
-              <a:buAutoNum type="arabicParenR"/>
-            </a:pPr>
-            <a:r>
-              <a:rPr lang="fr-FR" dirty="0" smtClean="0">
-                <a:solidFill>
-                  <a:srgbClr val="012ECA"/>
-                </a:solidFill>
-              </a:rPr>
-              <a:t>Test « extrême » : type de donnée normal, avec des valeurs </a:t>
-            </a:r>
-            <a:r>
-              <a:rPr lang="fr-FR" dirty="0" err="1" smtClean="0">
-                <a:solidFill>
-                  <a:srgbClr val="012ECA"/>
-                </a:solidFill>
-              </a:rPr>
-              <a:t>inatendues</a:t>
-            </a:r>
-            <a:endParaRPr lang="fr-FR" dirty="0" smtClean="0">
-              <a:solidFill>
-                <a:srgbClr val="012ECA"/>
-              </a:solidFill>
-            </a:endParaRPr>
-          </a:p>
-          <a:p>
-            <a:pPr marL="342900" indent="-342900">
-              <a:buAutoNum type="arabicParenR"/>
-            </a:pPr>
-            <a:r>
-              <a:rPr lang="fr-FR" dirty="0" smtClean="0">
-                <a:solidFill>
-                  <a:srgbClr val="012ECA"/>
-                </a:solidFill>
-              </a:rPr>
-              <a:t>Test « négatif » : mauvais type de données</a:t>
-            </a:r>
-          </a:p>
-          <a:p>
-            <a:pPr marL="342900" indent="-342900">
-              <a:buAutoNum type="arabicParenR"/>
-            </a:pPr>
-            <a:r>
-              <a:rPr lang="fr-FR" dirty="0" err="1" smtClean="0">
-                <a:solidFill>
-                  <a:srgbClr val="012ECA"/>
-                </a:solidFill>
-              </a:rPr>
-              <a:t>Cahos</a:t>
-            </a:r>
-            <a:r>
-              <a:rPr lang="fr-FR" dirty="0" smtClean="0">
-                <a:solidFill>
-                  <a:srgbClr val="012ECA"/>
-                </a:solidFill>
-              </a:rPr>
-              <a:t> </a:t>
-            </a:r>
-            <a:r>
-              <a:rPr lang="fr-FR" dirty="0" err="1" smtClean="0">
-                <a:solidFill>
-                  <a:srgbClr val="012ECA"/>
-                </a:solidFill>
-              </a:rPr>
-              <a:t>monkey</a:t>
-            </a:r>
-            <a:r>
-              <a:rPr lang="fr-FR" dirty="0" smtClean="0">
-                <a:solidFill>
-                  <a:srgbClr val="012ECA"/>
-                </a:solidFill>
-              </a:rPr>
-              <a:t> : événement aléatoire</a:t>
-            </a:r>
-          </a:p>
-          <a:p>
-            <a:pPr marL="342900" indent="-342900">
-              <a:buAutoNum type="arabicParenR"/>
-            </a:pPr>
-            <a:endParaRPr lang="fr-FR" dirty="0">
-              <a:solidFill>
-                <a:srgbClr val="012ECA"/>
-              </a:solidFill>
-            </a:endParaRPr>
-          </a:p>
-          <a:p>
-            <a:pPr marL="342900" indent="-342900">
-              <a:buFont typeface="Arial" charset="0"/>
-              <a:buChar char="•"/>
-            </a:pPr>
-            <a:r>
-              <a:rPr lang="fr-FR" dirty="0" smtClean="0">
-                <a:solidFill>
-                  <a:srgbClr val="012ECA"/>
-                </a:solidFill>
-              </a:rPr>
-              <a:t>Pour chaque cas : </a:t>
-            </a:r>
-          </a:p>
-          <a:p>
-            <a:pPr marL="668338" lvl="3" indent="-341313">
-              <a:buFont typeface="Arial" charset="0"/>
-              <a:buChar char="•"/>
-            </a:pPr>
-            <a:r>
-              <a:rPr lang="fr-FR" dirty="0" smtClean="0">
-                <a:solidFill>
-                  <a:srgbClr val="012ECA"/>
-                </a:solidFill>
-              </a:rPr>
-              <a:t>Un exemple</a:t>
-            </a:r>
-          </a:p>
-          <a:p>
-            <a:pPr marL="668338" lvl="2" indent="-341313">
-              <a:buFont typeface="Arial" charset="0"/>
-              <a:buChar char="•"/>
-            </a:pPr>
-            <a:r>
-              <a:rPr lang="fr-FR" dirty="0" smtClean="0">
-                <a:solidFill>
-                  <a:srgbClr val="012ECA"/>
-                </a:solidFill>
-              </a:rPr>
-              <a:t>Un output attendu</a:t>
-            </a:r>
-            <a:endParaRPr lang="fr-FR" dirty="0">
-              <a:solidFill>
-                <a:srgbClr val="012ECA"/>
-              </a:solidFill>
-            </a:endParaRPr>
-          </a:p>
-        </p:txBody>
-      </p:sp>
+            <a:ln>
+              <a:noFill/>
+            </a:ln>
+          </p:spPr>
+          <p:style>
+            <a:lnRef idx="2">
+              <a:schemeClr val="accent1">
+                <a:shade val="50000"/>
+              </a:schemeClr>
+            </a:lnRef>
+            <a:fillRef idx="1">
+              <a:schemeClr val="accent1"/>
+            </a:fillRef>
+            <a:effectRef idx="0">
+              <a:schemeClr val="accent1"/>
+            </a:effectRef>
+            <a:fontRef idx="minor">
+              <a:schemeClr val="lt1"/>
+            </a:fontRef>
+          </p:style>
+          <p:txBody>
+            <a:bodyPr vert="vert270" rtlCol="0" anchor="ctr"/>
+            <a:lstStyle/>
+            <a:p>
+              <a:pPr algn="ctr"/>
+              <a:r>
+                <a:rPr lang="fr-FR" sz="700" dirty="0" smtClean="0">
+                  <a:solidFill>
+                    <a:schemeClr val="tx1"/>
+                  </a:solidFill>
+                </a:rPr>
+                <a:t>Rétrospective</a:t>
+              </a:r>
+              <a:endParaRPr lang="fr-FR" sz="700" dirty="0">
+                <a:solidFill>
+                  <a:schemeClr val="tx1"/>
+                </a:solidFill>
+              </a:endParaRPr>
+            </a:p>
+          </p:txBody>
+        </p:sp>
+      </p:grpSp>
     </p:spTree>
     <p:extLst>
       <p:ext uri="{BB962C8B-B14F-4D97-AF65-F5344CB8AC3E}">
-        <p14:creationId xmlns:p14="http://schemas.microsoft.com/office/powerpoint/2010/main" val="346439835"/>
+        <p14:creationId xmlns:p14="http://schemas.microsoft.com/office/powerpoint/2010/main" val="1425016896"/>
       </p:ext>
     </p:extLst>
   </p:cSld>
@@ -25430,371 +22941,9 @@
   <p:timing>
     <p:tnLst>
       <p:par>
-        <p:cTn id="1" dur="indefinite" restart="never" nodeType="tmRoot">
-          <p:childTnLst>
-            <p:seq concurrent="1" nextAc="seek">
-              <p:cTn id="2" dur="indefinite" nodeType="mainSeq">
-                <p:childTnLst>
-                  <p:par>
-                    <p:cTn id="3" fill="hold">
-                      <p:stCondLst>
-                        <p:cond delay="indefinite"/>
-                      </p:stCondLst>
-                      <p:childTnLst>
-                        <p:par>
-                          <p:cTn id="4" fill="hold">
-                            <p:stCondLst>
-                              <p:cond delay="0"/>
-                            </p:stCondLst>
-                            <p:childTnLst>
-                              <p:par>
-                                <p:cTn id="5" presetID="1" presetClass="entr" presetSubtype="0" fill="hold" nodeType="clickEffect">
-                                  <p:stCondLst>
-                                    <p:cond delay="0"/>
-                                  </p:stCondLst>
-                                  <p:childTnLst>
-                                    <p:set>
-                                      <p:cBhvr>
-                                        <p:cTn id="6" dur="1" fill="hold">
-                                          <p:stCondLst>
-                                            <p:cond delay="0"/>
-                                          </p:stCondLst>
-                                        </p:cTn>
-                                        <p:tgtEl>
-                                          <p:spTgt spid="59">
-                                            <p:txEl>
-                                              <p:pRg st="1" end="1"/>
-                                            </p:txEl>
-                                          </p:spTgt>
-                                        </p:tgtEl>
-                                        <p:attrNameLst>
-                                          <p:attrName>style.visibility</p:attrName>
-                                        </p:attrNameLst>
-                                      </p:cBhvr>
-                                      <p:to>
-                                        <p:strVal val="visible"/>
-                                      </p:to>
-                                    </p:set>
-                                  </p:childTnLst>
-                                </p:cTn>
-                              </p:par>
-                            </p:childTnLst>
-                          </p:cTn>
-                        </p:par>
-                      </p:childTnLst>
-                    </p:cTn>
-                  </p:par>
-                  <p:par>
-                    <p:cTn id="7" fill="hold">
-                      <p:stCondLst>
-                        <p:cond delay="indefinite"/>
-                      </p:stCondLst>
-                      <p:childTnLst>
-                        <p:par>
-                          <p:cTn id="8" fill="hold">
-                            <p:stCondLst>
-                              <p:cond delay="0"/>
-                            </p:stCondLst>
-                            <p:childTnLst>
-                              <p:par>
-                                <p:cTn id="9" presetID="1" presetClass="entr" presetSubtype="0" fill="hold" nodeType="clickEffect">
-                                  <p:stCondLst>
-                                    <p:cond delay="0"/>
-                                  </p:stCondLst>
-                                  <p:childTnLst>
-                                    <p:set>
-                                      <p:cBhvr>
-                                        <p:cTn id="10" dur="1" fill="hold">
-                                          <p:stCondLst>
-                                            <p:cond delay="0"/>
-                                          </p:stCondLst>
-                                        </p:cTn>
-                                        <p:tgtEl>
-                                          <p:spTgt spid="60">
-                                            <p:txEl>
-                                              <p:pRg st="1" end="1"/>
-                                            </p:txEl>
-                                          </p:spTgt>
-                                        </p:tgtEl>
-                                        <p:attrNameLst>
-                                          <p:attrName>style.visibility</p:attrName>
-                                        </p:attrNameLst>
-                                      </p:cBhvr>
-                                      <p:to>
-                                        <p:strVal val="visible"/>
-                                      </p:to>
-                                    </p:set>
-                                  </p:childTnLst>
-                                </p:cTn>
-                              </p:par>
-                            </p:childTnLst>
-                          </p:cTn>
-                        </p:par>
-                      </p:childTnLst>
-                    </p:cTn>
-                  </p:par>
-                  <p:par>
-                    <p:cTn id="11" fill="hold">
-                      <p:stCondLst>
-                        <p:cond delay="indefinite"/>
-                      </p:stCondLst>
-                      <p:childTnLst>
-                        <p:par>
-                          <p:cTn id="12" fill="hold">
-                            <p:stCondLst>
-                              <p:cond delay="0"/>
-                            </p:stCondLst>
-                            <p:childTnLst>
-                              <p:par>
-                                <p:cTn id="13" presetID="1" presetClass="entr" presetSubtype="0" fill="hold" nodeType="clickEffect">
-                                  <p:stCondLst>
-                                    <p:cond delay="0"/>
-                                  </p:stCondLst>
-                                  <p:childTnLst>
-                                    <p:set>
-                                      <p:cBhvr>
-                                        <p:cTn id="14" dur="1" fill="hold">
-                                          <p:stCondLst>
-                                            <p:cond delay="0"/>
-                                          </p:stCondLst>
-                                        </p:cTn>
-                                        <p:tgtEl>
-                                          <p:spTgt spid="64">
-                                            <p:txEl>
-                                              <p:pRg st="1" end="1"/>
-                                            </p:txEl>
-                                          </p:spTgt>
-                                        </p:tgtEl>
-                                        <p:attrNameLst>
-                                          <p:attrName>style.visibility</p:attrName>
-                                        </p:attrNameLst>
-                                      </p:cBhvr>
-                                      <p:to>
-                                        <p:strVal val="visible"/>
-                                      </p:to>
-                                    </p:set>
-                                  </p:childTnLst>
-                                </p:cTn>
-                              </p:par>
-                            </p:childTnLst>
-                          </p:cTn>
-                        </p:par>
-                      </p:childTnLst>
-                    </p:cTn>
-                  </p:par>
-                  <p:par>
-                    <p:cTn id="15" fill="hold">
-                      <p:stCondLst>
-                        <p:cond delay="indefinite"/>
-                      </p:stCondLst>
-                      <p:childTnLst>
-                        <p:par>
-                          <p:cTn id="16" fill="hold">
-                            <p:stCondLst>
-                              <p:cond delay="0"/>
-                            </p:stCondLst>
-                            <p:childTnLst>
-                              <p:par>
-                                <p:cTn id="17" presetID="1" presetClass="entr" presetSubtype="0" fill="hold" nodeType="clickEffect">
-                                  <p:stCondLst>
-                                    <p:cond delay="0"/>
-                                  </p:stCondLst>
-                                  <p:childTnLst>
-                                    <p:set>
-                                      <p:cBhvr>
-                                        <p:cTn id="18" dur="1" fill="hold">
-                                          <p:stCondLst>
-                                            <p:cond delay="0"/>
-                                          </p:stCondLst>
-                                        </p:cTn>
-                                        <p:tgtEl>
-                                          <p:spTgt spid="61">
-                                            <p:txEl>
-                                              <p:pRg st="1" end="1"/>
-                                            </p:txEl>
-                                          </p:spTgt>
-                                        </p:tgtEl>
-                                        <p:attrNameLst>
-                                          <p:attrName>style.visibility</p:attrName>
-                                        </p:attrNameLst>
-                                      </p:cBhvr>
-                                      <p:to>
-                                        <p:strVal val="visible"/>
-                                      </p:to>
-                                    </p:set>
-                                  </p:childTnLst>
-                                </p:cTn>
-                              </p:par>
-                            </p:childTnLst>
-                          </p:cTn>
-                        </p:par>
-                      </p:childTnLst>
-                    </p:cTn>
-                  </p:par>
-                  <p:par>
-                    <p:cTn id="19" fill="hold">
-                      <p:stCondLst>
-                        <p:cond delay="indefinite"/>
-                      </p:stCondLst>
-                      <p:childTnLst>
-                        <p:par>
-                          <p:cTn id="20" fill="hold">
-                            <p:stCondLst>
-                              <p:cond delay="0"/>
-                            </p:stCondLst>
-                            <p:childTnLst>
-                              <p:par>
-                                <p:cTn id="21" presetID="1" presetClass="entr" presetSubtype="0" fill="hold" nodeType="clickEffect">
-                                  <p:stCondLst>
-                                    <p:cond delay="0"/>
-                                  </p:stCondLst>
-                                  <p:childTnLst>
-                                    <p:set>
-                                      <p:cBhvr>
-                                        <p:cTn id="22" dur="1" fill="hold">
-                                          <p:stCondLst>
-                                            <p:cond delay="0"/>
-                                          </p:stCondLst>
-                                        </p:cTn>
-                                        <p:tgtEl>
-                                          <p:spTgt spid="62">
-                                            <p:txEl>
-                                              <p:pRg st="1" end="1"/>
-                                            </p:txEl>
-                                          </p:spTgt>
-                                        </p:tgtEl>
-                                        <p:attrNameLst>
-                                          <p:attrName>style.visibility</p:attrName>
-                                        </p:attrNameLst>
-                                      </p:cBhvr>
-                                      <p:to>
-                                        <p:strVal val="visible"/>
-                                      </p:to>
-                                    </p:set>
-                                  </p:childTnLst>
-                                </p:cTn>
-                              </p:par>
-                            </p:childTnLst>
-                          </p:cTn>
-                        </p:par>
-                      </p:childTnLst>
-                    </p:cTn>
-                  </p:par>
-                  <p:par>
-                    <p:cTn id="23" fill="hold">
-                      <p:stCondLst>
-                        <p:cond delay="indefinite"/>
-                      </p:stCondLst>
-                      <p:childTnLst>
-                        <p:par>
-                          <p:cTn id="24" fill="hold">
-                            <p:stCondLst>
-                              <p:cond delay="0"/>
-                            </p:stCondLst>
-                            <p:childTnLst>
-                              <p:par>
-                                <p:cTn id="25" presetID="1" presetClass="entr" presetSubtype="0" fill="hold" grpId="0" nodeType="clickEffect">
-                                  <p:stCondLst>
-                                    <p:cond delay="0"/>
-                                  </p:stCondLst>
-                                  <p:childTnLst>
-                                    <p:set>
-                                      <p:cBhvr>
-                                        <p:cTn id="26" dur="1" fill="hold">
-                                          <p:stCondLst>
-                                            <p:cond delay="0"/>
-                                          </p:stCondLst>
-                                        </p:cTn>
-                                        <p:tgtEl>
-                                          <p:spTgt spid="18"/>
-                                        </p:tgtEl>
-                                        <p:attrNameLst>
-                                          <p:attrName>style.visibility</p:attrName>
-                                        </p:attrNameLst>
-                                      </p:cBhvr>
-                                      <p:to>
-                                        <p:strVal val="visible"/>
-                                      </p:to>
-                                    </p:set>
-                                  </p:childTnLst>
-                                </p:cTn>
-                              </p:par>
-                            </p:childTnLst>
-                          </p:cTn>
-                        </p:par>
-                      </p:childTnLst>
-                    </p:cTn>
-                  </p:par>
-                  <p:par>
-                    <p:cTn id="27" fill="hold">
-                      <p:stCondLst>
-                        <p:cond delay="indefinite"/>
-                      </p:stCondLst>
-                      <p:childTnLst>
-                        <p:par>
-                          <p:cTn id="28" fill="hold">
-                            <p:stCondLst>
-                              <p:cond delay="0"/>
-                            </p:stCondLst>
-                            <p:childTnLst>
-                              <p:par>
-                                <p:cTn id="29" presetID="1" presetClass="entr" presetSubtype="0" fill="hold" grpId="0" nodeType="clickEffect">
-                                  <p:stCondLst>
-                                    <p:cond delay="0"/>
-                                  </p:stCondLst>
-                                  <p:childTnLst>
-                                    <p:set>
-                                      <p:cBhvr>
-                                        <p:cTn id="30" dur="1" fill="hold">
-                                          <p:stCondLst>
-                                            <p:cond delay="0"/>
-                                          </p:stCondLst>
-                                        </p:cTn>
-                                        <p:tgtEl>
-                                          <p:spTgt spid="4"/>
-                                        </p:tgtEl>
-                                        <p:attrNameLst>
-                                          <p:attrName>style.visibility</p:attrName>
-                                        </p:attrNameLst>
-                                      </p:cBhvr>
-                                      <p:to>
-                                        <p:strVal val="visible"/>
-                                      </p:to>
-                                    </p:set>
-                                  </p:childTnLst>
-                                </p:cTn>
-                              </p:par>
-                            </p:childTnLst>
-                          </p:cTn>
-                        </p:par>
-                      </p:childTnLst>
-                    </p:cTn>
-                  </p:par>
-                </p:childTnLst>
-              </p:cTn>
-              <p:prevCondLst>
-                <p:cond evt="onPrev" delay="0">
-                  <p:tgtEl>
-                    <p:sldTgt/>
-                  </p:tgtEl>
-                </p:cond>
-              </p:prevCondLst>
-              <p:nextCondLst>
-                <p:cond evt="onNext" delay="0">
-                  <p:tgtEl>
-                    <p:sldTgt/>
-                  </p:tgtEl>
-                </p:cond>
-              </p:nextCondLst>
-            </p:seq>
-          </p:childTnLst>
-        </p:cTn>
+        <p:cTn id="1" dur="indefinite" restart="never" nodeType="tmRoot"/>
       </p:par>
     </p:tnLst>
-    <p:bldLst>
-      <p:bldP spid="18" grpId="0" animBg="1"/>
-      <p:bldP spid="4" grpId="0" animBg="1"/>
-    </p:bldLst>
   </p:timing>
 </p:sld>
 </file>
@@ -25832,16 +22981,16 @@
           <a:lstStyle/>
           <a:p>
             <a:r>
-              <a:rPr lang="fr-FR" dirty="0"/>
-              <a:t>Exercice : créer une épopée, et </a:t>
+              <a:rPr lang="fr-FR" smtClean="0"/>
+              <a:t>Activités 1 : </a:t>
+            </a:r>
+            <a:r>
+              <a:rPr lang="fr-FR" dirty="0" err="1" smtClean="0"/>
+              <a:t>Grooming</a:t>
             </a:r>
             <a:r>
               <a:rPr lang="fr-FR" dirty="0" smtClean="0"/>
-              <a:t>deux </a:t>
-            </a:r>
-            <a:r>
-              <a:rPr lang="fr-FR" dirty="0"/>
-              <a:t>user story</a:t>
+              <a:t> (1/2)</a:t>
             </a:r>
             <a:endParaRPr lang="fr-FR" dirty="0"/>
           </a:p>
@@ -25855,18 +23004,21 @@
         </p:nvSpPr>
         <p:spPr>
           <a:xfrm>
-            <a:off x="986367" y="1407688"/>
-            <a:ext cx="2836033" cy="1384995"/>
+            <a:off x="508957" y="941093"/>
+            <a:ext cx="5074518" cy="2573642"/>
           </a:xfrm>
           <a:prstGeom prst="roundRect">
             <a:avLst/>
           </a:prstGeom>
-          <a:solidFill>
-            <a:srgbClr val="153F9F"/>
-          </a:solidFill>
+          <a:noFill/>
+          <a:ln>
+            <a:solidFill>
+              <a:schemeClr val="tx1"/>
+            </a:solidFill>
+          </a:ln>
         </p:spPr>
         <p:txBody>
-          <a:bodyPr wrap="none" rtlCol="0">
+          <a:bodyPr wrap="square" rtlCol="0">
             <a:noAutofit/>
           </a:bodyPr>
           <a:lstStyle/>
@@ -25875,7 +23027,7 @@
             <a:r>
               <a:rPr lang="fr-FR" b="1" dirty="0" smtClean="0">
                 <a:solidFill>
-                  <a:srgbClr val="FA9905"/>
+                  <a:schemeClr val="tx1"/>
                 </a:solidFill>
               </a:rPr>
               <a:t>User Story</a:t>
@@ -25886,40 +23038,63 @@
             <a:r>
               <a:rPr lang="fr-FR" b="1" dirty="0" smtClean="0">
                 <a:solidFill>
-                  <a:srgbClr val="FA9905"/>
+                  <a:schemeClr val="tx1"/>
                 </a:solidFill>
               </a:rPr>
-              <a:t>Titre</a:t>
-            </a:r>
-          </a:p>
-          <a:p>
-            <a:r>
-              <a:rPr lang="fr-FR" b="1" dirty="0" smtClean="0">
-                <a:solidFill>
-                  <a:schemeClr val="bg1"/>
-                </a:solidFill>
-              </a:rPr>
-              <a:t>« En tant </a:t>
-            </a:r>
-            <a:r>
-              <a:rPr lang="fr-FR" b="1" dirty="0" smtClean="0">
-                <a:solidFill>
-                  <a:schemeClr val="bg1"/>
-                </a:solidFill>
-              </a:rPr>
-              <a:t>que</a:t>
+              <a:t>Titre : </a:t>
             </a:r>
             <a:endParaRPr lang="fr-FR" b="1" dirty="0" smtClean="0">
               <a:solidFill>
-                <a:srgbClr val="FA9905"/>
+                <a:schemeClr val="tx1"/>
               </a:solidFill>
             </a:endParaRPr>
           </a:p>
           <a:p>
             <a:r>
+              <a:rPr lang="fr-FR" b="1" dirty="0" smtClean="0">
+                <a:solidFill>
+                  <a:schemeClr val="tx1"/>
+                </a:solidFill>
+              </a:rPr>
+              <a:t>« En tant que </a:t>
+            </a:r>
+            <a:r>
+              <a:rPr lang="fr-FR" b="1" dirty="0" smtClean="0">
+                <a:solidFill>
+                  <a:schemeClr val="tx1"/>
+                </a:solidFill>
+              </a:rPr>
+              <a:t>(type </a:t>
+            </a:r>
+            <a:r>
+              <a:rPr lang="fr-FR" b="1" dirty="0" smtClean="0">
+                <a:solidFill>
+                  <a:schemeClr val="tx1"/>
+                </a:solidFill>
+              </a:rPr>
+              <a:t>d’utilisateur </a:t>
+            </a:r>
+            <a:r>
+              <a:rPr lang="fr-FR" b="1" dirty="0" smtClean="0">
+                <a:solidFill>
+                  <a:schemeClr val="tx1"/>
+                </a:solidFill>
+              </a:rPr>
+              <a:t>) :</a:t>
+            </a:r>
+          </a:p>
+          <a:p>
+            <a:endParaRPr lang="fr-FR" b="1" dirty="0" smtClean="0">
+              <a:solidFill>
+                <a:schemeClr val="tx1"/>
+              </a:solidFill>
+            </a:endParaRPr>
+          </a:p>
+          <a:p>
+            <a:r>
               <a:rPr lang="fr-FR" b="1" dirty="0">
                 <a:solidFill>
-                  <a:schemeClr val="bg1"/>
+                  <a:schemeClr val="tx1"/>
                 </a:solidFill>
               </a:rPr>
               <a:t>j</a:t>
@@ -25927,22 +23102,40 @@
             <a:r>
               <a:rPr lang="fr-FR" b="1" dirty="0" smtClean="0">
                 <a:solidFill>
-                  <a:schemeClr val="bg1"/>
+                  <a:schemeClr val="tx1"/>
                 </a:solidFill>
               </a:rPr>
-              <a:t>e </a:t>
+              <a:t>e veux </a:t>
             </a:r>
             <a:r>
               <a:rPr lang="fr-FR" b="1" dirty="0" smtClean="0">
                 <a:solidFill>
-                  <a:schemeClr val="bg1"/>
+                  <a:schemeClr val="tx1"/>
                 </a:solidFill>
               </a:rPr>
-              <a:t>veux</a:t>
-            </a:r>
+              <a:t>(faire </a:t>
+            </a:r>
+            <a:r>
+              <a:rPr lang="fr-FR" b="1" dirty="0" err="1" smtClean="0">
+                <a:solidFill>
+                  <a:schemeClr val="tx1"/>
+                </a:solidFill>
+              </a:rPr>
+              <a:t>quelquechose</a:t>
+            </a:r>
+            <a:r>
+              <a:rPr lang="fr-FR" b="1" dirty="0" smtClean="0">
+                <a:solidFill>
+                  <a:schemeClr val="tx1"/>
+                </a:solidFill>
+              </a:rPr>
+              <a:t>) : </a:t>
+            </a:r>
+          </a:p>
+          <a:p>
             <a:endParaRPr lang="fr-FR" b="1" dirty="0" smtClean="0">
               <a:solidFill>
-                <a:srgbClr val="FA9905"/>
+                <a:schemeClr val="tx1"/>
               </a:solidFill>
             </a:endParaRPr>
           </a:p>
@@ -25950,1006 +23143,966 @@
             <a:r>
               <a:rPr lang="fr-FR" b="1" dirty="0" smtClean="0">
                 <a:solidFill>
-                  <a:schemeClr val="bg1"/>
+                  <a:schemeClr val="tx1"/>
                 </a:solidFill>
               </a:rPr>
-              <a:t>afin de</a:t>
-            </a:r>
-            <a:r>
-              <a:rPr lang="fr-FR" b="1" dirty="0" smtClean="0"/>
-              <a:t> </a:t>
-            </a:r>
-            <a:endParaRPr lang="fr-FR" b="1" dirty="0" smtClean="0"/>
-          </a:p>
-          <a:p>
-            <a:r>
-              <a:rPr lang="fr-FR" b="1" dirty="0" smtClean="0"/>
-              <a:t> </a:t>
+              <a:t>afin de </a:t>
             </a:r>
             <a:r>
               <a:rPr lang="fr-FR" b="1" dirty="0" smtClean="0">
                 <a:solidFill>
-                  <a:schemeClr val="bg1"/>
+                  <a:schemeClr val="tx1"/>
                 </a:solidFill>
               </a:rPr>
-              <a:t>»</a:t>
-            </a:r>
-          </a:p>
-          <a:p>
-            <a:endParaRPr lang="fr-FR" dirty="0">
+              <a:t>(bénéfice</a:t>
+            </a:r>
+            <a:r>
+              <a:rPr lang="fr-FR" b="1" dirty="0" smtClean="0">
+                <a:solidFill>
+                  <a:schemeClr val="tx1"/>
+                </a:solidFill>
+              </a:rPr>
+              <a:t>) : </a:t>
+            </a:r>
+            <a:endParaRPr lang="fr-FR" b="1" dirty="0" smtClean="0">
               <a:solidFill>
-                <a:schemeClr val="bg1"/>
+                <a:schemeClr val="tx1"/>
               </a:solidFill>
             </a:endParaRPr>
           </a:p>
+          <a:p>
+            <a:endParaRPr lang="fr-FR" dirty="0" smtClean="0">
+              <a:solidFill>
+                <a:schemeClr val="tx1"/>
+              </a:solidFill>
+            </a:endParaRPr>
+          </a:p>
+          <a:p>
+            <a:endParaRPr lang="fr-FR" dirty="0" smtClean="0">
+              <a:solidFill>
+                <a:schemeClr val="tx1"/>
+              </a:solidFill>
+            </a:endParaRPr>
+          </a:p>
+          <a:p>
+            <a:endParaRPr lang="fr-FR" b="1" dirty="0" smtClean="0">
+              <a:solidFill>
+                <a:schemeClr val="tx1"/>
+              </a:solidFill>
+            </a:endParaRPr>
+          </a:p>
+          <a:p>
+            <a:r>
+              <a:rPr lang="fr-FR" b="1" dirty="0" smtClean="0">
+                <a:solidFill>
+                  <a:schemeClr val="tx1"/>
+                </a:solidFill>
+              </a:rPr>
+              <a:t>Estimation de charge : </a:t>
+            </a:r>
+            <a:endParaRPr lang="fr-FR" b="1" dirty="0">
+              <a:solidFill>
+                <a:schemeClr val="tx1"/>
+              </a:solidFill>
+            </a:endParaRPr>
+          </a:p>
         </p:txBody>
       </p:sp>
-      <p:cxnSp>
-        <p:nvCxnSpPr>
-          <p:cNvPr id="5" name="Connecteur droit avec flèche 4"/>
-          <p:cNvCxnSpPr>
-            <a:stCxn id="3" idx="3"/>
-          </p:cNvCxnSpPr>
-          <p:nvPr/>
-        </p:nvCxnSpPr>
-        <p:spPr>
-          <a:xfrm>
-            <a:off x="3822400" y="2100186"/>
-            <a:ext cx="1595738" cy="43001"/>
-          </a:xfrm>
-          <a:prstGeom prst="straightConnector1">
-            <a:avLst/>
-          </a:prstGeom>
-          <a:ln>
-            <a:solidFill>
-              <a:srgbClr val="163F9D"/>
-            </a:solidFill>
-            <a:tailEnd type="triangle"/>
-          </a:ln>
-        </p:spPr>
-        <p:style>
-          <a:lnRef idx="1">
-            <a:schemeClr val="accent1"/>
-          </a:lnRef>
-          <a:fillRef idx="0">
-            <a:schemeClr val="accent1"/>
-          </a:fillRef>
-          <a:effectRef idx="0">
-            <a:schemeClr val="accent1"/>
-          </a:effectRef>
-          <a:fontRef idx="minor">
-            <a:schemeClr val="tx1"/>
-          </a:fontRef>
-        </p:style>
-      </p:cxnSp>
-      <p:cxnSp>
-        <p:nvCxnSpPr>
-          <p:cNvPr id="12" name="Connecteur droit avec flèche 11"/>
-          <p:cNvCxnSpPr>
-            <a:stCxn id="3" idx="3"/>
-          </p:cNvCxnSpPr>
-          <p:nvPr/>
-        </p:nvCxnSpPr>
-        <p:spPr>
-          <a:xfrm flipV="1">
-            <a:off x="3822400" y="1515531"/>
-            <a:ext cx="1595738" cy="584655"/>
-          </a:xfrm>
-          <a:prstGeom prst="straightConnector1">
-            <a:avLst/>
-          </a:prstGeom>
-          <a:ln>
-            <a:solidFill>
-              <a:srgbClr val="163F9D"/>
-            </a:solidFill>
-            <a:tailEnd type="triangle"/>
-          </a:ln>
-        </p:spPr>
-        <p:style>
-          <a:lnRef idx="1">
-            <a:schemeClr val="accent1"/>
-          </a:lnRef>
-          <a:fillRef idx="0">
-            <a:schemeClr val="accent1"/>
-          </a:fillRef>
-          <a:effectRef idx="0">
-            <a:schemeClr val="accent1"/>
-          </a:effectRef>
-          <a:fontRef idx="minor">
-            <a:schemeClr val="tx1"/>
-          </a:fontRef>
-        </p:style>
-      </p:cxnSp>
       <p:sp>
         <p:nvSpPr>
-          <p:cNvPr id="56" name="ZoneTexte 55"/>
+          <p:cNvPr id="25" name="ZoneTexte 24"/>
           <p:cNvSpPr txBox="1"/>
           <p:nvPr/>
         </p:nvSpPr>
         <p:spPr>
           <a:xfrm>
-            <a:off x="5418138" y="1252366"/>
-            <a:ext cx="4335462" cy="526329"/>
+            <a:off x="508957" y="3685309"/>
+            <a:ext cx="9563298" cy="2909459"/>
           </a:xfrm>
           <a:prstGeom prst="roundRect">
             <a:avLst/>
           </a:prstGeom>
-          <a:solidFill>
-            <a:srgbClr val="153F9F"/>
-          </a:solidFill>
+          <a:noFill/>
+          <a:ln>
+            <a:solidFill>
+              <a:schemeClr val="tx1"/>
+            </a:solidFill>
+          </a:ln>
         </p:spPr>
         <p:txBody>
-          <a:bodyPr wrap="none" rtlCol="0">
+          <a:bodyPr wrap="square" rtlCol="0">
             <a:noAutofit/>
           </a:bodyPr>
           <a:lstStyle/>
           <a:p>
+            <a:pPr algn="ctr"/>
             <a:r>
               <a:rPr lang="fr-FR" b="1" dirty="0" smtClean="0">
                 <a:solidFill>
-                  <a:srgbClr val="FA9905"/>
+                  <a:schemeClr val="tx1"/>
                 </a:solidFill>
               </a:rPr>
-              <a:t>I</a:t>
+              <a:t>Conditions </a:t>
             </a:r>
             <a:r>
               <a:rPr lang="fr-FR" b="1" dirty="0" smtClean="0">
                 <a:solidFill>
-                  <a:schemeClr val="bg1"/>
+                  <a:schemeClr val="tx1"/>
                 </a:solidFill>
               </a:rPr>
-              <a:t>ndependent</a:t>
-            </a:r>
+              <a:t>d’acceptation</a:t>
+            </a:r>
+          </a:p>
+          <a:p>
+            <a:pPr algn="ctr"/>
+            <a:r>
+              <a:rPr lang="fr-FR" dirty="0" smtClean="0">
+                <a:solidFill>
+                  <a:srgbClr val="012ECA"/>
+                </a:solidFill>
+              </a:rPr>
+              <a:t>Un exemple  + Un </a:t>
+            </a:r>
+            <a:r>
+              <a:rPr lang="fr-FR" dirty="0">
+                <a:solidFill>
+                  <a:srgbClr val="012ECA"/>
+                </a:solidFill>
+              </a:rPr>
+              <a:t>output </a:t>
+            </a:r>
+            <a:r>
+              <a:rPr lang="fr-FR" dirty="0" smtClean="0">
+                <a:solidFill>
+                  <a:srgbClr val="012ECA"/>
+                </a:solidFill>
+              </a:rPr>
+              <a:t>attendu</a:t>
+            </a:r>
+          </a:p>
+          <a:p>
+            <a:pPr lvl="2"/>
+            <a:r>
+              <a:rPr lang="fr-FR" dirty="0" smtClean="0">
+                <a:solidFill>
+                  <a:srgbClr val="012ECA"/>
+                </a:solidFill>
+              </a:rPr>
+              <a:t>	(1) Test </a:t>
+            </a:r>
+            <a:r>
+              <a:rPr lang="fr-FR" dirty="0">
+                <a:solidFill>
+                  <a:srgbClr val="012ECA"/>
+                </a:solidFill>
+              </a:rPr>
+              <a:t>« positif » </a:t>
+            </a:r>
+            <a:r>
+              <a:rPr lang="fr-FR" dirty="0" smtClean="0">
+                <a:solidFill>
+                  <a:srgbClr val="012ECA"/>
+                </a:solidFill>
+              </a:rPr>
+              <a:t> (2) Test </a:t>
+            </a:r>
+            <a:r>
+              <a:rPr lang="fr-FR" dirty="0">
+                <a:solidFill>
+                  <a:srgbClr val="012ECA"/>
+                </a:solidFill>
+              </a:rPr>
+              <a:t>« extrême » </a:t>
+            </a:r>
+            <a:r>
+              <a:rPr lang="fr-FR" dirty="0" smtClean="0">
+                <a:solidFill>
+                  <a:srgbClr val="012ECA"/>
+                </a:solidFill>
+              </a:rPr>
+              <a:t>: (3) Test </a:t>
+            </a:r>
+            <a:r>
+              <a:rPr lang="fr-FR" dirty="0">
+                <a:solidFill>
+                  <a:srgbClr val="012ECA"/>
+                </a:solidFill>
+              </a:rPr>
+              <a:t>« négatif » :  </a:t>
+            </a:r>
+            <a:r>
+              <a:rPr lang="fr-FR" dirty="0" smtClean="0">
+                <a:solidFill>
+                  <a:srgbClr val="012ECA"/>
+                </a:solidFill>
+              </a:rPr>
+              <a:t>(4) </a:t>
+            </a:r>
+            <a:r>
+              <a:rPr lang="fr-FR" dirty="0" err="1" smtClean="0">
+                <a:solidFill>
+                  <a:srgbClr val="012ECA"/>
+                </a:solidFill>
+              </a:rPr>
+              <a:t>Cahos</a:t>
+            </a:r>
+            <a:r>
+              <a:rPr lang="fr-FR" dirty="0" smtClean="0">
+                <a:solidFill>
+                  <a:srgbClr val="012ECA"/>
+                </a:solidFill>
+              </a:rPr>
+              <a:t> </a:t>
+            </a:r>
+            <a:r>
+              <a:rPr lang="fr-FR" dirty="0" err="1" smtClean="0">
+                <a:solidFill>
+                  <a:srgbClr val="012ECA"/>
+                </a:solidFill>
+              </a:rPr>
+              <a:t>monkey</a:t>
+            </a:r>
+            <a:r>
+              <a:rPr lang="fr-FR" dirty="0" smtClean="0">
+                <a:solidFill>
+                  <a:srgbClr val="012ECA"/>
+                </a:solidFill>
+              </a:rPr>
+              <a:t> (5) autre</a:t>
+            </a:r>
+          </a:p>
+          <a:p>
+            <a:pPr lvl="2"/>
+            <a:r>
+              <a:rPr lang="fr-FR" dirty="0" smtClean="0">
+                <a:solidFill>
+                  <a:srgbClr val="012ECA"/>
+                </a:solidFill>
+              </a:rPr>
+              <a:t>Input</a:t>
+            </a:r>
+          </a:p>
+          <a:p>
+            <a:pPr lvl="2"/>
+            <a:endParaRPr lang="fr-FR" dirty="0">
+              <a:solidFill>
+                <a:srgbClr val="012ECA"/>
+              </a:solidFill>
+            </a:endParaRPr>
+          </a:p>
+          <a:p>
+            <a:pPr lvl="2"/>
+            <a:endParaRPr lang="fr-FR" dirty="0" smtClean="0">
+              <a:solidFill>
+                <a:srgbClr val="012ECA"/>
+              </a:solidFill>
+            </a:endParaRPr>
+          </a:p>
+          <a:p>
+            <a:pPr lvl="2"/>
+            <a:endParaRPr lang="fr-FR" dirty="0" smtClean="0">
+              <a:solidFill>
+                <a:srgbClr val="012ECA"/>
+              </a:solidFill>
+            </a:endParaRPr>
+          </a:p>
+          <a:p>
+            <a:pPr lvl="2"/>
+            <a:r>
+              <a:rPr lang="fr-FR" dirty="0" smtClean="0">
+                <a:solidFill>
+                  <a:srgbClr val="012ECA"/>
+                </a:solidFill>
+              </a:rPr>
+              <a:t>Output attendu</a:t>
+            </a:r>
+            <a:endParaRPr lang="fr-FR" dirty="0">
+              <a:solidFill>
+                <a:srgbClr val="012ECA"/>
+              </a:solidFill>
+            </a:endParaRPr>
+          </a:p>
+          <a:p>
+            <a:endParaRPr lang="fr-FR" b="1" dirty="0" smtClean="0">
+              <a:solidFill>
+                <a:schemeClr val="tx1"/>
+              </a:solidFill>
+            </a:endParaRPr>
+          </a:p>
+          <a:p>
+            <a:endParaRPr lang="fr-FR" dirty="0">
+              <a:solidFill>
+                <a:schemeClr val="tx1"/>
+              </a:solidFill>
+            </a:endParaRPr>
           </a:p>
         </p:txBody>
       </p:sp>
+      <p:grpSp>
+        <p:nvGrpSpPr>
+          <p:cNvPr id="18" name="Grouper 17"/>
+          <p:cNvGrpSpPr/>
+          <p:nvPr/>
+        </p:nvGrpSpPr>
+        <p:grpSpPr>
+          <a:xfrm>
+            <a:off x="5583475" y="164513"/>
+            <a:ext cx="3463728" cy="359496"/>
+            <a:chOff x="1054100" y="1473200"/>
+            <a:chExt cx="8886824" cy="838200"/>
+          </a:xfrm>
+        </p:grpSpPr>
+        <p:sp>
+          <p:nvSpPr>
+            <p:cNvPr id="19" name="Signalisation droite 18"/>
+            <p:cNvSpPr/>
+            <p:nvPr/>
+          </p:nvSpPr>
+          <p:spPr>
+            <a:xfrm>
+              <a:off x="1054100" y="1473200"/>
+              <a:ext cx="1739900" cy="838200"/>
+            </a:xfrm>
+            <a:prstGeom prst="homePlate">
+              <a:avLst/>
+            </a:prstGeom>
+            <a:solidFill>
+              <a:srgbClr val="153F9F"/>
+            </a:solidFill>
+            <a:ln>
+              <a:noFill/>
+            </a:ln>
+          </p:spPr>
+          <p:style>
+            <a:lnRef idx="2">
+              <a:schemeClr val="accent1">
+                <a:shade val="50000"/>
+              </a:schemeClr>
+            </a:lnRef>
+            <a:fillRef idx="1">
+              <a:schemeClr val="accent1"/>
+            </a:fillRef>
+            <a:effectRef idx="0">
+              <a:schemeClr val="accent1"/>
+            </a:effectRef>
+            <a:fontRef idx="minor">
+              <a:schemeClr val="lt1"/>
+            </a:fontRef>
+          </p:style>
+          <p:txBody>
+            <a:bodyPr rtlCol="0" anchor="ctr"/>
+            <a:lstStyle/>
+            <a:p>
+              <a:pPr algn="ctr"/>
+              <a:r>
+                <a:rPr lang="fr-FR" sz="700" dirty="0" err="1" smtClean="0">
+                  <a:solidFill>
+                    <a:srgbClr val="FA9905"/>
+                  </a:solidFill>
+                </a:rPr>
+                <a:t>Grooming</a:t>
+              </a:r>
+              <a:endParaRPr lang="fr-FR" sz="700" dirty="0">
+                <a:solidFill>
+                  <a:srgbClr val="FA9905"/>
+                </a:solidFill>
+              </a:endParaRPr>
+            </a:p>
+          </p:txBody>
+        </p:sp>
+        <p:sp>
+          <p:nvSpPr>
+            <p:cNvPr id="20" name="Chevron 19"/>
+            <p:cNvSpPr/>
+            <p:nvPr/>
+          </p:nvSpPr>
+          <p:spPr>
+            <a:xfrm>
+              <a:off x="2474912" y="1473200"/>
+              <a:ext cx="1473200" cy="838200"/>
+            </a:xfrm>
+            <a:prstGeom prst="chevron">
+              <a:avLst/>
+            </a:prstGeom>
+            <a:solidFill>
+              <a:srgbClr val="FA9905"/>
+            </a:solidFill>
+            <a:ln>
+              <a:noFill/>
+            </a:ln>
+          </p:spPr>
+          <p:style>
+            <a:lnRef idx="2">
+              <a:schemeClr val="accent1">
+                <a:shade val="50000"/>
+              </a:schemeClr>
+            </a:lnRef>
+            <a:fillRef idx="1">
+              <a:schemeClr val="accent1"/>
+            </a:fillRef>
+            <a:effectRef idx="0">
+              <a:schemeClr val="accent1"/>
+            </a:effectRef>
+            <a:fontRef idx="minor">
+              <a:schemeClr val="lt1"/>
+            </a:fontRef>
+          </p:style>
+          <p:txBody>
+            <a:bodyPr vert="vert270" rtlCol="0" anchor="ctr"/>
+            <a:lstStyle/>
+            <a:p>
+              <a:pPr algn="ctr"/>
+              <a:r>
+                <a:rPr lang="fr-FR" sz="700" dirty="0" smtClean="0">
+                  <a:solidFill>
+                    <a:srgbClr val="153F9F"/>
+                  </a:solidFill>
+                </a:rPr>
+                <a:t>Sprint planning</a:t>
+              </a:r>
+              <a:endParaRPr lang="fr-FR" sz="700" dirty="0">
+                <a:solidFill>
+                  <a:srgbClr val="153F9F"/>
+                </a:solidFill>
+              </a:endParaRPr>
+            </a:p>
+          </p:txBody>
+        </p:sp>
+        <p:sp>
+          <p:nvSpPr>
+            <p:cNvPr id="21" name="Chevron 20"/>
+            <p:cNvSpPr/>
+            <p:nvPr/>
+          </p:nvSpPr>
+          <p:spPr>
+            <a:xfrm>
+              <a:off x="3629024" y="1473200"/>
+              <a:ext cx="4003676" cy="838200"/>
+            </a:xfrm>
+            <a:prstGeom prst="chevron">
+              <a:avLst/>
+            </a:prstGeom>
+            <a:solidFill>
+              <a:schemeClr val="bg1">
+                <a:lumMod val="85000"/>
+              </a:schemeClr>
+            </a:solidFill>
+            <a:ln>
+              <a:noFill/>
+            </a:ln>
+          </p:spPr>
+          <p:style>
+            <a:lnRef idx="2">
+              <a:schemeClr val="accent1">
+                <a:shade val="50000"/>
+              </a:schemeClr>
+            </a:lnRef>
+            <a:fillRef idx="1">
+              <a:schemeClr val="accent1"/>
+            </a:fillRef>
+            <a:effectRef idx="0">
+              <a:schemeClr val="accent1"/>
+            </a:effectRef>
+            <a:fontRef idx="minor">
+              <a:schemeClr val="lt1"/>
+            </a:fontRef>
+          </p:style>
+          <p:txBody>
+            <a:bodyPr rtlCol="0" anchor="ctr"/>
+            <a:lstStyle/>
+            <a:p>
+              <a:pPr algn="ctr"/>
+              <a:r>
+                <a:rPr lang="fr-FR" sz="700" dirty="0" smtClean="0">
+                  <a:solidFill>
+                    <a:schemeClr val="tx1"/>
+                  </a:solidFill>
+                </a:rPr>
+                <a:t>Sprint </a:t>
+              </a:r>
+            </a:p>
+            <a:p>
+              <a:pPr algn="ctr"/>
+              <a:r>
+                <a:rPr lang="fr-FR" sz="700" dirty="0" err="1" smtClean="0">
+                  <a:solidFill>
+                    <a:schemeClr val="tx1"/>
+                  </a:solidFill>
+                </a:rPr>
+                <a:t>Execution</a:t>
+              </a:r>
+              <a:endParaRPr lang="fr-FR" sz="700" dirty="0">
+                <a:solidFill>
+                  <a:schemeClr val="tx1"/>
+                </a:solidFill>
+              </a:endParaRPr>
+            </a:p>
+          </p:txBody>
+        </p:sp>
+        <p:sp>
+          <p:nvSpPr>
+            <p:cNvPr id="22" name="Chevron 21"/>
+            <p:cNvSpPr/>
+            <p:nvPr/>
+          </p:nvSpPr>
+          <p:spPr>
+            <a:xfrm>
+              <a:off x="7313611" y="1473200"/>
+              <a:ext cx="1473200" cy="838200"/>
+            </a:xfrm>
+            <a:prstGeom prst="chevron">
+              <a:avLst/>
+            </a:prstGeom>
+            <a:solidFill>
+              <a:schemeClr val="bg1">
+                <a:lumMod val="85000"/>
+              </a:schemeClr>
+            </a:solidFill>
+            <a:ln>
+              <a:noFill/>
+            </a:ln>
+          </p:spPr>
+          <p:style>
+            <a:lnRef idx="2">
+              <a:schemeClr val="accent1">
+                <a:shade val="50000"/>
+              </a:schemeClr>
+            </a:lnRef>
+            <a:fillRef idx="1">
+              <a:schemeClr val="accent1"/>
+            </a:fillRef>
+            <a:effectRef idx="0">
+              <a:schemeClr val="accent1"/>
+            </a:effectRef>
+            <a:fontRef idx="minor">
+              <a:schemeClr val="lt1"/>
+            </a:fontRef>
+          </p:style>
+          <p:txBody>
+            <a:bodyPr vert="vert270" rtlCol="0" anchor="ctr"/>
+            <a:lstStyle/>
+            <a:p>
+              <a:pPr algn="ctr"/>
+              <a:r>
+                <a:rPr lang="fr-FR" sz="700" dirty="0" err="1" smtClean="0">
+                  <a:solidFill>
+                    <a:schemeClr val="tx1"/>
+                  </a:solidFill>
+                </a:rPr>
+                <a:t>Review</a:t>
+              </a:r>
+              <a:endParaRPr lang="fr-FR" sz="700" dirty="0">
+                <a:solidFill>
+                  <a:schemeClr val="tx1"/>
+                </a:solidFill>
+              </a:endParaRPr>
+            </a:p>
+          </p:txBody>
+        </p:sp>
+        <p:sp>
+          <p:nvSpPr>
+            <p:cNvPr id="23" name="Chevron 22"/>
+            <p:cNvSpPr/>
+            <p:nvPr/>
+          </p:nvSpPr>
+          <p:spPr>
+            <a:xfrm>
+              <a:off x="8467724" y="1473200"/>
+              <a:ext cx="1473200" cy="838200"/>
+            </a:xfrm>
+            <a:prstGeom prst="chevron">
+              <a:avLst/>
+            </a:prstGeom>
+            <a:solidFill>
+              <a:schemeClr val="bg1">
+                <a:lumMod val="85000"/>
+              </a:schemeClr>
+            </a:solidFill>
+            <a:ln>
+              <a:noFill/>
+            </a:ln>
+          </p:spPr>
+          <p:style>
+            <a:lnRef idx="2">
+              <a:schemeClr val="accent1">
+                <a:shade val="50000"/>
+              </a:schemeClr>
+            </a:lnRef>
+            <a:fillRef idx="1">
+              <a:schemeClr val="accent1"/>
+            </a:fillRef>
+            <a:effectRef idx="0">
+              <a:schemeClr val="accent1"/>
+            </a:effectRef>
+            <a:fontRef idx="minor">
+              <a:schemeClr val="lt1"/>
+            </a:fontRef>
+          </p:style>
+          <p:txBody>
+            <a:bodyPr vert="vert270" rtlCol="0" anchor="ctr"/>
+            <a:lstStyle/>
+            <a:p>
+              <a:pPr algn="ctr"/>
+              <a:r>
+                <a:rPr lang="fr-FR" sz="700" dirty="0" smtClean="0">
+                  <a:solidFill>
+                    <a:schemeClr val="tx1"/>
+                  </a:solidFill>
+                </a:rPr>
+                <a:t>Rétrospective</a:t>
+              </a:r>
+              <a:endParaRPr lang="fr-FR" sz="700" dirty="0">
+                <a:solidFill>
+                  <a:schemeClr val="tx1"/>
+                </a:solidFill>
+              </a:endParaRPr>
+            </a:p>
+          </p:txBody>
+        </p:sp>
+      </p:grpSp>
       <p:sp>
         <p:nvSpPr>
-          <p:cNvPr id="59" name="ZoneTexte 58"/>
+          <p:cNvPr id="12" name="ZoneTexte 11"/>
           <p:cNvSpPr txBox="1"/>
           <p:nvPr/>
         </p:nvSpPr>
         <p:spPr>
           <a:xfrm>
-            <a:off x="5418138" y="1880022"/>
-            <a:ext cx="4335462" cy="526329"/>
+            <a:off x="5610291" y="908031"/>
+            <a:ext cx="4373754" cy="2573642"/>
           </a:xfrm>
           <a:prstGeom prst="roundRect">
             <a:avLst/>
           </a:prstGeom>
-          <a:solidFill>
-            <a:srgbClr val="153F9F"/>
-          </a:solidFill>
+          <a:noFill/>
+          <a:ln>
+            <a:solidFill>
+              <a:schemeClr val="tx1"/>
+            </a:solidFill>
+          </a:ln>
         </p:spPr>
         <p:txBody>
-          <a:bodyPr wrap="none" rtlCol="0">
+          <a:bodyPr wrap="square" rtlCol="0">
             <a:noAutofit/>
           </a:bodyPr>
           <a:lstStyle/>
           <a:p>
-            <a:r>
-              <a:rPr lang="fr-FR" b="1" dirty="0" err="1" smtClean="0">
-                <a:solidFill>
-                  <a:srgbClr val="FA9905"/>
+            <a:pPr algn="ctr"/>
+            <a:r>
+              <a:rPr lang="fr-FR" b="1" dirty="0" smtClean="0">
+                <a:solidFill>
+                  <a:schemeClr val="tx1"/>
                 </a:solidFill>
               </a:rPr>
-              <a:t>N</a:t>
-            </a:r>
-            <a:r>
-              <a:rPr lang="fr-FR" b="1" dirty="0" err="1" smtClean="0">
-                <a:solidFill>
-                  <a:schemeClr val="bg1"/>
-                </a:solidFill>
-              </a:rPr>
-              <a:t>egociable</a:t>
-            </a:r>
+              <a:t>Tâches</a:t>
+            </a:r>
+          </a:p>
+          <a:p>
+            <a:pPr algn="ctr"/>
             <a:endParaRPr lang="fr-FR" b="1" dirty="0" smtClean="0">
               <a:solidFill>
-                <a:schemeClr val="bg1"/>
+                <a:schemeClr val="tx1"/>
               </a:solidFill>
             </a:endParaRPr>
           </a:p>
-          <a:p>
-            <a:r>
-              <a:rPr lang="fr-FR" dirty="0" smtClean="0">
-                <a:solidFill>
-                  <a:schemeClr val="bg1"/>
-                </a:solidFill>
-              </a:rPr>
-              <a:t>Discutées par la </a:t>
-            </a:r>
-            <a:r>
-              <a:rPr lang="fr-FR" dirty="0" err="1" smtClean="0">
-                <a:solidFill>
-                  <a:schemeClr val="bg1"/>
-                </a:solidFill>
-              </a:rPr>
-              <a:t>Scrum</a:t>
-            </a:r>
-            <a:r>
-              <a:rPr lang="fr-FR" dirty="0" smtClean="0">
-                <a:solidFill>
-                  <a:schemeClr val="bg1"/>
-                </a:solidFill>
-              </a:rPr>
-              <a:t> team</a:t>
-            </a:r>
-            <a:endParaRPr lang="fr-FR" dirty="0">
-              <a:solidFill>
-                <a:schemeClr val="bg1"/>
-              </a:solidFill>
-            </a:endParaRPr>
-          </a:p>
-          <a:p>
-            <a:endParaRPr lang="fr-FR" dirty="0">
-              <a:solidFill>
-                <a:schemeClr val="bg1"/>
-              </a:solidFill>
-            </a:endParaRPr>
-          </a:p>
         </p:txBody>
       </p:sp>
-      <p:sp>
-        <p:nvSpPr>
-          <p:cNvPr id="60" name="ZoneTexte 59"/>
-          <p:cNvSpPr txBox="1"/>
-          <p:nvPr/>
-        </p:nvSpPr>
-        <p:spPr>
-          <a:xfrm>
-            <a:off x="5418139" y="2507678"/>
-            <a:ext cx="4335462" cy="526329"/>
-          </a:xfrm>
-          <a:prstGeom prst="roundRect">
-            <a:avLst/>
-          </a:prstGeom>
-          <a:solidFill>
-            <a:srgbClr val="153F9F"/>
-          </a:solidFill>
-        </p:spPr>
-        <p:txBody>
-          <a:bodyPr wrap="none" rtlCol="0">
-            <a:noAutofit/>
-          </a:bodyPr>
-          <a:lstStyle/>
-          <a:p>
-            <a:r>
-              <a:rPr lang="fr-FR" b="1" dirty="0" err="1" smtClean="0">
-                <a:solidFill>
-                  <a:srgbClr val="FA9905"/>
-                </a:solidFill>
-              </a:rPr>
-              <a:t>V</a:t>
-            </a:r>
-            <a:r>
-              <a:rPr lang="fr-FR" b="1" dirty="0" err="1" smtClean="0">
-                <a:solidFill>
-                  <a:schemeClr val="bg1"/>
-                </a:solidFill>
-              </a:rPr>
-              <a:t>aluable</a:t>
-            </a:r>
-            <a:endParaRPr lang="fr-FR" b="1" dirty="0" smtClean="0">
-              <a:solidFill>
-                <a:schemeClr val="bg1"/>
-              </a:solidFill>
-            </a:endParaRPr>
-          </a:p>
-          <a:p>
-            <a:r>
-              <a:rPr lang="fr-FR" dirty="0" smtClean="0">
-                <a:solidFill>
-                  <a:schemeClr val="bg1"/>
-                </a:solidFill>
-              </a:rPr>
-              <a:t>Valeur business </a:t>
-            </a:r>
-            <a:r>
-              <a:rPr lang="fr-FR" dirty="0" smtClean="0">
-                <a:solidFill>
-                  <a:schemeClr val="bg1"/>
-                </a:solidFill>
-              </a:rPr>
-              <a:t>définie =&gt; </a:t>
-            </a:r>
-            <a:endParaRPr lang="fr-FR" dirty="0">
-              <a:solidFill>
-                <a:schemeClr val="bg1"/>
-              </a:solidFill>
-            </a:endParaRPr>
-          </a:p>
-          <a:p>
-            <a:endParaRPr lang="fr-FR" dirty="0">
-              <a:solidFill>
-                <a:schemeClr val="bg1"/>
-              </a:solidFill>
-            </a:endParaRPr>
-          </a:p>
-        </p:txBody>
-      </p:sp>
-      <p:sp>
-        <p:nvSpPr>
-          <p:cNvPr id="61" name="ZoneTexte 60"/>
-          <p:cNvSpPr txBox="1"/>
-          <p:nvPr/>
-        </p:nvSpPr>
-        <p:spPr>
-          <a:xfrm>
-            <a:off x="5418137" y="3762990"/>
-            <a:ext cx="4335462" cy="526329"/>
-          </a:xfrm>
-          <a:prstGeom prst="roundRect">
-            <a:avLst/>
-          </a:prstGeom>
-          <a:solidFill>
-            <a:srgbClr val="153F9F"/>
-          </a:solidFill>
-        </p:spPr>
-        <p:txBody>
-          <a:bodyPr wrap="none" rtlCol="0">
-            <a:noAutofit/>
-          </a:bodyPr>
-          <a:lstStyle/>
-          <a:p>
-            <a:r>
-              <a:rPr lang="fr-FR" b="1" dirty="0" smtClean="0">
-                <a:solidFill>
-                  <a:srgbClr val="FA9905"/>
-                </a:solidFill>
-              </a:rPr>
-              <a:t>S</a:t>
-            </a:r>
-            <a:r>
-              <a:rPr lang="fr-FR" b="1" dirty="0" smtClean="0">
-                <a:solidFill>
-                  <a:schemeClr val="bg1"/>
-                </a:solidFill>
-              </a:rPr>
-              <a:t>mall</a:t>
-            </a:r>
-          </a:p>
-          <a:p>
-            <a:r>
-              <a:rPr lang="fr-FR" dirty="0">
-                <a:solidFill>
-                  <a:schemeClr val="bg1"/>
-                </a:solidFill>
-              </a:rPr>
-              <a:t>Effectuée </a:t>
-            </a:r>
-            <a:r>
-              <a:rPr lang="fr-FR" dirty="0" smtClean="0">
-                <a:solidFill>
-                  <a:schemeClr val="bg1"/>
-                </a:solidFill>
-              </a:rPr>
-              <a:t>en un </a:t>
-            </a:r>
-            <a:r>
-              <a:rPr lang="fr-FR" dirty="0" smtClean="0">
-                <a:solidFill>
-                  <a:schemeClr val="bg1"/>
-                </a:solidFill>
-              </a:rPr>
-              <a:t>sprint =&gt; ok ? </a:t>
-            </a:r>
-            <a:endParaRPr lang="fr-FR" dirty="0">
-              <a:solidFill>
-                <a:schemeClr val="bg1"/>
-              </a:solidFill>
-            </a:endParaRPr>
-          </a:p>
-          <a:p>
-            <a:endParaRPr lang="fr-FR" dirty="0">
-              <a:solidFill>
-                <a:schemeClr val="bg1"/>
-              </a:solidFill>
-            </a:endParaRPr>
-          </a:p>
-        </p:txBody>
-      </p:sp>
-      <p:sp>
-        <p:nvSpPr>
-          <p:cNvPr id="62" name="ZoneTexte 61"/>
-          <p:cNvSpPr txBox="1"/>
-          <p:nvPr/>
-        </p:nvSpPr>
-        <p:spPr>
-          <a:xfrm>
-            <a:off x="5418137" y="4390645"/>
-            <a:ext cx="4335462" cy="526329"/>
-          </a:xfrm>
-          <a:prstGeom prst="roundRect">
-            <a:avLst/>
-          </a:prstGeom>
-          <a:solidFill>
-            <a:srgbClr val="153F9F"/>
-          </a:solidFill>
-        </p:spPr>
-        <p:txBody>
-          <a:bodyPr wrap="none" rtlCol="0">
-            <a:noAutofit/>
-          </a:bodyPr>
-          <a:lstStyle/>
-          <a:p>
-            <a:r>
-              <a:rPr lang="fr-FR" b="1" dirty="0" smtClean="0">
-                <a:solidFill>
-                  <a:srgbClr val="FA9905"/>
-                </a:solidFill>
-              </a:rPr>
-              <a:t>T</a:t>
-            </a:r>
-            <a:r>
-              <a:rPr lang="fr-FR" b="1" dirty="0" smtClean="0">
-                <a:solidFill>
-                  <a:schemeClr val="bg1"/>
-                </a:solidFill>
-              </a:rPr>
-              <a:t>estable</a:t>
-            </a:r>
-          </a:p>
-          <a:p>
-            <a:r>
-              <a:rPr lang="fr-FR" dirty="0" smtClean="0">
-                <a:solidFill>
-                  <a:schemeClr val="bg1"/>
-                </a:solidFill>
-              </a:rPr>
-              <a:t>Décider du « </a:t>
-            </a:r>
-            <a:r>
-              <a:rPr lang="fr-FR" dirty="0" err="1" smtClean="0">
-                <a:solidFill>
-                  <a:schemeClr val="bg1"/>
-                </a:solidFill>
-              </a:rPr>
-              <a:t>done</a:t>
-            </a:r>
-            <a:r>
-              <a:rPr lang="fr-FR" dirty="0" smtClean="0">
-                <a:solidFill>
-                  <a:schemeClr val="bg1"/>
-                </a:solidFill>
-              </a:rPr>
-              <a:t> »</a:t>
-            </a:r>
-            <a:endParaRPr lang="fr-FR" dirty="0">
-              <a:solidFill>
-                <a:schemeClr val="bg1"/>
-              </a:solidFill>
-            </a:endParaRPr>
-          </a:p>
-          <a:p>
-            <a:endParaRPr lang="fr-FR" dirty="0">
-              <a:solidFill>
-                <a:schemeClr val="bg1"/>
-              </a:solidFill>
-            </a:endParaRPr>
-          </a:p>
-        </p:txBody>
-      </p:sp>
-      <p:sp>
-        <p:nvSpPr>
-          <p:cNvPr id="64" name="ZoneTexte 63"/>
-          <p:cNvSpPr txBox="1"/>
-          <p:nvPr/>
-        </p:nvSpPr>
-        <p:spPr>
-          <a:xfrm>
-            <a:off x="5418137" y="3135334"/>
-            <a:ext cx="4335462" cy="526329"/>
-          </a:xfrm>
-          <a:prstGeom prst="roundRect">
-            <a:avLst/>
-          </a:prstGeom>
-          <a:solidFill>
-            <a:srgbClr val="153F9F"/>
-          </a:solidFill>
-        </p:spPr>
-        <p:txBody>
-          <a:bodyPr wrap="none" rtlCol="0">
-            <a:noAutofit/>
-          </a:bodyPr>
-          <a:lstStyle/>
-          <a:p>
-            <a:r>
-              <a:rPr lang="fr-FR" b="1" dirty="0" smtClean="0">
-                <a:solidFill>
-                  <a:srgbClr val="FA9905"/>
-                </a:solidFill>
-              </a:rPr>
-              <a:t>E</a:t>
-            </a:r>
-            <a:r>
-              <a:rPr lang="fr-FR" b="1" dirty="0" smtClean="0">
-                <a:solidFill>
-                  <a:schemeClr val="bg1"/>
-                </a:solidFill>
-              </a:rPr>
-              <a:t>stimable</a:t>
-            </a:r>
-          </a:p>
-          <a:p>
-            <a:r>
-              <a:rPr lang="fr-FR" dirty="0" smtClean="0">
-                <a:solidFill>
-                  <a:schemeClr val="bg1"/>
-                </a:solidFill>
-              </a:rPr>
-              <a:t>Par l’équipe de </a:t>
-            </a:r>
-            <a:r>
-              <a:rPr lang="fr-FR" dirty="0" err="1" smtClean="0">
-                <a:solidFill>
-                  <a:schemeClr val="bg1"/>
-                </a:solidFill>
-              </a:rPr>
-              <a:t>dev</a:t>
-            </a:r>
-            <a:r>
-              <a:rPr lang="fr-FR" dirty="0" smtClean="0">
-                <a:solidFill>
-                  <a:schemeClr val="bg1"/>
-                </a:solidFill>
-              </a:rPr>
-              <a:t> =&gt; estimation</a:t>
-            </a:r>
-            <a:endParaRPr lang="fr-FR" dirty="0">
-              <a:solidFill>
-                <a:schemeClr val="bg1"/>
-              </a:solidFill>
-            </a:endParaRPr>
-          </a:p>
-        </p:txBody>
-      </p:sp>
-      <p:cxnSp>
-        <p:nvCxnSpPr>
-          <p:cNvPr id="65" name="Connecteur droit avec flèche 64"/>
-          <p:cNvCxnSpPr>
-            <a:stCxn id="3" idx="3"/>
-          </p:cNvCxnSpPr>
-          <p:nvPr/>
-        </p:nvCxnSpPr>
-        <p:spPr>
-          <a:xfrm>
-            <a:off x="3822400" y="2100186"/>
-            <a:ext cx="1595739" cy="670657"/>
-          </a:xfrm>
-          <a:prstGeom prst="straightConnector1">
-            <a:avLst/>
-          </a:prstGeom>
-          <a:ln>
-            <a:solidFill>
-              <a:srgbClr val="163F9D"/>
-            </a:solidFill>
-            <a:tailEnd type="triangle"/>
-          </a:ln>
-        </p:spPr>
-        <p:style>
-          <a:lnRef idx="1">
-            <a:schemeClr val="accent1"/>
-          </a:lnRef>
-          <a:fillRef idx="0">
-            <a:schemeClr val="accent1"/>
-          </a:fillRef>
-          <a:effectRef idx="0">
-            <a:schemeClr val="accent1"/>
-          </a:effectRef>
-          <a:fontRef idx="minor">
-            <a:schemeClr val="tx1"/>
-          </a:fontRef>
-        </p:style>
-      </p:cxnSp>
-      <p:cxnSp>
-        <p:nvCxnSpPr>
-          <p:cNvPr id="68" name="Connecteur droit avec flèche 67"/>
-          <p:cNvCxnSpPr>
-            <a:stCxn id="3" idx="3"/>
-          </p:cNvCxnSpPr>
-          <p:nvPr/>
-        </p:nvCxnSpPr>
-        <p:spPr>
-          <a:xfrm>
-            <a:off x="3822400" y="2100186"/>
-            <a:ext cx="1595737" cy="1298313"/>
-          </a:xfrm>
-          <a:prstGeom prst="straightConnector1">
-            <a:avLst/>
-          </a:prstGeom>
-          <a:ln>
-            <a:solidFill>
-              <a:srgbClr val="163F9D"/>
-            </a:solidFill>
-            <a:tailEnd type="triangle"/>
-          </a:ln>
-        </p:spPr>
-        <p:style>
-          <a:lnRef idx="1">
-            <a:schemeClr val="accent1"/>
-          </a:lnRef>
-          <a:fillRef idx="0">
-            <a:schemeClr val="accent1"/>
-          </a:fillRef>
-          <a:effectRef idx="0">
-            <a:schemeClr val="accent1"/>
-          </a:effectRef>
-          <a:fontRef idx="minor">
-            <a:schemeClr val="tx1"/>
-          </a:fontRef>
-        </p:style>
-      </p:cxnSp>
-      <p:cxnSp>
-        <p:nvCxnSpPr>
-          <p:cNvPr id="71" name="Connecteur droit avec flèche 70"/>
-          <p:cNvCxnSpPr>
-            <a:stCxn id="3" idx="3"/>
-          </p:cNvCxnSpPr>
-          <p:nvPr/>
-        </p:nvCxnSpPr>
-        <p:spPr>
-          <a:xfrm>
-            <a:off x="3822400" y="2100186"/>
-            <a:ext cx="1595737" cy="1925969"/>
-          </a:xfrm>
-          <a:prstGeom prst="straightConnector1">
-            <a:avLst/>
-          </a:prstGeom>
-          <a:ln>
-            <a:solidFill>
-              <a:srgbClr val="163F9D"/>
-            </a:solidFill>
-            <a:tailEnd type="triangle"/>
-          </a:ln>
-        </p:spPr>
-        <p:style>
-          <a:lnRef idx="1">
-            <a:schemeClr val="accent1"/>
-          </a:lnRef>
-          <a:fillRef idx="0">
-            <a:schemeClr val="accent1"/>
-          </a:fillRef>
-          <a:effectRef idx="0">
-            <a:schemeClr val="accent1"/>
-          </a:effectRef>
-          <a:fontRef idx="minor">
-            <a:schemeClr val="tx1"/>
-          </a:fontRef>
-        </p:style>
-      </p:cxnSp>
-      <p:cxnSp>
-        <p:nvCxnSpPr>
-          <p:cNvPr id="74" name="Connecteur droit avec flèche 73"/>
-          <p:cNvCxnSpPr>
-            <a:stCxn id="3" idx="3"/>
-          </p:cNvCxnSpPr>
-          <p:nvPr/>
-        </p:nvCxnSpPr>
-        <p:spPr>
-          <a:xfrm>
-            <a:off x="3822400" y="2100186"/>
-            <a:ext cx="1595737" cy="2553624"/>
-          </a:xfrm>
-          <a:prstGeom prst="straightConnector1">
-            <a:avLst/>
-          </a:prstGeom>
-          <a:ln>
-            <a:solidFill>
-              <a:srgbClr val="163F9D"/>
-            </a:solidFill>
-            <a:tailEnd type="triangle"/>
-          </a:ln>
-        </p:spPr>
-        <p:style>
-          <a:lnRef idx="1">
-            <a:schemeClr val="accent1"/>
-          </a:lnRef>
-          <a:fillRef idx="0">
-            <a:schemeClr val="accent1"/>
-          </a:fillRef>
-          <a:effectRef idx="0">
-            <a:schemeClr val="accent1"/>
-          </a:effectRef>
-          <a:fontRef idx="minor">
-            <a:schemeClr val="tx1"/>
-          </a:fontRef>
-        </p:style>
-      </p:cxnSp>
-      <p:sp>
-        <p:nvSpPr>
-          <p:cNvPr id="18" name="Bulle rectangulaire 17"/>
-          <p:cNvSpPr/>
-          <p:nvPr/>
-        </p:nvSpPr>
-        <p:spPr>
-          <a:xfrm>
-            <a:off x="2843408" y="2991007"/>
-            <a:ext cx="1433726" cy="627656"/>
-          </a:xfrm>
-          <a:prstGeom prst="wedgeRectCallout">
-            <a:avLst>
-              <a:gd name="adj1" fmla="val 3254"/>
-              <a:gd name="adj2" fmla="val -187018"/>
-            </a:avLst>
-          </a:prstGeom>
-          <a:noFill/>
-          <a:ln>
-            <a:solidFill>
-              <a:srgbClr val="277B00"/>
-            </a:solidFill>
-          </a:ln>
-        </p:spPr>
-        <p:style>
-          <a:lnRef idx="2">
-            <a:schemeClr val="accent1">
-              <a:shade val="50000"/>
-            </a:schemeClr>
-          </a:lnRef>
-          <a:fillRef idx="1">
-            <a:schemeClr val="accent1"/>
-          </a:fillRef>
-          <a:effectRef idx="0">
-            <a:schemeClr val="accent1"/>
-          </a:effectRef>
-          <a:fontRef idx="minor">
-            <a:schemeClr val="lt1"/>
-          </a:fontRef>
-        </p:style>
-        <p:txBody>
-          <a:bodyPr rtlCol="0" anchor="ctr"/>
-          <a:lstStyle/>
-          <a:p>
-            <a:pPr algn="ctr"/>
-            <a:r>
-              <a:rPr lang="fr-FR" b="1" dirty="0" smtClean="0">
-                <a:solidFill>
-                  <a:srgbClr val="FA9905"/>
-                </a:solidFill>
-              </a:rPr>
-              <a:t>Type d’utilisateur </a:t>
-            </a:r>
-          </a:p>
-          <a:p>
-            <a:pPr algn="ctr"/>
-            <a:r>
-              <a:rPr lang="fr-FR" dirty="0" smtClean="0">
-                <a:solidFill>
-                  <a:srgbClr val="FA9905"/>
-                </a:solidFill>
-              </a:rPr>
-              <a:t>Vs </a:t>
-            </a:r>
-            <a:r>
-              <a:rPr lang="fr-FR" b="1" dirty="0" smtClean="0">
-                <a:solidFill>
-                  <a:srgbClr val="FA9905"/>
-                </a:solidFill>
-              </a:rPr>
-              <a:t>Persona</a:t>
-            </a:r>
-            <a:endParaRPr lang="fr-FR" b="1" dirty="0">
-              <a:solidFill>
-                <a:srgbClr val="FA9905"/>
-              </a:solidFill>
-            </a:endParaRPr>
-          </a:p>
-        </p:txBody>
-      </p:sp>
-      <p:sp>
-        <p:nvSpPr>
-          <p:cNvPr id="4" name="Bulle rectangulaire à coins arrondis 3"/>
-          <p:cNvSpPr/>
-          <p:nvPr/>
-        </p:nvSpPr>
-        <p:spPr>
-          <a:xfrm>
-            <a:off x="647587" y="4026154"/>
-            <a:ext cx="4281054" cy="2467354"/>
-          </a:xfrm>
-          <a:prstGeom prst="wedgeRoundRectCallout">
-            <a:avLst>
-              <a:gd name="adj1" fmla="val 61427"/>
-              <a:gd name="adj2" fmla="val -18946"/>
-              <a:gd name="adj3" fmla="val 16667"/>
-            </a:avLst>
-          </a:prstGeom>
-          <a:noFill/>
-          <a:ln>
-            <a:solidFill>
-              <a:srgbClr val="E4234B"/>
-            </a:solidFill>
-          </a:ln>
-        </p:spPr>
-        <p:style>
-          <a:lnRef idx="2">
-            <a:schemeClr val="accent1">
-              <a:shade val="50000"/>
-            </a:schemeClr>
-          </a:lnRef>
-          <a:fillRef idx="1">
-            <a:schemeClr val="accent1"/>
-          </a:fillRef>
-          <a:effectRef idx="0">
-            <a:schemeClr val="accent1"/>
-          </a:effectRef>
-          <a:fontRef idx="minor">
-            <a:schemeClr val="lt1"/>
-          </a:fontRef>
-        </p:style>
-        <p:txBody>
-          <a:bodyPr rtlCol="0" anchor="ctr"/>
-          <a:lstStyle/>
-          <a:p>
-            <a:pPr algn="ctr"/>
-            <a:r>
-              <a:rPr lang="fr-FR" dirty="0" smtClean="0">
-                <a:solidFill>
-                  <a:srgbClr val="012ECA"/>
-                </a:solidFill>
-              </a:rPr>
-              <a:t>Comment créer des tests ? </a:t>
-            </a:r>
-          </a:p>
-          <a:p>
-            <a:pPr algn="ctr"/>
-            <a:endParaRPr lang="fr-FR" dirty="0" smtClean="0">
-              <a:solidFill>
-                <a:srgbClr val="012ECA"/>
-              </a:solidFill>
-            </a:endParaRPr>
-          </a:p>
-          <a:p>
-            <a:pPr marL="342900" indent="-342900">
-              <a:buAutoNum type="arabicParenR"/>
-            </a:pPr>
-            <a:r>
-              <a:rPr lang="fr-FR" dirty="0" smtClean="0">
-                <a:solidFill>
-                  <a:srgbClr val="012ECA"/>
-                </a:solidFill>
-              </a:rPr>
-              <a:t>Test « positif » : cas normal, qui est attendu</a:t>
-            </a:r>
-          </a:p>
-          <a:p>
-            <a:pPr marL="342900" indent="-342900">
-              <a:buAutoNum type="arabicParenR"/>
-            </a:pPr>
-            <a:r>
-              <a:rPr lang="fr-FR" dirty="0" smtClean="0">
-                <a:solidFill>
-                  <a:srgbClr val="012ECA"/>
-                </a:solidFill>
-              </a:rPr>
-              <a:t>Test « extrême » : type de donnée normal, avec des valeurs </a:t>
-            </a:r>
-            <a:r>
-              <a:rPr lang="fr-FR" dirty="0" err="1" smtClean="0">
-                <a:solidFill>
-                  <a:srgbClr val="012ECA"/>
-                </a:solidFill>
-              </a:rPr>
-              <a:t>inatendues</a:t>
-            </a:r>
-            <a:endParaRPr lang="fr-FR" dirty="0" smtClean="0">
-              <a:solidFill>
-                <a:srgbClr val="012ECA"/>
-              </a:solidFill>
-            </a:endParaRPr>
-          </a:p>
-          <a:p>
-            <a:pPr marL="342900" indent="-342900">
-              <a:buAutoNum type="arabicParenR"/>
-            </a:pPr>
-            <a:r>
-              <a:rPr lang="fr-FR" dirty="0" smtClean="0">
-                <a:solidFill>
-                  <a:srgbClr val="012ECA"/>
-                </a:solidFill>
-              </a:rPr>
-              <a:t>Test « négatif » : mauvais type de données</a:t>
-            </a:r>
-          </a:p>
-          <a:p>
-            <a:pPr marL="342900" indent="-342900">
-              <a:buAutoNum type="arabicParenR"/>
-            </a:pPr>
-            <a:r>
-              <a:rPr lang="fr-FR" dirty="0" err="1" smtClean="0">
-                <a:solidFill>
-                  <a:srgbClr val="012ECA"/>
-                </a:solidFill>
-              </a:rPr>
-              <a:t>Cahos</a:t>
-            </a:r>
-            <a:r>
-              <a:rPr lang="fr-FR" dirty="0" smtClean="0">
-                <a:solidFill>
-                  <a:srgbClr val="012ECA"/>
-                </a:solidFill>
-              </a:rPr>
-              <a:t> </a:t>
-            </a:r>
-            <a:r>
-              <a:rPr lang="fr-FR" dirty="0" err="1" smtClean="0">
-                <a:solidFill>
-                  <a:srgbClr val="012ECA"/>
-                </a:solidFill>
-              </a:rPr>
-              <a:t>monkey</a:t>
-            </a:r>
-            <a:r>
-              <a:rPr lang="fr-FR" dirty="0" smtClean="0">
-                <a:solidFill>
-                  <a:srgbClr val="012ECA"/>
-                </a:solidFill>
-              </a:rPr>
-              <a:t> : événement aléatoire</a:t>
-            </a:r>
-          </a:p>
-          <a:p>
-            <a:pPr marL="342900" indent="-342900">
-              <a:buAutoNum type="arabicParenR"/>
-            </a:pPr>
-            <a:endParaRPr lang="fr-FR" dirty="0">
-              <a:solidFill>
-                <a:srgbClr val="012ECA"/>
-              </a:solidFill>
-            </a:endParaRPr>
-          </a:p>
-          <a:p>
-            <a:pPr marL="342900" indent="-342900">
-              <a:buFont typeface="Arial" charset="0"/>
-              <a:buChar char="•"/>
-            </a:pPr>
-            <a:r>
-              <a:rPr lang="fr-FR" dirty="0" smtClean="0">
-                <a:solidFill>
-                  <a:srgbClr val="012ECA"/>
-                </a:solidFill>
-              </a:rPr>
-              <a:t>Pour chaque cas : </a:t>
-            </a:r>
-          </a:p>
-          <a:p>
-            <a:pPr marL="668338" lvl="3" indent="-341313">
-              <a:buFont typeface="Arial" charset="0"/>
-              <a:buChar char="•"/>
-            </a:pPr>
-            <a:r>
-              <a:rPr lang="fr-FR" dirty="0" smtClean="0">
-                <a:solidFill>
-                  <a:srgbClr val="012ECA"/>
-                </a:solidFill>
-              </a:rPr>
-              <a:t>Un exemple</a:t>
-            </a:r>
-          </a:p>
-          <a:p>
-            <a:pPr marL="668338" lvl="2" indent="-341313">
-              <a:buFont typeface="Arial" charset="0"/>
-              <a:buChar char="•"/>
-            </a:pPr>
-            <a:r>
-              <a:rPr lang="fr-FR" dirty="0" smtClean="0">
-                <a:solidFill>
-                  <a:srgbClr val="012ECA"/>
-                </a:solidFill>
-              </a:rPr>
-              <a:t>Un output attendu</a:t>
-            </a:r>
-            <a:endParaRPr lang="fr-FR" dirty="0">
-              <a:solidFill>
-                <a:srgbClr val="012ECA"/>
-              </a:solidFill>
-            </a:endParaRPr>
-          </a:p>
-        </p:txBody>
-      </p:sp>
+      <p:graphicFrame>
+        <p:nvGraphicFramePr>
+          <p:cNvPr id="4" name="Tableau 3"/>
+          <p:cNvGraphicFramePr>
+            <a:graphicFrameLocks noGrp="1"/>
+          </p:cNvGraphicFramePr>
+          <p:nvPr>
+            <p:extLst>
+              <p:ext uri="{D42A27DB-BD31-4B8C-83A1-F6EECF244321}">
+                <p14:modId xmlns:p14="http://schemas.microsoft.com/office/powerpoint/2010/main" val="1293797226"/>
+              </p:ext>
+            </p:extLst>
+          </p:nvPr>
+        </p:nvGraphicFramePr>
+        <p:xfrm>
+          <a:off x="5749635" y="1384167"/>
+          <a:ext cx="4178991" cy="2083650"/>
+        </p:xfrm>
+        <a:graphic>
+          <a:graphicData uri="http://schemas.openxmlformats.org/drawingml/2006/table">
+            <a:tbl>
+              <a:tblPr firstRow="1" bandRow="1">
+                <a:tableStyleId>{5C22544A-7EE6-4342-B048-85BDC9FD1C3A}</a:tableStyleId>
+              </a:tblPr>
+              <a:tblGrid>
+                <a:gridCol w="1392997"/>
+                <a:gridCol w="1848966"/>
+                <a:gridCol w="937028"/>
+              </a:tblGrid>
+              <a:tr h="416730">
+                <a:tc>
+                  <a:txBody>
+                    <a:bodyPr/>
+                    <a:lstStyle/>
+                    <a:p>
+                      <a:pPr algn="ctr"/>
+                      <a:r>
+                        <a:rPr lang="fr-FR" dirty="0" smtClean="0">
+                          <a:solidFill>
+                            <a:schemeClr val="tx1"/>
+                          </a:solidFill>
+                        </a:rPr>
+                        <a:t>description</a:t>
+                      </a:r>
+                      <a:endParaRPr lang="fr-FR" dirty="0">
+                        <a:solidFill>
+                          <a:schemeClr val="tx1"/>
+                        </a:solidFill>
+                      </a:endParaRPr>
+                    </a:p>
+                  </a:txBody>
+                  <a:tcPr/>
+                </a:tc>
+                <a:tc>
+                  <a:txBody>
+                    <a:bodyPr/>
+                    <a:lstStyle/>
+                    <a:p>
+                      <a:pPr algn="ctr"/>
+                      <a:r>
+                        <a:rPr lang="fr-FR" dirty="0" smtClean="0">
+                          <a:solidFill>
+                            <a:schemeClr val="tx1"/>
+                          </a:solidFill>
+                        </a:rPr>
+                        <a:t>responsable</a:t>
+                      </a:r>
+                      <a:endParaRPr lang="fr-FR" dirty="0">
+                        <a:solidFill>
+                          <a:schemeClr val="tx1"/>
+                        </a:solidFill>
+                      </a:endParaRPr>
+                    </a:p>
+                  </a:txBody>
+                  <a:tcPr/>
+                </a:tc>
+                <a:tc>
+                  <a:txBody>
+                    <a:bodyPr/>
+                    <a:lstStyle/>
+                    <a:p>
+                      <a:pPr algn="ctr"/>
+                      <a:r>
+                        <a:rPr lang="fr-FR" dirty="0" smtClean="0">
+                          <a:solidFill>
+                            <a:schemeClr val="tx1"/>
+                          </a:solidFill>
+                        </a:rPr>
+                        <a:t>Charge</a:t>
+                      </a:r>
+                      <a:endParaRPr lang="fr-FR" dirty="0">
+                        <a:solidFill>
+                          <a:schemeClr val="tx1"/>
+                        </a:solidFill>
+                      </a:endParaRPr>
+                    </a:p>
+                  </a:txBody>
+                  <a:tcPr/>
+                </a:tc>
+              </a:tr>
+              <a:tr h="416730">
+                <a:tc>
+                  <a:txBody>
+                    <a:bodyPr/>
+                    <a:lstStyle/>
+                    <a:p>
+                      <a:pPr algn="ctr"/>
+                      <a:endParaRPr lang="fr-FR" dirty="0">
+                        <a:solidFill>
+                          <a:schemeClr val="tx1"/>
+                        </a:solidFill>
+                      </a:endParaRPr>
+                    </a:p>
+                  </a:txBody>
+                  <a:tcPr/>
+                </a:tc>
+                <a:tc>
+                  <a:txBody>
+                    <a:bodyPr/>
+                    <a:lstStyle/>
+                    <a:p>
+                      <a:pPr algn="ctr"/>
+                      <a:endParaRPr lang="fr-FR" dirty="0">
+                        <a:solidFill>
+                          <a:schemeClr val="tx1"/>
+                        </a:solidFill>
+                      </a:endParaRPr>
+                    </a:p>
+                  </a:txBody>
+                  <a:tcPr/>
+                </a:tc>
+                <a:tc>
+                  <a:txBody>
+                    <a:bodyPr/>
+                    <a:lstStyle/>
+                    <a:p>
+                      <a:pPr algn="ctr"/>
+                      <a:endParaRPr lang="fr-FR" dirty="0">
+                        <a:solidFill>
+                          <a:schemeClr val="tx1"/>
+                        </a:solidFill>
+                      </a:endParaRPr>
+                    </a:p>
+                  </a:txBody>
+                  <a:tcPr/>
+                </a:tc>
+              </a:tr>
+              <a:tr h="416730">
+                <a:tc>
+                  <a:txBody>
+                    <a:bodyPr/>
+                    <a:lstStyle/>
+                    <a:p>
+                      <a:pPr algn="ctr"/>
+                      <a:endParaRPr lang="fr-FR">
+                        <a:solidFill>
+                          <a:schemeClr val="tx1"/>
+                        </a:solidFill>
+                      </a:endParaRPr>
+                    </a:p>
+                  </a:txBody>
+                  <a:tcPr/>
+                </a:tc>
+                <a:tc>
+                  <a:txBody>
+                    <a:bodyPr/>
+                    <a:lstStyle/>
+                    <a:p>
+                      <a:pPr algn="ctr"/>
+                      <a:endParaRPr lang="fr-FR">
+                        <a:solidFill>
+                          <a:schemeClr val="tx1"/>
+                        </a:solidFill>
+                      </a:endParaRPr>
+                    </a:p>
+                  </a:txBody>
+                  <a:tcPr/>
+                </a:tc>
+                <a:tc>
+                  <a:txBody>
+                    <a:bodyPr/>
+                    <a:lstStyle/>
+                    <a:p>
+                      <a:pPr algn="ctr"/>
+                      <a:endParaRPr lang="fr-FR">
+                        <a:solidFill>
+                          <a:schemeClr val="tx1"/>
+                        </a:solidFill>
+                      </a:endParaRPr>
+                    </a:p>
+                  </a:txBody>
+                  <a:tcPr/>
+                </a:tc>
+              </a:tr>
+              <a:tr h="416730">
+                <a:tc>
+                  <a:txBody>
+                    <a:bodyPr/>
+                    <a:lstStyle/>
+                    <a:p>
+                      <a:pPr algn="ctr"/>
+                      <a:endParaRPr lang="fr-FR">
+                        <a:solidFill>
+                          <a:schemeClr val="tx1"/>
+                        </a:solidFill>
+                      </a:endParaRPr>
+                    </a:p>
+                  </a:txBody>
+                  <a:tcPr/>
+                </a:tc>
+                <a:tc>
+                  <a:txBody>
+                    <a:bodyPr/>
+                    <a:lstStyle/>
+                    <a:p>
+                      <a:pPr algn="ctr"/>
+                      <a:endParaRPr lang="fr-FR">
+                        <a:solidFill>
+                          <a:schemeClr val="tx1"/>
+                        </a:solidFill>
+                      </a:endParaRPr>
+                    </a:p>
+                  </a:txBody>
+                  <a:tcPr/>
+                </a:tc>
+                <a:tc>
+                  <a:txBody>
+                    <a:bodyPr/>
+                    <a:lstStyle/>
+                    <a:p>
+                      <a:pPr algn="ctr"/>
+                      <a:endParaRPr lang="fr-FR">
+                        <a:solidFill>
+                          <a:schemeClr val="tx1"/>
+                        </a:solidFill>
+                      </a:endParaRPr>
+                    </a:p>
+                  </a:txBody>
+                  <a:tcPr/>
+                </a:tc>
+              </a:tr>
+              <a:tr h="416730">
+                <a:tc>
+                  <a:txBody>
+                    <a:bodyPr/>
+                    <a:lstStyle/>
+                    <a:p>
+                      <a:pPr algn="ctr"/>
+                      <a:endParaRPr lang="fr-FR">
+                        <a:solidFill>
+                          <a:schemeClr val="tx1"/>
+                        </a:solidFill>
+                      </a:endParaRPr>
+                    </a:p>
+                  </a:txBody>
+                  <a:tcPr/>
+                </a:tc>
+                <a:tc>
+                  <a:txBody>
+                    <a:bodyPr/>
+                    <a:lstStyle/>
+                    <a:p>
+                      <a:pPr algn="ctr"/>
+                      <a:endParaRPr lang="fr-FR" dirty="0">
+                        <a:solidFill>
+                          <a:schemeClr val="tx1"/>
+                        </a:solidFill>
+                      </a:endParaRPr>
+                    </a:p>
+                  </a:txBody>
+                  <a:tcPr/>
+                </a:tc>
+                <a:tc>
+                  <a:txBody>
+                    <a:bodyPr/>
+                    <a:lstStyle/>
+                    <a:p>
+                      <a:pPr algn="ctr"/>
+                      <a:endParaRPr lang="fr-FR" dirty="0">
+                        <a:solidFill>
+                          <a:schemeClr val="tx1"/>
+                        </a:solidFill>
+                      </a:endParaRPr>
+                    </a:p>
+                  </a:txBody>
+                  <a:tcPr/>
+                </a:tc>
+              </a:tr>
+            </a:tbl>
+          </a:graphicData>
+        </a:graphic>
+      </p:graphicFrame>
     </p:spTree>
     <p:extLst>
       <p:ext uri="{BB962C8B-B14F-4D97-AF65-F5344CB8AC3E}">
-        <p14:creationId xmlns:p14="http://schemas.microsoft.com/office/powerpoint/2010/main" val="453368784"/>
+        <p14:creationId xmlns:p14="http://schemas.microsoft.com/office/powerpoint/2010/main" val="1859097460"/>
       </p:ext>
     </p:extLst>
   </p:cSld>
@@ -26959,371 +24112,9 @@
   <p:timing>
     <p:tnLst>
       <p:par>
-        <p:cTn id="1" dur="indefinite" restart="never" nodeType="tmRoot">
-          <p:childTnLst>
-            <p:seq concurrent="1" nextAc="seek">
-              <p:cTn id="2" dur="indefinite" nodeType="mainSeq">
-                <p:childTnLst>
-                  <p:par>
-                    <p:cTn id="3" fill="hold">
-                      <p:stCondLst>
-                        <p:cond delay="indefinite"/>
-                      </p:stCondLst>
-                      <p:childTnLst>
-                        <p:par>
-                          <p:cTn id="4" fill="hold">
-                            <p:stCondLst>
-                              <p:cond delay="0"/>
-                            </p:stCondLst>
-                            <p:childTnLst>
-                              <p:par>
-                                <p:cTn id="5" presetID="1" presetClass="entr" presetSubtype="0" fill="hold" nodeType="clickEffect">
-                                  <p:stCondLst>
-                                    <p:cond delay="0"/>
-                                  </p:stCondLst>
-                                  <p:childTnLst>
-                                    <p:set>
-                                      <p:cBhvr>
-                                        <p:cTn id="6" dur="1" fill="hold">
-                                          <p:stCondLst>
-                                            <p:cond delay="0"/>
-                                          </p:stCondLst>
-                                        </p:cTn>
-                                        <p:tgtEl>
-                                          <p:spTgt spid="59">
-                                            <p:txEl>
-                                              <p:pRg st="1" end="1"/>
-                                            </p:txEl>
-                                          </p:spTgt>
-                                        </p:tgtEl>
-                                        <p:attrNameLst>
-                                          <p:attrName>style.visibility</p:attrName>
-                                        </p:attrNameLst>
-                                      </p:cBhvr>
-                                      <p:to>
-                                        <p:strVal val="visible"/>
-                                      </p:to>
-                                    </p:set>
-                                  </p:childTnLst>
-                                </p:cTn>
-                              </p:par>
-                            </p:childTnLst>
-                          </p:cTn>
-                        </p:par>
-                      </p:childTnLst>
-                    </p:cTn>
-                  </p:par>
-                  <p:par>
-                    <p:cTn id="7" fill="hold">
-                      <p:stCondLst>
-                        <p:cond delay="indefinite"/>
-                      </p:stCondLst>
-                      <p:childTnLst>
-                        <p:par>
-                          <p:cTn id="8" fill="hold">
-                            <p:stCondLst>
-                              <p:cond delay="0"/>
-                            </p:stCondLst>
-                            <p:childTnLst>
-                              <p:par>
-                                <p:cTn id="9" presetID="1" presetClass="entr" presetSubtype="0" fill="hold" nodeType="clickEffect">
-                                  <p:stCondLst>
-                                    <p:cond delay="0"/>
-                                  </p:stCondLst>
-                                  <p:childTnLst>
-                                    <p:set>
-                                      <p:cBhvr>
-                                        <p:cTn id="10" dur="1" fill="hold">
-                                          <p:stCondLst>
-                                            <p:cond delay="0"/>
-                                          </p:stCondLst>
-                                        </p:cTn>
-                                        <p:tgtEl>
-                                          <p:spTgt spid="60">
-                                            <p:txEl>
-                                              <p:pRg st="1" end="1"/>
-                                            </p:txEl>
-                                          </p:spTgt>
-                                        </p:tgtEl>
-                                        <p:attrNameLst>
-                                          <p:attrName>style.visibility</p:attrName>
-                                        </p:attrNameLst>
-                                      </p:cBhvr>
-                                      <p:to>
-                                        <p:strVal val="visible"/>
-                                      </p:to>
-                                    </p:set>
-                                  </p:childTnLst>
-                                </p:cTn>
-                              </p:par>
-                            </p:childTnLst>
-                          </p:cTn>
-                        </p:par>
-                      </p:childTnLst>
-                    </p:cTn>
-                  </p:par>
-                  <p:par>
-                    <p:cTn id="11" fill="hold">
-                      <p:stCondLst>
-                        <p:cond delay="indefinite"/>
-                      </p:stCondLst>
-                      <p:childTnLst>
-                        <p:par>
-                          <p:cTn id="12" fill="hold">
-                            <p:stCondLst>
-                              <p:cond delay="0"/>
-                            </p:stCondLst>
-                            <p:childTnLst>
-                              <p:par>
-                                <p:cTn id="13" presetID="1" presetClass="entr" presetSubtype="0" fill="hold" nodeType="clickEffect">
-                                  <p:stCondLst>
-                                    <p:cond delay="0"/>
-                                  </p:stCondLst>
-                                  <p:childTnLst>
-                                    <p:set>
-                                      <p:cBhvr>
-                                        <p:cTn id="14" dur="1" fill="hold">
-                                          <p:stCondLst>
-                                            <p:cond delay="0"/>
-                                          </p:stCondLst>
-                                        </p:cTn>
-                                        <p:tgtEl>
-                                          <p:spTgt spid="64">
-                                            <p:txEl>
-                                              <p:pRg st="1" end="1"/>
-                                            </p:txEl>
-                                          </p:spTgt>
-                                        </p:tgtEl>
-                                        <p:attrNameLst>
-                                          <p:attrName>style.visibility</p:attrName>
-                                        </p:attrNameLst>
-                                      </p:cBhvr>
-                                      <p:to>
-                                        <p:strVal val="visible"/>
-                                      </p:to>
-                                    </p:set>
-                                  </p:childTnLst>
-                                </p:cTn>
-                              </p:par>
-                            </p:childTnLst>
-                          </p:cTn>
-                        </p:par>
-                      </p:childTnLst>
-                    </p:cTn>
-                  </p:par>
-                  <p:par>
-                    <p:cTn id="15" fill="hold">
-                      <p:stCondLst>
-                        <p:cond delay="indefinite"/>
-                      </p:stCondLst>
-                      <p:childTnLst>
-                        <p:par>
-                          <p:cTn id="16" fill="hold">
-                            <p:stCondLst>
-                              <p:cond delay="0"/>
-                            </p:stCondLst>
-                            <p:childTnLst>
-                              <p:par>
-                                <p:cTn id="17" presetID="1" presetClass="entr" presetSubtype="0" fill="hold" nodeType="clickEffect">
-                                  <p:stCondLst>
-                                    <p:cond delay="0"/>
-                                  </p:stCondLst>
-                                  <p:childTnLst>
-                                    <p:set>
-                                      <p:cBhvr>
-                                        <p:cTn id="18" dur="1" fill="hold">
-                                          <p:stCondLst>
-                                            <p:cond delay="0"/>
-                                          </p:stCondLst>
-                                        </p:cTn>
-                                        <p:tgtEl>
-                                          <p:spTgt spid="61">
-                                            <p:txEl>
-                                              <p:pRg st="1" end="1"/>
-                                            </p:txEl>
-                                          </p:spTgt>
-                                        </p:tgtEl>
-                                        <p:attrNameLst>
-                                          <p:attrName>style.visibility</p:attrName>
-                                        </p:attrNameLst>
-                                      </p:cBhvr>
-                                      <p:to>
-                                        <p:strVal val="visible"/>
-                                      </p:to>
-                                    </p:set>
-                                  </p:childTnLst>
-                                </p:cTn>
-                              </p:par>
-                            </p:childTnLst>
-                          </p:cTn>
-                        </p:par>
-                      </p:childTnLst>
-                    </p:cTn>
-                  </p:par>
-                  <p:par>
-                    <p:cTn id="19" fill="hold">
-                      <p:stCondLst>
-                        <p:cond delay="indefinite"/>
-                      </p:stCondLst>
-                      <p:childTnLst>
-                        <p:par>
-                          <p:cTn id="20" fill="hold">
-                            <p:stCondLst>
-                              <p:cond delay="0"/>
-                            </p:stCondLst>
-                            <p:childTnLst>
-                              <p:par>
-                                <p:cTn id="21" presetID="1" presetClass="entr" presetSubtype="0" fill="hold" nodeType="clickEffect">
-                                  <p:stCondLst>
-                                    <p:cond delay="0"/>
-                                  </p:stCondLst>
-                                  <p:childTnLst>
-                                    <p:set>
-                                      <p:cBhvr>
-                                        <p:cTn id="22" dur="1" fill="hold">
-                                          <p:stCondLst>
-                                            <p:cond delay="0"/>
-                                          </p:stCondLst>
-                                        </p:cTn>
-                                        <p:tgtEl>
-                                          <p:spTgt spid="62">
-                                            <p:txEl>
-                                              <p:pRg st="1" end="1"/>
-                                            </p:txEl>
-                                          </p:spTgt>
-                                        </p:tgtEl>
-                                        <p:attrNameLst>
-                                          <p:attrName>style.visibility</p:attrName>
-                                        </p:attrNameLst>
-                                      </p:cBhvr>
-                                      <p:to>
-                                        <p:strVal val="visible"/>
-                                      </p:to>
-                                    </p:set>
-                                  </p:childTnLst>
-                                </p:cTn>
-                              </p:par>
-                            </p:childTnLst>
-                          </p:cTn>
-                        </p:par>
-                      </p:childTnLst>
-                    </p:cTn>
-                  </p:par>
-                  <p:par>
-                    <p:cTn id="23" fill="hold">
-                      <p:stCondLst>
-                        <p:cond delay="indefinite"/>
-                      </p:stCondLst>
-                      <p:childTnLst>
-                        <p:par>
-                          <p:cTn id="24" fill="hold">
-                            <p:stCondLst>
-                              <p:cond delay="0"/>
-                            </p:stCondLst>
-                            <p:childTnLst>
-                              <p:par>
-                                <p:cTn id="25" presetID="1" presetClass="entr" presetSubtype="0" fill="hold" grpId="0" nodeType="clickEffect">
-                                  <p:stCondLst>
-                                    <p:cond delay="0"/>
-                                  </p:stCondLst>
-                                  <p:childTnLst>
-                                    <p:set>
-                                      <p:cBhvr>
-                                        <p:cTn id="26" dur="1" fill="hold">
-                                          <p:stCondLst>
-                                            <p:cond delay="0"/>
-                                          </p:stCondLst>
-                                        </p:cTn>
-                                        <p:tgtEl>
-                                          <p:spTgt spid="18"/>
-                                        </p:tgtEl>
-                                        <p:attrNameLst>
-                                          <p:attrName>style.visibility</p:attrName>
-                                        </p:attrNameLst>
-                                      </p:cBhvr>
-                                      <p:to>
-                                        <p:strVal val="visible"/>
-                                      </p:to>
-                                    </p:set>
-                                  </p:childTnLst>
-                                </p:cTn>
-                              </p:par>
-                            </p:childTnLst>
-                          </p:cTn>
-                        </p:par>
-                      </p:childTnLst>
-                    </p:cTn>
-                  </p:par>
-                  <p:par>
-                    <p:cTn id="27" fill="hold">
-                      <p:stCondLst>
-                        <p:cond delay="indefinite"/>
-                      </p:stCondLst>
-                      <p:childTnLst>
-                        <p:par>
-                          <p:cTn id="28" fill="hold">
-                            <p:stCondLst>
-                              <p:cond delay="0"/>
-                            </p:stCondLst>
-                            <p:childTnLst>
-                              <p:par>
-                                <p:cTn id="29" presetID="1" presetClass="entr" presetSubtype="0" fill="hold" grpId="0" nodeType="clickEffect">
-                                  <p:stCondLst>
-                                    <p:cond delay="0"/>
-                                  </p:stCondLst>
-                                  <p:childTnLst>
-                                    <p:set>
-                                      <p:cBhvr>
-                                        <p:cTn id="30" dur="1" fill="hold">
-                                          <p:stCondLst>
-                                            <p:cond delay="0"/>
-                                          </p:stCondLst>
-                                        </p:cTn>
-                                        <p:tgtEl>
-                                          <p:spTgt spid="4"/>
-                                        </p:tgtEl>
-                                        <p:attrNameLst>
-                                          <p:attrName>style.visibility</p:attrName>
-                                        </p:attrNameLst>
-                                      </p:cBhvr>
-                                      <p:to>
-                                        <p:strVal val="visible"/>
-                                      </p:to>
-                                    </p:set>
-                                  </p:childTnLst>
-                                </p:cTn>
-                              </p:par>
-                            </p:childTnLst>
-                          </p:cTn>
-                        </p:par>
-                      </p:childTnLst>
-                    </p:cTn>
-                  </p:par>
-                </p:childTnLst>
-              </p:cTn>
-              <p:prevCondLst>
-                <p:cond evt="onPrev" delay="0">
-                  <p:tgtEl>
-                    <p:sldTgt/>
-                  </p:tgtEl>
-                </p:cond>
-              </p:prevCondLst>
-              <p:nextCondLst>
-                <p:cond evt="onNext" delay="0">
-                  <p:tgtEl>
-                    <p:sldTgt/>
-                  </p:tgtEl>
-                </p:cond>
-              </p:nextCondLst>
-            </p:seq>
-          </p:childTnLst>
-        </p:cTn>
+        <p:cTn id="1" dur="indefinite" restart="never" nodeType="tmRoot"/>
       </p:par>
     </p:tnLst>
-    <p:bldLst>
-      <p:bldP spid="18" grpId="0" animBg="1"/>
-      <p:bldP spid="4" grpId="0" animBg="1"/>
-    </p:bldLst>
   </p:timing>
 </p:sld>
 </file>
